--- a/WF_Portfolio Project_Sector Trends and ETF Strategy.pptx
+++ b/WF_Portfolio Project_Sector Trends and ETF Strategy.pptx
@@ -5,10 +5,10 @@
     <p:sldMasterId id="2147483648" r:id="rId1"/>
   </p:sldMasterIdLst>
   <p:notesMasterIdLst>
-    <p:notesMasterId r:id="rId28"/>
+    <p:notesMasterId r:id="rId10"/>
   </p:notesMasterIdLst>
   <p:handoutMasterIdLst>
-    <p:handoutMasterId r:id="rId29"/>
+    <p:handoutMasterId r:id="rId11"/>
   </p:handoutMasterIdLst>
   <p:sldIdLst>
     <p:sldId id="256" r:id="rId2"/>
@@ -19,31 +19,13 @@
     <p:sldId id="288" r:id="rId7"/>
     <p:sldId id="290" r:id="rId8"/>
     <p:sldId id="289" r:id="rId9"/>
-    <p:sldId id="275" r:id="rId10"/>
-    <p:sldId id="283" r:id="rId11"/>
-    <p:sldId id="284" r:id="rId12"/>
-    <p:sldId id="285" r:id="rId13"/>
-    <p:sldId id="271" r:id="rId14"/>
-    <p:sldId id="276" r:id="rId15"/>
-    <p:sldId id="277" r:id="rId16"/>
-    <p:sldId id="291" r:id="rId17"/>
-    <p:sldId id="292" r:id="rId18"/>
-    <p:sldId id="293" r:id="rId19"/>
-    <p:sldId id="294" r:id="rId20"/>
-    <p:sldId id="295" r:id="rId21"/>
-    <p:sldId id="296" r:id="rId22"/>
-    <p:sldId id="297" r:id="rId23"/>
-    <p:sldId id="298" r:id="rId24"/>
-    <p:sldId id="299" r:id="rId25"/>
-    <p:sldId id="300" r:id="rId26"/>
-    <p:sldId id="301" r:id="rId27"/>
   </p:sldIdLst>
   <p:sldSz cx="9144000" cy="6858000" type="screen4x3"/>
   <p:notesSz cx="7010400" cy="9296400"/>
   <p:embeddedFontLst>
     <p:embeddedFont>
       <p:font typeface="Arial Black" panose="020B0604020202020204" pitchFamily="34" charset="0"/>
-      <p:bold r:id="rId30"/>
+      <p:bold r:id="rId12"/>
     </p:embeddedFont>
   </p:embeddedFontLst>
   <p:defaultTextStyle>
@@ -2152,5207 +2134,6 @@
     <c:dispBlanksAs val="gap"/>
     <c:showDLblsOverMax val="0"/>
   </c:chart>
-  <c:externalData r:id="rId1">
-    <c:autoUpdate val="0"/>
-  </c:externalData>
-  <c:extLst>
-    <c:ext xmlns:c14="http://schemas.microsoft.com/office/drawing/2007/8/2/chart" uri="{781A3756-C4B2-4CAC-9D66-4F8BD8637D16}">
-      <c14:pivotOptions>
-        <c14:dropZoneFilter val="1"/>
-        <c14:dropZoneCategories val="1"/>
-        <c14:dropZoneData val="1"/>
-        <c14:dropZonesVisible val="1"/>
-      </c14:pivotOptions>
-    </c:ext>
-  </c:extLst>
-</c:chartSpace>
-</file>
-
-<file path=ppt/charts/chart3.xml><?xml version="1.0" encoding="utf-8"?>
-<c:chartSpace xmlns:c="http://schemas.openxmlformats.org/drawingml/2006/chart" xmlns:a="http://schemas.openxmlformats.org/drawingml/2006/main" xmlns:r="http://schemas.openxmlformats.org/officeDocument/2006/relationships" xmlns:c16r2="http://schemas.microsoft.com/office/drawing/2015/06/chart">
-  <c:date1904 val="0"/>
-  <c:lang val="en-US"/>
-  <c:roundedCorners val="0"/>
-  <mc:AlternateContent xmlns:mc="http://schemas.openxmlformats.org/markup-compatibility/2006">
-    <mc:Choice xmlns:c14="http://schemas.microsoft.com/office/drawing/2007/8/2/chart" Requires="c14">
-      <c14:style val="102"/>
-    </mc:Choice>
-    <mc:Fallback>
-      <c:style val="2"/>
-    </mc:Fallback>
-  </mc:AlternateContent>
-  <c:pivotSource>
-    <c:name>[Wright Fund Portfolio Project Data v2.xlsx]Materials!PivotTable5</c:name>
-    <c:fmtId val="-1"/>
-  </c:pivotSource>
-  <c:chart>
-    <c:title>
-      <c:tx>
-        <c:rich>
-          <a:bodyPr/>
-          <a:lstStyle/>
-          <a:p>
-            <a:pPr>
-              <a:defRPr>
-                <a:solidFill>
-                  <a:schemeClr val="bg1"/>
-                </a:solidFill>
-              </a:defRPr>
-            </a:pPr>
-            <a:r>
-              <a:rPr lang="en-US" dirty="0">
-                <a:solidFill>
-                  <a:schemeClr val="bg1"/>
-                </a:solidFill>
-              </a:rPr>
-              <a:t>Materials Subsector </a:t>
-            </a:r>
-            <a:r>
-              <a:rPr lang="en-US" dirty="0">
-                <a:solidFill>
-                  <a:srgbClr val="FFFF00"/>
-                </a:solidFill>
-              </a:rPr>
-              <a:t>May</a:t>
-            </a:r>
-            <a:r>
-              <a:rPr lang="en-US" baseline="0" dirty="0">
-                <a:solidFill>
-                  <a:srgbClr val="FFFF00"/>
-                </a:solidFill>
-              </a:rPr>
-              <a:t> - Oct</a:t>
-            </a:r>
-            <a:r>
-              <a:rPr lang="en-US" dirty="0">
-                <a:solidFill>
-                  <a:srgbClr val="FFFF00"/>
-                </a:solidFill>
-              </a:rPr>
-              <a:t> </a:t>
-            </a:r>
-            <a:r>
-              <a:rPr lang="en-US" dirty="0">
-                <a:solidFill>
-                  <a:schemeClr val="bg1"/>
-                </a:solidFill>
-              </a:rPr>
-              <a:t>1990</a:t>
-            </a:r>
-            <a:r>
-              <a:rPr lang="en-US" baseline="0" dirty="0">
-                <a:solidFill>
-                  <a:schemeClr val="bg1"/>
-                </a:solidFill>
-              </a:rPr>
-              <a:t> - 2013</a:t>
-            </a:r>
-            <a:endParaRPr lang="en-US" dirty="0">
-              <a:solidFill>
-                <a:schemeClr val="bg1"/>
-              </a:solidFill>
-            </a:endParaRPr>
-          </a:p>
-        </c:rich>
-      </c:tx>
-      <c:overlay val="0"/>
-    </c:title>
-    <c:autoTitleDeleted val="0"/>
-    <c:pivotFmts>
-      <c:pivotFmt>
-        <c:idx val="0"/>
-        <c:spPr>
-          <a:solidFill>
-            <a:srgbClr val="FF3300"/>
-          </a:solidFill>
-        </c:spPr>
-        <c:marker>
-          <c:symbol val="none"/>
-        </c:marker>
-        <c:dLbl>
-          <c:idx val="0"/>
-          <c:numFmt formatCode="#,##0.00" sourceLinked="0"/>
-          <c:spPr/>
-          <c:txPr>
-            <a:bodyPr/>
-            <a:lstStyle/>
-            <a:p>
-              <a:pPr>
-                <a:defRPr/>
-              </a:pPr>
-              <a:endParaRPr lang="en-US"/>
-            </a:p>
-          </c:txPr>
-          <c:showLegendKey val="0"/>
-          <c:showVal val="1"/>
-          <c:showCatName val="0"/>
-          <c:showSerName val="0"/>
-          <c:showPercent val="0"/>
-          <c:showBubbleSize val="0"/>
-          <c:extLst>
-            <c:ext xmlns:c15="http://schemas.microsoft.com/office/drawing/2012/chart" uri="{CE6537A1-D6FC-4f65-9D91-7224C49458BB}"/>
-          </c:extLst>
-        </c:dLbl>
-      </c:pivotFmt>
-      <c:pivotFmt>
-        <c:idx val="1"/>
-        <c:marker>
-          <c:symbol val="none"/>
-        </c:marker>
-        <c:dLbl>
-          <c:idx val="0"/>
-          <c:spPr/>
-          <c:txPr>
-            <a:bodyPr/>
-            <a:lstStyle/>
-            <a:p>
-              <a:pPr>
-                <a:defRPr/>
-              </a:pPr>
-              <a:endParaRPr lang="en-US"/>
-            </a:p>
-          </c:txPr>
-          <c:showLegendKey val="0"/>
-          <c:showVal val="1"/>
-          <c:showCatName val="0"/>
-          <c:showSerName val="0"/>
-          <c:showPercent val="0"/>
-          <c:showBubbleSize val="0"/>
-          <c:extLst>
-            <c:ext xmlns:c15="http://schemas.microsoft.com/office/drawing/2012/chart" uri="{CE6537A1-D6FC-4f65-9D91-7224C49458BB}"/>
-          </c:extLst>
-        </c:dLbl>
-      </c:pivotFmt>
-      <c:pivotFmt>
-        <c:idx val="2"/>
-        <c:marker>
-          <c:symbol val="none"/>
-        </c:marker>
-        <c:dLbl>
-          <c:idx val="0"/>
-          <c:spPr/>
-          <c:txPr>
-            <a:bodyPr/>
-            <a:lstStyle/>
-            <a:p>
-              <a:pPr>
-                <a:defRPr/>
-              </a:pPr>
-              <a:endParaRPr lang="en-US"/>
-            </a:p>
-          </c:txPr>
-          <c:showLegendKey val="0"/>
-          <c:showVal val="1"/>
-          <c:showCatName val="0"/>
-          <c:showSerName val="0"/>
-          <c:showPercent val="0"/>
-          <c:showBubbleSize val="0"/>
-          <c:extLst>
-            <c:ext xmlns:c15="http://schemas.microsoft.com/office/drawing/2012/chart" uri="{CE6537A1-D6FC-4f65-9D91-7224C49458BB}"/>
-          </c:extLst>
-        </c:dLbl>
-      </c:pivotFmt>
-      <c:pivotFmt>
-        <c:idx val="3"/>
-        <c:marker>
-          <c:symbol val="none"/>
-        </c:marker>
-        <c:dLbl>
-          <c:idx val="0"/>
-          <c:spPr/>
-          <c:txPr>
-            <a:bodyPr/>
-            <a:lstStyle/>
-            <a:p>
-              <a:pPr>
-                <a:defRPr/>
-              </a:pPr>
-              <a:endParaRPr lang="en-US"/>
-            </a:p>
-          </c:txPr>
-          <c:showLegendKey val="0"/>
-          <c:showVal val="1"/>
-          <c:showCatName val="0"/>
-          <c:showSerName val="0"/>
-          <c:showPercent val="0"/>
-          <c:showBubbleSize val="0"/>
-          <c:extLst>
-            <c:ext xmlns:c15="http://schemas.microsoft.com/office/drawing/2012/chart" uri="{CE6537A1-D6FC-4f65-9D91-7224C49458BB}"/>
-          </c:extLst>
-        </c:dLbl>
-      </c:pivotFmt>
-      <c:pivotFmt>
-        <c:idx val="4"/>
-        <c:marker>
-          <c:symbol val="none"/>
-        </c:marker>
-        <c:dLbl>
-          <c:idx val="0"/>
-          <c:spPr/>
-          <c:txPr>
-            <a:bodyPr/>
-            <a:lstStyle/>
-            <a:p>
-              <a:pPr>
-                <a:defRPr/>
-              </a:pPr>
-              <a:endParaRPr lang="en-US"/>
-            </a:p>
-          </c:txPr>
-          <c:showLegendKey val="0"/>
-          <c:showVal val="1"/>
-          <c:showCatName val="0"/>
-          <c:showSerName val="0"/>
-          <c:showPercent val="0"/>
-          <c:showBubbleSize val="0"/>
-          <c:extLst>
-            <c:ext xmlns:c15="http://schemas.microsoft.com/office/drawing/2012/chart" uri="{CE6537A1-D6FC-4f65-9D91-7224C49458BB}"/>
-          </c:extLst>
-        </c:dLbl>
-      </c:pivotFmt>
-      <c:pivotFmt>
-        <c:idx val="5"/>
-        <c:marker>
-          <c:symbol val="none"/>
-        </c:marker>
-        <c:dLbl>
-          <c:idx val="0"/>
-          <c:spPr/>
-          <c:txPr>
-            <a:bodyPr/>
-            <a:lstStyle/>
-            <a:p>
-              <a:pPr>
-                <a:defRPr/>
-              </a:pPr>
-              <a:endParaRPr lang="en-US"/>
-            </a:p>
-          </c:txPr>
-          <c:showLegendKey val="0"/>
-          <c:showVal val="1"/>
-          <c:showCatName val="0"/>
-          <c:showSerName val="0"/>
-          <c:showPercent val="0"/>
-          <c:showBubbleSize val="0"/>
-          <c:extLst>
-            <c:ext xmlns:c15="http://schemas.microsoft.com/office/drawing/2012/chart" uri="{CE6537A1-D6FC-4f65-9D91-7224C49458BB}"/>
-          </c:extLst>
-        </c:dLbl>
-      </c:pivotFmt>
-      <c:pivotFmt>
-        <c:idx val="6"/>
-        <c:dLbl>
-          <c:idx val="0"/>
-          <c:layout>
-            <c:manualLayout>
-              <c:x val="0"/>
-              <c:y val="-5.5555555555555552E-2"/>
-            </c:manualLayout>
-          </c:layout>
-          <c:showLegendKey val="0"/>
-          <c:showVal val="1"/>
-          <c:showCatName val="0"/>
-          <c:showSerName val="0"/>
-          <c:showPercent val="0"/>
-          <c:showBubbleSize val="0"/>
-          <c:extLst>
-            <c:ext xmlns:c15="http://schemas.microsoft.com/office/drawing/2012/chart" uri="{CE6537A1-D6FC-4f65-9D91-7224C49458BB}"/>
-          </c:extLst>
-        </c:dLbl>
-      </c:pivotFmt>
-      <c:pivotFmt>
-        <c:idx val="7"/>
-        <c:spPr>
-          <a:solidFill>
-            <a:srgbClr val="FF3300"/>
-          </a:solidFill>
-        </c:spPr>
-        <c:marker>
-          <c:symbol val="none"/>
-        </c:marker>
-        <c:dLbl>
-          <c:idx val="0"/>
-          <c:numFmt formatCode="#,##0.00" sourceLinked="0"/>
-          <c:spPr/>
-          <c:txPr>
-            <a:bodyPr/>
-            <a:lstStyle/>
-            <a:p>
-              <a:pPr>
-                <a:defRPr/>
-              </a:pPr>
-              <a:endParaRPr lang="en-US"/>
-            </a:p>
-          </c:txPr>
-          <c:showLegendKey val="0"/>
-          <c:showVal val="1"/>
-          <c:showCatName val="0"/>
-          <c:showSerName val="0"/>
-          <c:showPercent val="0"/>
-          <c:showBubbleSize val="0"/>
-          <c:extLst>
-            <c:ext xmlns:c15="http://schemas.microsoft.com/office/drawing/2012/chart" uri="{CE6537A1-D6FC-4f65-9D91-7224C49458BB}"/>
-          </c:extLst>
-        </c:dLbl>
-      </c:pivotFmt>
-      <c:pivotFmt>
-        <c:idx val="8"/>
-        <c:dLbl>
-          <c:idx val="0"/>
-          <c:layout>
-            <c:manualLayout>
-              <c:x val="0"/>
-              <c:y val="-5.5555555555555552E-2"/>
-            </c:manualLayout>
-          </c:layout>
-          <c:showLegendKey val="0"/>
-          <c:showVal val="1"/>
-          <c:showCatName val="0"/>
-          <c:showSerName val="0"/>
-          <c:showPercent val="0"/>
-          <c:showBubbleSize val="0"/>
-          <c:extLst>
-            <c:ext xmlns:c15="http://schemas.microsoft.com/office/drawing/2012/chart" uri="{CE6537A1-D6FC-4f65-9D91-7224C49458BB}"/>
-          </c:extLst>
-        </c:dLbl>
-      </c:pivotFmt>
-      <c:pivotFmt>
-        <c:idx val="9"/>
-        <c:spPr>
-          <a:solidFill>
-            <a:srgbClr val="FF3300"/>
-          </a:solidFill>
-        </c:spPr>
-        <c:marker>
-          <c:symbol val="none"/>
-        </c:marker>
-        <c:dLbl>
-          <c:idx val="0"/>
-          <c:numFmt formatCode="#,##0.00" sourceLinked="0"/>
-          <c:spPr/>
-          <c:txPr>
-            <a:bodyPr/>
-            <a:lstStyle/>
-            <a:p>
-              <a:pPr>
-                <a:defRPr/>
-              </a:pPr>
-              <a:endParaRPr lang="en-US"/>
-            </a:p>
-          </c:txPr>
-          <c:showLegendKey val="0"/>
-          <c:showVal val="1"/>
-          <c:showCatName val="0"/>
-          <c:showSerName val="0"/>
-          <c:showPercent val="0"/>
-          <c:showBubbleSize val="0"/>
-          <c:extLst>
-            <c:ext xmlns:c15="http://schemas.microsoft.com/office/drawing/2012/chart" uri="{CE6537A1-D6FC-4f65-9D91-7224C49458BB}"/>
-          </c:extLst>
-        </c:dLbl>
-      </c:pivotFmt>
-      <c:pivotFmt>
-        <c:idx val="10"/>
-        <c:dLbl>
-          <c:idx val="0"/>
-          <c:layout>
-            <c:manualLayout>
-              <c:x val="0"/>
-              <c:y val="-5.5555555555555552E-2"/>
-            </c:manualLayout>
-          </c:layout>
-          <c:showLegendKey val="0"/>
-          <c:showVal val="1"/>
-          <c:showCatName val="0"/>
-          <c:showSerName val="0"/>
-          <c:showPercent val="0"/>
-          <c:showBubbleSize val="0"/>
-          <c:extLst>
-            <c:ext xmlns:c15="http://schemas.microsoft.com/office/drawing/2012/chart" uri="{CE6537A1-D6FC-4f65-9D91-7224C49458BB}"/>
-          </c:extLst>
-        </c:dLbl>
-      </c:pivotFmt>
-    </c:pivotFmts>
-    <c:plotArea>
-      <c:layout/>
-      <c:barChart>
-        <c:barDir val="col"/>
-        <c:grouping val="clustered"/>
-        <c:varyColors val="0"/>
-        <c:ser>
-          <c:idx val="0"/>
-          <c:order val="0"/>
-          <c:tx>
-            <c:strRef>
-              <c:f>Materials!$B$4</c:f>
-              <c:strCache>
-                <c:ptCount val="1"/>
-                <c:pt idx="0">
-                  <c:v>Total</c:v>
-                </c:pt>
-              </c:strCache>
-            </c:strRef>
-          </c:tx>
-          <c:spPr>
-            <a:solidFill>
-              <a:srgbClr val="FF3300"/>
-            </a:solidFill>
-          </c:spPr>
-          <c:invertIfNegative val="0"/>
-          <c:dPt>
-            <c:idx val="0"/>
-            <c:invertIfNegative val="0"/>
-            <c:bubble3D val="0"/>
-            <c:spPr>
-              <a:solidFill>
-                <a:srgbClr val="00B050"/>
-              </a:solidFill>
-            </c:spPr>
-            <c:extLst>
-              <c:ext xmlns:c16="http://schemas.microsoft.com/office/drawing/2014/chart" uri="{C3380CC4-5D6E-409C-BE32-E72D297353CC}">
-                <c16:uniqueId val="{00000001-C536-2C4F-BF91-B3212C81D329}"/>
-              </c:ext>
-            </c:extLst>
-          </c:dPt>
-          <c:dLbls>
-            <c:dLbl>
-              <c:idx val="3"/>
-              <c:layout>
-                <c:manualLayout>
-                  <c:x val="0"/>
-                  <c:y val="-5.5555555555555552E-2"/>
-                </c:manualLayout>
-              </c:layout>
-              <c:showLegendKey val="0"/>
-              <c:showVal val="1"/>
-              <c:showCatName val="0"/>
-              <c:showSerName val="0"/>
-              <c:showPercent val="0"/>
-              <c:showBubbleSize val="0"/>
-              <c:extLst>
-                <c:ext xmlns:c15="http://schemas.microsoft.com/office/drawing/2012/chart" uri="{CE6537A1-D6FC-4f65-9D91-7224C49458BB}"/>
-                <c:ext xmlns:c16="http://schemas.microsoft.com/office/drawing/2014/chart" uri="{C3380CC4-5D6E-409C-BE32-E72D297353CC}">
-                  <c16:uniqueId val="{00000002-C536-2C4F-BF91-B3212C81D329}"/>
-                </c:ext>
-              </c:extLst>
-            </c:dLbl>
-            <c:numFmt formatCode="#,##0.00" sourceLinked="0"/>
-            <c:spPr>
-              <a:noFill/>
-              <a:ln>
-                <a:noFill/>
-              </a:ln>
-              <a:effectLst/>
-            </c:spPr>
-            <c:txPr>
-              <a:bodyPr/>
-              <a:lstStyle/>
-              <a:p>
-                <a:pPr>
-                  <a:defRPr b="1">
-                    <a:solidFill>
-                      <a:schemeClr val="bg1"/>
-                    </a:solidFill>
-                  </a:defRPr>
-                </a:pPr>
-                <a:endParaRPr lang="en-US"/>
-              </a:p>
-            </c:txPr>
-            <c:showLegendKey val="0"/>
-            <c:showVal val="1"/>
-            <c:showCatName val="0"/>
-            <c:showSerName val="0"/>
-            <c:showPercent val="0"/>
-            <c:showBubbleSize val="0"/>
-            <c:showLeaderLines val="0"/>
-            <c:extLst>
-              <c:ext xmlns:c15="http://schemas.microsoft.com/office/drawing/2012/chart" uri="{CE6537A1-D6FC-4f65-9D91-7224C49458BB}">
-                <c15:showLeaderLines val="0"/>
-              </c:ext>
-            </c:extLst>
-          </c:dLbls>
-          <c:cat>
-            <c:strRef>
-              <c:f>Materials!$A$5:$A$10</c:f>
-              <c:strCache>
-                <c:ptCount val="5"/>
-                <c:pt idx="0">
-                  <c:v>S&amp;P 500 CHEMICALS INDEX</c:v>
-                </c:pt>
-                <c:pt idx="1">
-                  <c:v>S&amp;P 500 CONST MATRLS IDX</c:v>
-                </c:pt>
-                <c:pt idx="2">
-                  <c:v>S&amp;P 500 CONT &amp; PKG INDEX</c:v>
-                </c:pt>
-                <c:pt idx="3">
-                  <c:v>S&amp;P 500 METALS &amp; MNG IDX</c:v>
-                </c:pt>
-                <c:pt idx="4">
-                  <c:v>S&amp;P 500 PPR &amp; FRST PD IX</c:v>
-                </c:pt>
-              </c:strCache>
-            </c:strRef>
-          </c:cat>
-          <c:val>
-            <c:numRef>
-              <c:f>Materials!$B$5:$B$10</c:f>
-              <c:numCache>
-                <c:formatCode>General</c:formatCode>
-                <c:ptCount val="5"/>
-                <c:pt idx="0">
-                  <c:v>0.17157103003351204</c:v>
-                </c:pt>
-                <c:pt idx="1">
-                  <c:v>-10.020596980604859</c:v>
-                </c:pt>
-                <c:pt idx="2">
-                  <c:v>-3.5975584161675456</c:v>
-                </c:pt>
-                <c:pt idx="3">
-                  <c:v>-0.53602751332085308</c:v>
-                </c:pt>
-                <c:pt idx="4">
-                  <c:v>-2.2685576439938933</c:v>
-                </c:pt>
-              </c:numCache>
-            </c:numRef>
-          </c:val>
-          <c:extLst>
-            <c:ext xmlns:c16="http://schemas.microsoft.com/office/drawing/2014/chart" uri="{C3380CC4-5D6E-409C-BE32-E72D297353CC}">
-              <c16:uniqueId val="{00000003-C536-2C4F-BF91-B3212C81D329}"/>
-            </c:ext>
-          </c:extLst>
-        </c:ser>
-        <c:dLbls>
-          <c:showLegendKey val="0"/>
-          <c:showVal val="0"/>
-          <c:showCatName val="0"/>
-          <c:showSerName val="0"/>
-          <c:showPercent val="0"/>
-          <c:showBubbleSize val="0"/>
-        </c:dLbls>
-        <c:gapWidth val="150"/>
-        <c:axId val="45624832"/>
-        <c:axId val="45279488"/>
-      </c:barChart>
-      <c:catAx>
-        <c:axId val="45624832"/>
-        <c:scaling>
-          <c:orientation val="minMax"/>
-        </c:scaling>
-        <c:delete val="0"/>
-        <c:axPos val="b"/>
-        <c:numFmt formatCode="General" sourceLinked="0"/>
-        <c:majorTickMark val="out"/>
-        <c:minorTickMark val="none"/>
-        <c:tickLblPos val="nextTo"/>
-        <c:txPr>
-          <a:bodyPr/>
-          <a:lstStyle/>
-          <a:p>
-            <a:pPr>
-              <a:defRPr sz="700" b="1">
-                <a:solidFill>
-                  <a:schemeClr val="bg1"/>
-                </a:solidFill>
-              </a:defRPr>
-            </a:pPr>
-            <a:endParaRPr lang="en-US"/>
-          </a:p>
-        </c:txPr>
-        <c:crossAx val="45279488"/>
-        <c:crosses val="autoZero"/>
-        <c:auto val="1"/>
-        <c:lblAlgn val="ctr"/>
-        <c:lblOffset val="100"/>
-        <c:noMultiLvlLbl val="0"/>
-      </c:catAx>
-      <c:valAx>
-        <c:axId val="45279488"/>
-        <c:scaling>
-          <c:orientation val="minMax"/>
-        </c:scaling>
-        <c:delete val="0"/>
-        <c:axPos val="l"/>
-        <c:title>
-          <c:tx>
-            <c:rich>
-              <a:bodyPr rot="-5400000" vert="horz"/>
-              <a:lstStyle/>
-              <a:p>
-                <a:pPr>
-                  <a:defRPr>
-                    <a:solidFill>
-                      <a:schemeClr val="bg1"/>
-                    </a:solidFill>
-                  </a:defRPr>
-                </a:pPr>
-                <a:r>
-                  <a:rPr lang="en-US">
-                    <a:solidFill>
-                      <a:schemeClr val="bg1"/>
-                    </a:solidFill>
-                  </a:rPr>
-                  <a:t>Total Returns (%)</a:t>
-                </a:r>
-              </a:p>
-            </c:rich>
-          </c:tx>
-          <c:overlay val="0"/>
-        </c:title>
-        <c:numFmt formatCode="General" sourceLinked="1"/>
-        <c:majorTickMark val="out"/>
-        <c:minorTickMark val="none"/>
-        <c:tickLblPos val="nextTo"/>
-        <c:txPr>
-          <a:bodyPr/>
-          <a:lstStyle/>
-          <a:p>
-            <a:pPr>
-              <a:defRPr>
-                <a:solidFill>
-                  <a:schemeClr val="bg1"/>
-                </a:solidFill>
-              </a:defRPr>
-            </a:pPr>
-            <a:endParaRPr lang="en-US"/>
-          </a:p>
-        </c:txPr>
-        <c:crossAx val="45624832"/>
-        <c:crosses val="autoZero"/>
-        <c:crossBetween val="between"/>
-      </c:valAx>
-    </c:plotArea>
-    <c:plotVisOnly val="1"/>
-    <c:dispBlanksAs val="gap"/>
-    <c:showDLblsOverMax val="0"/>
-  </c:chart>
-  <c:externalData r:id="rId1">
-    <c:autoUpdate val="0"/>
-  </c:externalData>
-  <c:extLst>
-    <c:ext xmlns:c14="http://schemas.microsoft.com/office/drawing/2007/8/2/chart" uri="{781A3756-C4B2-4CAC-9D66-4F8BD8637D16}">
-      <c14:pivotOptions>
-        <c14:dropZoneFilter val="1"/>
-        <c14:dropZoneCategories val="1"/>
-        <c14:dropZoneData val="1"/>
-        <c14:dropZonesVisible val="1"/>
-      </c14:pivotOptions>
-    </c:ext>
-  </c:extLst>
-</c:chartSpace>
-</file>
-
-<file path=ppt/charts/chart4.xml><?xml version="1.0" encoding="utf-8"?>
-<c:chartSpace xmlns:c="http://schemas.openxmlformats.org/drawingml/2006/chart" xmlns:a="http://schemas.openxmlformats.org/drawingml/2006/main" xmlns:r="http://schemas.openxmlformats.org/officeDocument/2006/relationships" xmlns:c16r2="http://schemas.microsoft.com/office/drawing/2015/06/chart">
-  <c:date1904 val="0"/>
-  <c:lang val="en-US"/>
-  <c:roundedCorners val="0"/>
-  <mc:AlternateContent xmlns:mc="http://schemas.openxmlformats.org/markup-compatibility/2006">
-    <mc:Choice xmlns:c14="http://schemas.microsoft.com/office/drawing/2007/8/2/chart" Requires="c14">
-      <c14:style val="102"/>
-    </mc:Choice>
-    <mc:Fallback>
-      <c:style val="2"/>
-    </mc:Fallback>
-  </mc:AlternateContent>
-  <c:pivotSource>
-    <c:name>[Wright Fund Portfolio Project Data v3.xlsx]Cons Discret!PivotTable5</c:name>
-    <c:fmtId val="19"/>
-  </c:pivotSource>
-  <c:chart>
-    <c:title>
-      <c:tx>
-        <c:rich>
-          <a:bodyPr/>
-          <a:lstStyle/>
-          <a:p>
-            <a:pPr>
-              <a:defRPr>
-                <a:solidFill>
-                  <a:schemeClr val="bg1"/>
-                </a:solidFill>
-              </a:defRPr>
-            </a:pPr>
-            <a:r>
-              <a:rPr lang="en-US" dirty="0">
-                <a:solidFill>
-                  <a:schemeClr val="bg1"/>
-                </a:solidFill>
-              </a:rPr>
-              <a:t>Cons Disc Subsector </a:t>
-            </a:r>
-            <a:r>
-              <a:rPr lang="en-US" dirty="0">
-                <a:solidFill>
-                  <a:srgbClr val="FFFF00"/>
-                </a:solidFill>
-              </a:rPr>
-              <a:t>May - Oct </a:t>
-            </a:r>
-            <a:r>
-              <a:rPr lang="en-US" dirty="0">
-                <a:solidFill>
-                  <a:schemeClr val="bg1"/>
-                </a:solidFill>
-              </a:rPr>
-              <a:t>1990</a:t>
-            </a:r>
-            <a:r>
-              <a:rPr lang="en-US" baseline="0" dirty="0">
-                <a:solidFill>
-                  <a:schemeClr val="bg1"/>
-                </a:solidFill>
-              </a:rPr>
-              <a:t> - 2013</a:t>
-            </a:r>
-            <a:endParaRPr lang="en-US" dirty="0">
-              <a:solidFill>
-                <a:schemeClr val="bg1"/>
-              </a:solidFill>
-            </a:endParaRPr>
-          </a:p>
-        </c:rich>
-      </c:tx>
-      <c:overlay val="0"/>
-    </c:title>
-    <c:autoTitleDeleted val="0"/>
-    <c:pivotFmts>
-      <c:pivotFmt>
-        <c:idx val="0"/>
-        <c:spPr>
-          <a:solidFill>
-            <a:srgbClr val="FF3300"/>
-          </a:solidFill>
-        </c:spPr>
-        <c:marker>
-          <c:symbol val="none"/>
-        </c:marker>
-        <c:dLbl>
-          <c:idx val="0"/>
-          <c:numFmt formatCode="#,##0.00" sourceLinked="0"/>
-          <c:spPr/>
-          <c:txPr>
-            <a:bodyPr/>
-            <a:lstStyle/>
-            <a:p>
-              <a:pPr>
-                <a:defRPr/>
-              </a:pPr>
-              <a:endParaRPr lang="en-US"/>
-            </a:p>
-          </c:txPr>
-          <c:showLegendKey val="0"/>
-          <c:showVal val="1"/>
-          <c:showCatName val="0"/>
-          <c:showSerName val="0"/>
-          <c:showPercent val="0"/>
-          <c:showBubbleSize val="0"/>
-          <c:extLst>
-            <c:ext xmlns:c15="http://schemas.microsoft.com/office/drawing/2012/chart" uri="{CE6537A1-D6FC-4f65-9D91-7224C49458BB}"/>
-          </c:extLst>
-        </c:dLbl>
-      </c:pivotFmt>
-      <c:pivotFmt>
-        <c:idx val="1"/>
-        <c:marker>
-          <c:symbol val="none"/>
-        </c:marker>
-        <c:dLbl>
-          <c:idx val="0"/>
-          <c:spPr/>
-          <c:txPr>
-            <a:bodyPr/>
-            <a:lstStyle/>
-            <a:p>
-              <a:pPr>
-                <a:defRPr/>
-              </a:pPr>
-              <a:endParaRPr lang="en-US"/>
-            </a:p>
-          </c:txPr>
-          <c:showLegendKey val="0"/>
-          <c:showVal val="1"/>
-          <c:showCatName val="0"/>
-          <c:showSerName val="0"/>
-          <c:showPercent val="0"/>
-          <c:showBubbleSize val="0"/>
-          <c:extLst>
-            <c:ext xmlns:c15="http://schemas.microsoft.com/office/drawing/2012/chart" uri="{CE6537A1-D6FC-4f65-9D91-7224C49458BB}"/>
-          </c:extLst>
-        </c:dLbl>
-      </c:pivotFmt>
-      <c:pivotFmt>
-        <c:idx val="2"/>
-        <c:marker>
-          <c:symbol val="none"/>
-        </c:marker>
-        <c:dLbl>
-          <c:idx val="0"/>
-          <c:spPr/>
-          <c:txPr>
-            <a:bodyPr/>
-            <a:lstStyle/>
-            <a:p>
-              <a:pPr>
-                <a:defRPr/>
-              </a:pPr>
-              <a:endParaRPr lang="en-US"/>
-            </a:p>
-          </c:txPr>
-          <c:showLegendKey val="0"/>
-          <c:showVal val="1"/>
-          <c:showCatName val="0"/>
-          <c:showSerName val="0"/>
-          <c:showPercent val="0"/>
-          <c:showBubbleSize val="0"/>
-          <c:extLst>
-            <c:ext xmlns:c15="http://schemas.microsoft.com/office/drawing/2012/chart" uri="{CE6537A1-D6FC-4f65-9D91-7224C49458BB}"/>
-          </c:extLst>
-        </c:dLbl>
-      </c:pivotFmt>
-      <c:pivotFmt>
-        <c:idx val="3"/>
-        <c:marker>
-          <c:symbol val="none"/>
-        </c:marker>
-        <c:dLbl>
-          <c:idx val="0"/>
-          <c:spPr/>
-          <c:txPr>
-            <a:bodyPr/>
-            <a:lstStyle/>
-            <a:p>
-              <a:pPr>
-                <a:defRPr/>
-              </a:pPr>
-              <a:endParaRPr lang="en-US"/>
-            </a:p>
-          </c:txPr>
-          <c:showLegendKey val="0"/>
-          <c:showVal val="1"/>
-          <c:showCatName val="0"/>
-          <c:showSerName val="0"/>
-          <c:showPercent val="0"/>
-          <c:showBubbleSize val="0"/>
-          <c:extLst>
-            <c:ext xmlns:c15="http://schemas.microsoft.com/office/drawing/2012/chart" uri="{CE6537A1-D6FC-4f65-9D91-7224C49458BB}"/>
-          </c:extLst>
-        </c:dLbl>
-      </c:pivotFmt>
-      <c:pivotFmt>
-        <c:idx val="4"/>
-        <c:marker>
-          <c:symbol val="none"/>
-        </c:marker>
-        <c:dLbl>
-          <c:idx val="0"/>
-          <c:spPr/>
-          <c:txPr>
-            <a:bodyPr/>
-            <a:lstStyle/>
-            <a:p>
-              <a:pPr>
-                <a:defRPr/>
-              </a:pPr>
-              <a:endParaRPr lang="en-US"/>
-            </a:p>
-          </c:txPr>
-          <c:showLegendKey val="0"/>
-          <c:showVal val="1"/>
-          <c:showCatName val="0"/>
-          <c:showSerName val="0"/>
-          <c:showPercent val="0"/>
-          <c:showBubbleSize val="0"/>
-          <c:extLst>
-            <c:ext xmlns:c15="http://schemas.microsoft.com/office/drawing/2012/chart" uri="{CE6537A1-D6FC-4f65-9D91-7224C49458BB}"/>
-          </c:extLst>
-        </c:dLbl>
-      </c:pivotFmt>
-      <c:pivotFmt>
-        <c:idx val="5"/>
-        <c:marker>
-          <c:symbol val="none"/>
-        </c:marker>
-        <c:dLbl>
-          <c:idx val="0"/>
-          <c:spPr/>
-          <c:txPr>
-            <a:bodyPr/>
-            <a:lstStyle/>
-            <a:p>
-              <a:pPr>
-                <a:defRPr/>
-              </a:pPr>
-              <a:endParaRPr lang="en-US"/>
-            </a:p>
-          </c:txPr>
-          <c:showLegendKey val="0"/>
-          <c:showVal val="1"/>
-          <c:showCatName val="0"/>
-          <c:showSerName val="0"/>
-          <c:showPercent val="0"/>
-          <c:showBubbleSize val="0"/>
-          <c:extLst>
-            <c:ext xmlns:c15="http://schemas.microsoft.com/office/drawing/2012/chart" uri="{CE6537A1-D6FC-4f65-9D91-7224C49458BB}"/>
-          </c:extLst>
-        </c:dLbl>
-      </c:pivotFmt>
-      <c:pivotFmt>
-        <c:idx val="6"/>
-        <c:dLbl>
-          <c:idx val="0"/>
-          <c:layout>
-            <c:manualLayout>
-              <c:x val="0"/>
-              <c:y val="-5.5555555555555552E-2"/>
-            </c:manualLayout>
-          </c:layout>
-          <c:showLegendKey val="0"/>
-          <c:showVal val="1"/>
-          <c:showCatName val="0"/>
-          <c:showSerName val="0"/>
-          <c:showPercent val="0"/>
-          <c:showBubbleSize val="0"/>
-          <c:extLst>
-            <c:ext xmlns:c15="http://schemas.microsoft.com/office/drawing/2012/chart" uri="{CE6537A1-D6FC-4f65-9D91-7224C49458BB}"/>
-          </c:extLst>
-        </c:dLbl>
-      </c:pivotFmt>
-      <c:pivotFmt>
-        <c:idx val="7"/>
-        <c:spPr>
-          <a:solidFill>
-            <a:srgbClr val="FF3300"/>
-          </a:solidFill>
-        </c:spPr>
-        <c:marker>
-          <c:symbol val="none"/>
-        </c:marker>
-        <c:dLbl>
-          <c:idx val="0"/>
-          <c:numFmt formatCode="#,##0.00" sourceLinked="0"/>
-          <c:spPr/>
-          <c:txPr>
-            <a:bodyPr/>
-            <a:lstStyle/>
-            <a:p>
-              <a:pPr>
-                <a:defRPr/>
-              </a:pPr>
-              <a:endParaRPr lang="en-US"/>
-            </a:p>
-          </c:txPr>
-          <c:showLegendKey val="0"/>
-          <c:showVal val="1"/>
-          <c:showCatName val="0"/>
-          <c:showSerName val="0"/>
-          <c:showPercent val="0"/>
-          <c:showBubbleSize val="0"/>
-          <c:extLst>
-            <c:ext xmlns:c15="http://schemas.microsoft.com/office/drawing/2012/chart" uri="{CE6537A1-D6FC-4f65-9D91-7224C49458BB}"/>
-          </c:extLst>
-        </c:dLbl>
-      </c:pivotFmt>
-      <c:pivotFmt>
-        <c:idx val="8"/>
-        <c:dLbl>
-          <c:idx val="0"/>
-          <c:layout>
-            <c:manualLayout>
-              <c:x val="0"/>
-              <c:y val="-5.5555555555555552E-2"/>
-            </c:manualLayout>
-          </c:layout>
-          <c:showLegendKey val="0"/>
-          <c:showVal val="1"/>
-          <c:showCatName val="0"/>
-          <c:showSerName val="0"/>
-          <c:showPercent val="0"/>
-          <c:showBubbleSize val="0"/>
-          <c:extLst>
-            <c:ext xmlns:c15="http://schemas.microsoft.com/office/drawing/2012/chart" uri="{CE6537A1-D6FC-4f65-9D91-7224C49458BB}"/>
-          </c:extLst>
-        </c:dLbl>
-      </c:pivotFmt>
-      <c:pivotFmt>
-        <c:idx val="9"/>
-        <c:spPr>
-          <a:solidFill>
-            <a:srgbClr val="FF3300"/>
-          </a:solidFill>
-        </c:spPr>
-        <c:marker>
-          <c:symbol val="none"/>
-        </c:marker>
-        <c:dLbl>
-          <c:idx val="0"/>
-          <c:numFmt formatCode="#,##0.00" sourceLinked="0"/>
-          <c:spPr/>
-          <c:txPr>
-            <a:bodyPr/>
-            <a:lstStyle/>
-            <a:p>
-              <a:pPr>
-                <a:defRPr/>
-              </a:pPr>
-              <a:endParaRPr lang="en-US"/>
-            </a:p>
-          </c:txPr>
-          <c:showLegendKey val="0"/>
-          <c:showVal val="1"/>
-          <c:showCatName val="0"/>
-          <c:showSerName val="0"/>
-          <c:showPercent val="0"/>
-          <c:showBubbleSize val="0"/>
-          <c:extLst>
-            <c:ext xmlns:c15="http://schemas.microsoft.com/office/drawing/2012/chart" uri="{CE6537A1-D6FC-4f65-9D91-7224C49458BB}"/>
-          </c:extLst>
-        </c:dLbl>
-      </c:pivotFmt>
-      <c:pivotFmt>
-        <c:idx val="10"/>
-        <c:spPr>
-          <a:solidFill>
-            <a:srgbClr val="FF3300"/>
-          </a:solidFill>
-        </c:spPr>
-        <c:marker>
-          <c:symbol val="none"/>
-        </c:marker>
-        <c:dLbl>
-          <c:idx val="0"/>
-          <c:numFmt formatCode="#,##0.00" sourceLinked="0"/>
-          <c:spPr/>
-          <c:txPr>
-            <a:bodyPr/>
-            <a:lstStyle/>
-            <a:p>
-              <a:pPr>
-                <a:defRPr/>
-              </a:pPr>
-              <a:endParaRPr lang="en-US"/>
-            </a:p>
-          </c:txPr>
-          <c:showLegendKey val="0"/>
-          <c:showVal val="1"/>
-          <c:showCatName val="0"/>
-          <c:showSerName val="0"/>
-          <c:showPercent val="0"/>
-          <c:showBubbleSize val="0"/>
-          <c:extLst>
-            <c:ext xmlns:c15="http://schemas.microsoft.com/office/drawing/2012/chart" uri="{CE6537A1-D6FC-4f65-9D91-7224C49458BB}"/>
-          </c:extLst>
-        </c:dLbl>
-      </c:pivotFmt>
-    </c:pivotFmts>
-    <c:plotArea>
-      <c:layout/>
-      <c:barChart>
-        <c:barDir val="col"/>
-        <c:grouping val="clustered"/>
-        <c:varyColors val="0"/>
-        <c:ser>
-          <c:idx val="0"/>
-          <c:order val="0"/>
-          <c:tx>
-            <c:strRef>
-              <c:f>'Cons Discret'!$B$4</c:f>
-              <c:strCache>
-                <c:ptCount val="1"/>
-                <c:pt idx="0">
-                  <c:v>Total</c:v>
-                </c:pt>
-              </c:strCache>
-            </c:strRef>
-          </c:tx>
-          <c:spPr>
-            <a:solidFill>
-              <a:srgbClr val="FF3300"/>
-            </a:solidFill>
-          </c:spPr>
-          <c:invertIfNegative val="0"/>
-          <c:dPt>
-            <c:idx val="2"/>
-            <c:invertIfNegative val="0"/>
-            <c:bubble3D val="0"/>
-            <c:spPr>
-              <a:solidFill>
-                <a:srgbClr val="00B050"/>
-              </a:solidFill>
-            </c:spPr>
-            <c:extLst>
-              <c:ext xmlns:c16="http://schemas.microsoft.com/office/drawing/2014/chart" uri="{C3380CC4-5D6E-409C-BE32-E72D297353CC}">
-                <c16:uniqueId val="{00000001-99C9-724A-A8FF-45C2D875D93B}"/>
-              </c:ext>
-            </c:extLst>
-          </c:dPt>
-          <c:dPt>
-            <c:idx val="4"/>
-            <c:invertIfNegative val="0"/>
-            <c:bubble3D val="0"/>
-            <c:spPr>
-              <a:solidFill>
-                <a:srgbClr val="00B050"/>
-              </a:solidFill>
-            </c:spPr>
-            <c:extLst>
-              <c:ext xmlns:c16="http://schemas.microsoft.com/office/drawing/2014/chart" uri="{C3380CC4-5D6E-409C-BE32-E72D297353CC}">
-                <c16:uniqueId val="{00000003-99C9-724A-A8FF-45C2D875D93B}"/>
-              </c:ext>
-            </c:extLst>
-          </c:dPt>
-          <c:dLbls>
-            <c:numFmt formatCode="#,##0.00" sourceLinked="0"/>
-            <c:spPr>
-              <a:noFill/>
-              <a:ln>
-                <a:noFill/>
-              </a:ln>
-              <a:effectLst/>
-            </c:spPr>
-            <c:txPr>
-              <a:bodyPr/>
-              <a:lstStyle/>
-              <a:p>
-                <a:pPr>
-                  <a:defRPr b="1">
-                    <a:solidFill>
-                      <a:schemeClr val="bg1"/>
-                    </a:solidFill>
-                  </a:defRPr>
-                </a:pPr>
-                <a:endParaRPr lang="en-US"/>
-              </a:p>
-            </c:txPr>
-            <c:showLegendKey val="0"/>
-            <c:showVal val="1"/>
-            <c:showCatName val="0"/>
-            <c:showSerName val="0"/>
-            <c:showPercent val="0"/>
-            <c:showBubbleSize val="0"/>
-            <c:showLeaderLines val="0"/>
-            <c:extLst>
-              <c:ext xmlns:c15="http://schemas.microsoft.com/office/drawing/2012/chart" uri="{CE6537A1-D6FC-4f65-9D91-7224C49458BB}">
-                <c15:showLeaderLines val="0"/>
-              </c:ext>
-            </c:extLst>
-          </c:dLbls>
-          <c:cat>
-            <c:strRef>
-              <c:f>'Cons Discret'!$A$5:$A$10</c:f>
-              <c:strCache>
-                <c:ptCount val="5"/>
-                <c:pt idx="0">
-                  <c:v>S&amp;P 500 AUTO &amp; COMP IDX</c:v>
-                </c:pt>
-                <c:pt idx="1">
-                  <c:v>S&amp;P 500 CON DUR&amp;AP INDEX</c:v>
-                </c:pt>
-                <c:pt idx="2">
-                  <c:v>S&amp;P 500 CONS SRV IDX</c:v>
-                </c:pt>
-                <c:pt idx="3">
-                  <c:v>S&amp;P 500 MEDIA INDEX</c:v>
-                </c:pt>
-                <c:pt idx="4">
-                  <c:v>S&amp;P 500 RETAILING INDEX</c:v>
-                </c:pt>
-              </c:strCache>
-            </c:strRef>
-          </c:cat>
-          <c:val>
-            <c:numRef>
-              <c:f>'Cons Discret'!$B$5:$B$10</c:f>
-              <c:numCache>
-                <c:formatCode>General</c:formatCode>
-                <c:ptCount val="5"/>
-                <c:pt idx="0">
-                  <c:v>-3.5702619959584321</c:v>
-                </c:pt>
-                <c:pt idx="1">
-                  <c:v>-0.46871088602611244</c:v>
-                </c:pt>
-                <c:pt idx="2">
-                  <c:v>1.2413574796741027</c:v>
-                </c:pt>
-                <c:pt idx="3">
-                  <c:v>-0.31791386100506241</c:v>
-                </c:pt>
-                <c:pt idx="4">
-                  <c:v>2.6626046955708742</c:v>
-                </c:pt>
-              </c:numCache>
-            </c:numRef>
-          </c:val>
-          <c:extLst>
-            <c:ext xmlns:c16="http://schemas.microsoft.com/office/drawing/2014/chart" uri="{C3380CC4-5D6E-409C-BE32-E72D297353CC}">
-              <c16:uniqueId val="{00000004-99C9-724A-A8FF-45C2D875D93B}"/>
-            </c:ext>
-          </c:extLst>
-        </c:ser>
-        <c:dLbls>
-          <c:showLegendKey val="0"/>
-          <c:showVal val="0"/>
-          <c:showCatName val="0"/>
-          <c:showSerName val="0"/>
-          <c:showPercent val="0"/>
-          <c:showBubbleSize val="0"/>
-        </c:dLbls>
-        <c:gapWidth val="150"/>
-        <c:axId val="45737472"/>
-        <c:axId val="45281792"/>
-      </c:barChart>
-      <c:catAx>
-        <c:axId val="45737472"/>
-        <c:scaling>
-          <c:orientation val="minMax"/>
-        </c:scaling>
-        <c:delete val="0"/>
-        <c:axPos val="b"/>
-        <c:numFmt formatCode="General" sourceLinked="0"/>
-        <c:majorTickMark val="out"/>
-        <c:minorTickMark val="none"/>
-        <c:tickLblPos val="nextTo"/>
-        <c:txPr>
-          <a:bodyPr/>
-          <a:lstStyle/>
-          <a:p>
-            <a:pPr>
-              <a:defRPr sz="700" b="1">
-                <a:solidFill>
-                  <a:schemeClr val="bg1"/>
-                </a:solidFill>
-              </a:defRPr>
-            </a:pPr>
-            <a:endParaRPr lang="en-US"/>
-          </a:p>
-        </c:txPr>
-        <c:crossAx val="45281792"/>
-        <c:crosses val="autoZero"/>
-        <c:auto val="1"/>
-        <c:lblAlgn val="ctr"/>
-        <c:lblOffset val="100"/>
-        <c:noMultiLvlLbl val="0"/>
-      </c:catAx>
-      <c:valAx>
-        <c:axId val="45281792"/>
-        <c:scaling>
-          <c:orientation val="minMax"/>
-        </c:scaling>
-        <c:delete val="0"/>
-        <c:axPos val="l"/>
-        <c:title>
-          <c:tx>
-            <c:rich>
-              <a:bodyPr rot="-5400000" vert="horz"/>
-              <a:lstStyle/>
-              <a:p>
-                <a:pPr>
-                  <a:defRPr>
-                    <a:solidFill>
-                      <a:schemeClr val="bg1"/>
-                    </a:solidFill>
-                  </a:defRPr>
-                </a:pPr>
-                <a:r>
-                  <a:rPr lang="en-US">
-                    <a:solidFill>
-                      <a:schemeClr val="bg1"/>
-                    </a:solidFill>
-                  </a:rPr>
-                  <a:t>Total Returns (%)</a:t>
-                </a:r>
-              </a:p>
-            </c:rich>
-          </c:tx>
-          <c:overlay val="0"/>
-        </c:title>
-        <c:numFmt formatCode="General" sourceLinked="1"/>
-        <c:majorTickMark val="out"/>
-        <c:minorTickMark val="none"/>
-        <c:tickLblPos val="nextTo"/>
-        <c:txPr>
-          <a:bodyPr/>
-          <a:lstStyle/>
-          <a:p>
-            <a:pPr>
-              <a:defRPr>
-                <a:solidFill>
-                  <a:schemeClr val="bg1"/>
-                </a:solidFill>
-              </a:defRPr>
-            </a:pPr>
-            <a:endParaRPr lang="en-US"/>
-          </a:p>
-        </c:txPr>
-        <c:crossAx val="45737472"/>
-        <c:crosses val="autoZero"/>
-        <c:crossBetween val="between"/>
-      </c:valAx>
-    </c:plotArea>
-    <c:plotVisOnly val="1"/>
-    <c:dispBlanksAs val="gap"/>
-    <c:showDLblsOverMax val="0"/>
-  </c:chart>
-  <c:externalData r:id="rId1">
-    <c:autoUpdate val="0"/>
-  </c:externalData>
-  <c:extLst>
-    <c:ext xmlns:c14="http://schemas.microsoft.com/office/drawing/2007/8/2/chart" uri="{781A3756-C4B2-4CAC-9D66-4F8BD8637D16}">
-      <c14:pivotOptions>
-        <c14:dropZoneFilter val="1"/>
-        <c14:dropZoneCategories val="1"/>
-        <c14:dropZoneData val="1"/>
-        <c14:dropZonesVisible val="1"/>
-      </c14:pivotOptions>
-    </c:ext>
-  </c:extLst>
-</c:chartSpace>
-</file>
-
-<file path=ppt/charts/chart5.xml><?xml version="1.0" encoding="utf-8"?>
-<c:chartSpace xmlns:c="http://schemas.openxmlformats.org/drawingml/2006/chart" xmlns:a="http://schemas.openxmlformats.org/drawingml/2006/main" xmlns:r="http://schemas.openxmlformats.org/officeDocument/2006/relationships" xmlns:c16r2="http://schemas.microsoft.com/office/drawing/2015/06/chart">
-  <c:date1904 val="0"/>
-  <c:lang val="en-US"/>
-  <c:roundedCorners val="0"/>
-  <mc:AlternateContent xmlns:mc="http://schemas.openxmlformats.org/markup-compatibility/2006">
-    <mc:Choice xmlns:c14="http://schemas.microsoft.com/office/drawing/2007/8/2/chart" Requires="c14">
-      <c14:style val="102"/>
-    </mc:Choice>
-    <mc:Fallback>
-      <c:style val="2"/>
-    </mc:Fallback>
-  </mc:AlternateContent>
-  <c:pivotSource>
-    <c:name>[Wright Fund Portfolio Project Data v3.xlsx]Cons Stpl!PivotTable5</c:name>
-    <c:fmtId val="23"/>
-  </c:pivotSource>
-  <c:chart>
-    <c:title>
-      <c:tx>
-        <c:rich>
-          <a:bodyPr/>
-          <a:lstStyle/>
-          <a:p>
-            <a:pPr>
-              <a:defRPr>
-                <a:solidFill>
-                  <a:schemeClr val="bg1"/>
-                </a:solidFill>
-              </a:defRPr>
-            </a:pPr>
-            <a:r>
-              <a:rPr lang="en-US" dirty="0">
-                <a:solidFill>
-                  <a:schemeClr val="bg1"/>
-                </a:solidFill>
-              </a:rPr>
-              <a:t>Consumer</a:t>
-            </a:r>
-            <a:r>
-              <a:rPr lang="en-US" baseline="0" dirty="0">
-                <a:solidFill>
-                  <a:schemeClr val="bg1"/>
-                </a:solidFill>
-              </a:rPr>
-              <a:t> Staples Subsector </a:t>
-            </a:r>
-            <a:r>
-              <a:rPr lang="en-US" baseline="0" dirty="0">
-                <a:solidFill>
-                  <a:srgbClr val="FFFF00"/>
-                </a:solidFill>
-              </a:rPr>
-              <a:t>May - Oct</a:t>
-            </a:r>
-            <a:r>
-              <a:rPr lang="en-US" dirty="0">
-                <a:solidFill>
-                  <a:srgbClr val="FFFF00"/>
-                </a:solidFill>
-              </a:rPr>
-              <a:t> </a:t>
-            </a:r>
-            <a:r>
-              <a:rPr lang="en-US" dirty="0">
-                <a:solidFill>
-                  <a:schemeClr val="bg1"/>
-                </a:solidFill>
-              </a:rPr>
-              <a:t>1990</a:t>
-            </a:r>
-            <a:r>
-              <a:rPr lang="en-US" baseline="0" dirty="0">
-                <a:solidFill>
-                  <a:schemeClr val="bg1"/>
-                </a:solidFill>
-              </a:rPr>
-              <a:t> - 2013</a:t>
-            </a:r>
-            <a:endParaRPr lang="en-US" dirty="0">
-              <a:solidFill>
-                <a:schemeClr val="bg1"/>
-              </a:solidFill>
-            </a:endParaRPr>
-          </a:p>
-        </c:rich>
-      </c:tx>
-      <c:overlay val="0"/>
-    </c:title>
-    <c:autoTitleDeleted val="0"/>
-    <c:pivotFmts>
-      <c:pivotFmt>
-        <c:idx val="0"/>
-        <c:spPr>
-          <a:solidFill>
-            <a:srgbClr val="FF3300"/>
-          </a:solidFill>
-        </c:spPr>
-        <c:marker>
-          <c:symbol val="none"/>
-        </c:marker>
-        <c:dLbl>
-          <c:idx val="0"/>
-          <c:numFmt formatCode="#,##0.00" sourceLinked="0"/>
-          <c:spPr/>
-          <c:txPr>
-            <a:bodyPr/>
-            <a:lstStyle/>
-            <a:p>
-              <a:pPr>
-                <a:defRPr/>
-              </a:pPr>
-              <a:endParaRPr lang="en-US"/>
-            </a:p>
-          </c:txPr>
-          <c:showLegendKey val="0"/>
-          <c:showVal val="1"/>
-          <c:showCatName val="0"/>
-          <c:showSerName val="0"/>
-          <c:showPercent val="0"/>
-          <c:showBubbleSize val="0"/>
-          <c:extLst>
-            <c:ext xmlns:c15="http://schemas.microsoft.com/office/drawing/2012/chart" uri="{CE6537A1-D6FC-4f65-9D91-7224C49458BB}"/>
-          </c:extLst>
-        </c:dLbl>
-      </c:pivotFmt>
-      <c:pivotFmt>
-        <c:idx val="1"/>
-        <c:marker>
-          <c:symbol val="none"/>
-        </c:marker>
-        <c:dLbl>
-          <c:idx val="0"/>
-          <c:spPr/>
-          <c:txPr>
-            <a:bodyPr/>
-            <a:lstStyle/>
-            <a:p>
-              <a:pPr>
-                <a:defRPr/>
-              </a:pPr>
-              <a:endParaRPr lang="en-US"/>
-            </a:p>
-          </c:txPr>
-          <c:showLegendKey val="0"/>
-          <c:showVal val="1"/>
-          <c:showCatName val="0"/>
-          <c:showSerName val="0"/>
-          <c:showPercent val="0"/>
-          <c:showBubbleSize val="0"/>
-          <c:extLst>
-            <c:ext xmlns:c15="http://schemas.microsoft.com/office/drawing/2012/chart" uri="{CE6537A1-D6FC-4f65-9D91-7224C49458BB}"/>
-          </c:extLst>
-        </c:dLbl>
-      </c:pivotFmt>
-      <c:pivotFmt>
-        <c:idx val="2"/>
-        <c:marker>
-          <c:symbol val="none"/>
-        </c:marker>
-        <c:dLbl>
-          <c:idx val="0"/>
-          <c:spPr/>
-          <c:txPr>
-            <a:bodyPr/>
-            <a:lstStyle/>
-            <a:p>
-              <a:pPr>
-                <a:defRPr/>
-              </a:pPr>
-              <a:endParaRPr lang="en-US"/>
-            </a:p>
-          </c:txPr>
-          <c:showLegendKey val="0"/>
-          <c:showVal val="1"/>
-          <c:showCatName val="0"/>
-          <c:showSerName val="0"/>
-          <c:showPercent val="0"/>
-          <c:showBubbleSize val="0"/>
-          <c:extLst>
-            <c:ext xmlns:c15="http://schemas.microsoft.com/office/drawing/2012/chart" uri="{CE6537A1-D6FC-4f65-9D91-7224C49458BB}"/>
-          </c:extLst>
-        </c:dLbl>
-      </c:pivotFmt>
-      <c:pivotFmt>
-        <c:idx val="3"/>
-        <c:marker>
-          <c:symbol val="none"/>
-        </c:marker>
-        <c:dLbl>
-          <c:idx val="0"/>
-          <c:spPr/>
-          <c:txPr>
-            <a:bodyPr/>
-            <a:lstStyle/>
-            <a:p>
-              <a:pPr>
-                <a:defRPr/>
-              </a:pPr>
-              <a:endParaRPr lang="en-US"/>
-            </a:p>
-          </c:txPr>
-          <c:showLegendKey val="0"/>
-          <c:showVal val="1"/>
-          <c:showCatName val="0"/>
-          <c:showSerName val="0"/>
-          <c:showPercent val="0"/>
-          <c:showBubbleSize val="0"/>
-          <c:extLst>
-            <c:ext xmlns:c15="http://schemas.microsoft.com/office/drawing/2012/chart" uri="{CE6537A1-D6FC-4f65-9D91-7224C49458BB}"/>
-          </c:extLst>
-        </c:dLbl>
-      </c:pivotFmt>
-      <c:pivotFmt>
-        <c:idx val="4"/>
-        <c:marker>
-          <c:symbol val="none"/>
-        </c:marker>
-        <c:dLbl>
-          <c:idx val="0"/>
-          <c:spPr/>
-          <c:txPr>
-            <a:bodyPr/>
-            <a:lstStyle/>
-            <a:p>
-              <a:pPr>
-                <a:defRPr/>
-              </a:pPr>
-              <a:endParaRPr lang="en-US"/>
-            </a:p>
-          </c:txPr>
-          <c:showLegendKey val="0"/>
-          <c:showVal val="1"/>
-          <c:showCatName val="0"/>
-          <c:showSerName val="0"/>
-          <c:showPercent val="0"/>
-          <c:showBubbleSize val="0"/>
-          <c:extLst>
-            <c:ext xmlns:c15="http://schemas.microsoft.com/office/drawing/2012/chart" uri="{CE6537A1-D6FC-4f65-9D91-7224C49458BB}"/>
-          </c:extLst>
-        </c:dLbl>
-      </c:pivotFmt>
-      <c:pivotFmt>
-        <c:idx val="5"/>
-        <c:marker>
-          <c:symbol val="none"/>
-        </c:marker>
-        <c:dLbl>
-          <c:idx val="0"/>
-          <c:spPr/>
-          <c:txPr>
-            <a:bodyPr/>
-            <a:lstStyle/>
-            <a:p>
-              <a:pPr>
-                <a:defRPr/>
-              </a:pPr>
-              <a:endParaRPr lang="en-US"/>
-            </a:p>
-          </c:txPr>
-          <c:showLegendKey val="0"/>
-          <c:showVal val="1"/>
-          <c:showCatName val="0"/>
-          <c:showSerName val="0"/>
-          <c:showPercent val="0"/>
-          <c:showBubbleSize val="0"/>
-          <c:extLst>
-            <c:ext xmlns:c15="http://schemas.microsoft.com/office/drawing/2012/chart" uri="{CE6537A1-D6FC-4f65-9D91-7224C49458BB}"/>
-          </c:extLst>
-        </c:dLbl>
-      </c:pivotFmt>
-      <c:pivotFmt>
-        <c:idx val="6"/>
-        <c:dLbl>
-          <c:idx val="0"/>
-          <c:layout>
-            <c:manualLayout>
-              <c:x val="0"/>
-              <c:y val="-5.5555555555555552E-2"/>
-            </c:manualLayout>
-          </c:layout>
-          <c:showLegendKey val="0"/>
-          <c:showVal val="1"/>
-          <c:showCatName val="0"/>
-          <c:showSerName val="0"/>
-          <c:showPercent val="0"/>
-          <c:showBubbleSize val="0"/>
-          <c:extLst>
-            <c:ext xmlns:c15="http://schemas.microsoft.com/office/drawing/2012/chart" uri="{CE6537A1-D6FC-4f65-9D91-7224C49458BB}"/>
-          </c:extLst>
-        </c:dLbl>
-      </c:pivotFmt>
-      <c:pivotFmt>
-        <c:idx val="7"/>
-        <c:spPr>
-          <a:solidFill>
-            <a:srgbClr val="FF3300"/>
-          </a:solidFill>
-        </c:spPr>
-        <c:marker>
-          <c:symbol val="none"/>
-        </c:marker>
-        <c:dLbl>
-          <c:idx val="0"/>
-          <c:numFmt formatCode="#,##0.00" sourceLinked="0"/>
-          <c:spPr/>
-          <c:txPr>
-            <a:bodyPr/>
-            <a:lstStyle/>
-            <a:p>
-              <a:pPr>
-                <a:defRPr/>
-              </a:pPr>
-              <a:endParaRPr lang="en-US"/>
-            </a:p>
-          </c:txPr>
-          <c:showLegendKey val="0"/>
-          <c:showVal val="1"/>
-          <c:showCatName val="0"/>
-          <c:showSerName val="0"/>
-          <c:showPercent val="0"/>
-          <c:showBubbleSize val="0"/>
-          <c:extLst>
-            <c:ext xmlns:c15="http://schemas.microsoft.com/office/drawing/2012/chart" uri="{CE6537A1-D6FC-4f65-9D91-7224C49458BB}"/>
-          </c:extLst>
-        </c:dLbl>
-      </c:pivotFmt>
-      <c:pivotFmt>
-        <c:idx val="8"/>
-        <c:dLbl>
-          <c:idx val="0"/>
-          <c:layout>
-            <c:manualLayout>
-              <c:x val="0"/>
-              <c:y val="-5.5555555555555552E-2"/>
-            </c:manualLayout>
-          </c:layout>
-          <c:showLegendKey val="0"/>
-          <c:showVal val="1"/>
-          <c:showCatName val="0"/>
-          <c:showSerName val="0"/>
-          <c:showPercent val="0"/>
-          <c:showBubbleSize val="0"/>
-          <c:extLst>
-            <c:ext xmlns:c15="http://schemas.microsoft.com/office/drawing/2012/chart" uri="{CE6537A1-D6FC-4f65-9D91-7224C49458BB}"/>
-          </c:extLst>
-        </c:dLbl>
-      </c:pivotFmt>
-      <c:pivotFmt>
-        <c:idx val="9"/>
-        <c:spPr>
-          <a:solidFill>
-            <a:srgbClr val="FF3300"/>
-          </a:solidFill>
-        </c:spPr>
-        <c:marker>
-          <c:symbol val="none"/>
-        </c:marker>
-        <c:dLbl>
-          <c:idx val="0"/>
-          <c:numFmt formatCode="#,##0.00" sourceLinked="0"/>
-          <c:spPr/>
-          <c:txPr>
-            <a:bodyPr/>
-            <a:lstStyle/>
-            <a:p>
-              <a:pPr>
-                <a:defRPr/>
-              </a:pPr>
-              <a:endParaRPr lang="en-US"/>
-            </a:p>
-          </c:txPr>
-          <c:showLegendKey val="0"/>
-          <c:showVal val="1"/>
-          <c:showCatName val="0"/>
-          <c:showSerName val="0"/>
-          <c:showPercent val="0"/>
-          <c:showBubbleSize val="0"/>
-          <c:extLst>
-            <c:ext xmlns:c15="http://schemas.microsoft.com/office/drawing/2012/chart" uri="{CE6537A1-D6FC-4f65-9D91-7224C49458BB}"/>
-          </c:extLst>
-        </c:dLbl>
-      </c:pivotFmt>
-      <c:pivotFmt>
-        <c:idx val="10"/>
-        <c:spPr>
-          <a:solidFill>
-            <a:srgbClr val="FF3300"/>
-          </a:solidFill>
-        </c:spPr>
-        <c:marker>
-          <c:symbol val="none"/>
-        </c:marker>
-        <c:dLbl>
-          <c:idx val="0"/>
-          <c:numFmt formatCode="#,##0.00" sourceLinked="0"/>
-          <c:spPr/>
-          <c:txPr>
-            <a:bodyPr/>
-            <a:lstStyle/>
-            <a:p>
-              <a:pPr>
-                <a:defRPr/>
-              </a:pPr>
-              <a:endParaRPr lang="en-US"/>
-            </a:p>
-          </c:txPr>
-          <c:showLegendKey val="0"/>
-          <c:showVal val="1"/>
-          <c:showCatName val="0"/>
-          <c:showSerName val="0"/>
-          <c:showPercent val="0"/>
-          <c:showBubbleSize val="0"/>
-          <c:extLst>
-            <c:ext xmlns:c15="http://schemas.microsoft.com/office/drawing/2012/chart" uri="{CE6537A1-D6FC-4f65-9D91-7224C49458BB}"/>
-          </c:extLst>
-        </c:dLbl>
-      </c:pivotFmt>
-      <c:pivotFmt>
-        <c:idx val="11"/>
-        <c:spPr>
-          <a:solidFill>
-            <a:srgbClr val="FF3300"/>
-          </a:solidFill>
-        </c:spPr>
-        <c:marker>
-          <c:symbol val="none"/>
-        </c:marker>
-        <c:dLbl>
-          <c:idx val="0"/>
-          <c:numFmt formatCode="#,##0.00" sourceLinked="0"/>
-          <c:spPr/>
-          <c:txPr>
-            <a:bodyPr/>
-            <a:lstStyle/>
-            <a:p>
-              <a:pPr>
-                <a:defRPr/>
-              </a:pPr>
-              <a:endParaRPr lang="en-US"/>
-            </a:p>
-          </c:txPr>
-          <c:showLegendKey val="0"/>
-          <c:showVal val="1"/>
-          <c:showCatName val="0"/>
-          <c:showSerName val="0"/>
-          <c:showPercent val="0"/>
-          <c:showBubbleSize val="0"/>
-          <c:extLst>
-            <c:ext xmlns:c15="http://schemas.microsoft.com/office/drawing/2012/chart" uri="{CE6537A1-D6FC-4f65-9D91-7224C49458BB}"/>
-          </c:extLst>
-        </c:dLbl>
-      </c:pivotFmt>
-    </c:pivotFmts>
-    <c:plotArea>
-      <c:layout/>
-      <c:barChart>
-        <c:barDir val="col"/>
-        <c:grouping val="clustered"/>
-        <c:varyColors val="0"/>
-        <c:ser>
-          <c:idx val="0"/>
-          <c:order val="0"/>
-          <c:tx>
-            <c:strRef>
-              <c:f>'Cons Stpl'!$B$4</c:f>
-              <c:strCache>
-                <c:ptCount val="1"/>
-                <c:pt idx="0">
-                  <c:v>Total</c:v>
-                </c:pt>
-              </c:strCache>
-            </c:strRef>
-          </c:tx>
-          <c:spPr>
-            <a:solidFill>
-              <a:srgbClr val="00B050"/>
-            </a:solidFill>
-          </c:spPr>
-          <c:invertIfNegative val="0"/>
-          <c:dLbls>
-            <c:numFmt formatCode="#,##0.00" sourceLinked="0"/>
-            <c:spPr>
-              <a:noFill/>
-              <a:ln>
-                <a:noFill/>
-              </a:ln>
-              <a:effectLst/>
-            </c:spPr>
-            <c:txPr>
-              <a:bodyPr/>
-              <a:lstStyle/>
-              <a:p>
-                <a:pPr>
-                  <a:defRPr b="1">
-                    <a:solidFill>
-                      <a:schemeClr val="bg1"/>
-                    </a:solidFill>
-                  </a:defRPr>
-                </a:pPr>
-                <a:endParaRPr lang="en-US"/>
-              </a:p>
-            </c:txPr>
-            <c:showLegendKey val="0"/>
-            <c:showVal val="1"/>
-            <c:showCatName val="0"/>
-            <c:showSerName val="0"/>
-            <c:showPercent val="0"/>
-            <c:showBubbleSize val="0"/>
-            <c:showLeaderLines val="0"/>
-            <c:extLst>
-              <c:ext xmlns:c15="http://schemas.microsoft.com/office/drawing/2012/chart" uri="{CE6537A1-D6FC-4f65-9D91-7224C49458BB}">
-                <c15:showLeaderLines val="0"/>
-              </c:ext>
-            </c:extLst>
-          </c:dLbls>
-          <c:cat>
-            <c:strRef>
-              <c:f>'Cons Stpl'!$A$5:$A$7</c:f>
-              <c:strCache>
-                <c:ptCount val="2"/>
-                <c:pt idx="0">
-                  <c:v>S&amp;P 500 FD BEV &amp; TOB IDX</c:v>
-                </c:pt>
-                <c:pt idx="1">
-                  <c:v>S&amp;P 500 HH &amp; PR PDTS IDX</c:v>
-                </c:pt>
-              </c:strCache>
-            </c:strRef>
-          </c:cat>
-          <c:val>
-            <c:numRef>
-              <c:f>'Cons Stpl'!$B$5:$B$7</c:f>
-              <c:numCache>
-                <c:formatCode>General</c:formatCode>
-                <c:ptCount val="2"/>
-                <c:pt idx="0">
-                  <c:v>6.6944449829630512</c:v>
-                </c:pt>
-                <c:pt idx="1">
-                  <c:v>6.7465906837864269</c:v>
-                </c:pt>
-              </c:numCache>
-            </c:numRef>
-          </c:val>
-          <c:extLst>
-            <c:ext xmlns:c16="http://schemas.microsoft.com/office/drawing/2014/chart" uri="{C3380CC4-5D6E-409C-BE32-E72D297353CC}">
-              <c16:uniqueId val="{00000000-23D2-664C-8B00-4996AD153854}"/>
-            </c:ext>
-          </c:extLst>
-        </c:ser>
-        <c:dLbls>
-          <c:showLegendKey val="0"/>
-          <c:showVal val="0"/>
-          <c:showCatName val="0"/>
-          <c:showSerName val="0"/>
-          <c:showPercent val="0"/>
-          <c:showBubbleSize val="0"/>
-        </c:dLbls>
-        <c:gapWidth val="150"/>
-        <c:axId val="45739520"/>
-        <c:axId val="45284096"/>
-      </c:barChart>
-      <c:catAx>
-        <c:axId val="45739520"/>
-        <c:scaling>
-          <c:orientation val="minMax"/>
-        </c:scaling>
-        <c:delete val="0"/>
-        <c:axPos val="b"/>
-        <c:numFmt formatCode="General" sourceLinked="0"/>
-        <c:majorTickMark val="out"/>
-        <c:minorTickMark val="none"/>
-        <c:tickLblPos val="nextTo"/>
-        <c:txPr>
-          <a:bodyPr/>
-          <a:lstStyle/>
-          <a:p>
-            <a:pPr>
-              <a:defRPr b="1">
-                <a:solidFill>
-                  <a:schemeClr val="bg1"/>
-                </a:solidFill>
-              </a:defRPr>
-            </a:pPr>
-            <a:endParaRPr lang="en-US"/>
-          </a:p>
-        </c:txPr>
-        <c:crossAx val="45284096"/>
-        <c:crosses val="autoZero"/>
-        <c:auto val="1"/>
-        <c:lblAlgn val="ctr"/>
-        <c:lblOffset val="100"/>
-        <c:noMultiLvlLbl val="0"/>
-      </c:catAx>
-      <c:valAx>
-        <c:axId val="45284096"/>
-        <c:scaling>
-          <c:orientation val="minMax"/>
-          <c:max val="7"/>
-          <c:min val="6.5"/>
-        </c:scaling>
-        <c:delete val="0"/>
-        <c:axPos val="l"/>
-        <c:title>
-          <c:tx>
-            <c:rich>
-              <a:bodyPr rot="-5400000" vert="horz"/>
-              <a:lstStyle/>
-              <a:p>
-                <a:pPr>
-                  <a:defRPr>
-                    <a:solidFill>
-                      <a:schemeClr val="bg1"/>
-                    </a:solidFill>
-                  </a:defRPr>
-                </a:pPr>
-                <a:r>
-                  <a:rPr lang="en-US">
-                    <a:solidFill>
-                      <a:schemeClr val="bg1"/>
-                    </a:solidFill>
-                  </a:rPr>
-                  <a:t>Total Returns (%)</a:t>
-                </a:r>
-              </a:p>
-            </c:rich>
-          </c:tx>
-          <c:overlay val="0"/>
-        </c:title>
-        <c:numFmt formatCode="General" sourceLinked="1"/>
-        <c:majorTickMark val="out"/>
-        <c:minorTickMark val="none"/>
-        <c:tickLblPos val="nextTo"/>
-        <c:txPr>
-          <a:bodyPr/>
-          <a:lstStyle/>
-          <a:p>
-            <a:pPr>
-              <a:defRPr>
-                <a:solidFill>
-                  <a:schemeClr val="bg1"/>
-                </a:solidFill>
-              </a:defRPr>
-            </a:pPr>
-            <a:endParaRPr lang="en-US"/>
-          </a:p>
-        </c:txPr>
-        <c:crossAx val="45739520"/>
-        <c:crosses val="autoZero"/>
-        <c:crossBetween val="between"/>
-        <c:majorUnit val="5.000000000000001E-2"/>
-        <c:minorUnit val="2.0000000000000005E-3"/>
-      </c:valAx>
-    </c:plotArea>
-    <c:plotVisOnly val="1"/>
-    <c:dispBlanksAs val="gap"/>
-    <c:showDLblsOverMax val="0"/>
-  </c:chart>
-  <c:externalData r:id="rId1">
-    <c:autoUpdate val="0"/>
-  </c:externalData>
-  <c:extLst>
-    <c:ext xmlns:c14="http://schemas.microsoft.com/office/drawing/2007/8/2/chart" uri="{781A3756-C4B2-4CAC-9D66-4F8BD8637D16}">
-      <c14:pivotOptions>
-        <c14:dropZoneFilter val="1"/>
-        <c14:dropZoneCategories val="1"/>
-        <c14:dropZoneData val="1"/>
-        <c14:dropZonesVisible val="1"/>
-      </c14:pivotOptions>
-    </c:ext>
-  </c:extLst>
-</c:chartSpace>
-</file>
-
-<file path=ppt/charts/chart6.xml><?xml version="1.0" encoding="utf-8"?>
-<c:chartSpace xmlns:c="http://schemas.openxmlformats.org/drawingml/2006/chart" xmlns:a="http://schemas.openxmlformats.org/drawingml/2006/main" xmlns:r="http://schemas.openxmlformats.org/officeDocument/2006/relationships" xmlns:c16r2="http://schemas.microsoft.com/office/drawing/2015/06/chart">
-  <c:date1904 val="0"/>
-  <c:lang val="en-US"/>
-  <c:roundedCorners val="0"/>
-  <mc:AlternateContent xmlns:mc="http://schemas.openxmlformats.org/markup-compatibility/2006">
-    <mc:Choice xmlns:c14="http://schemas.microsoft.com/office/drawing/2007/8/2/chart" Requires="c14">
-      <c14:style val="102"/>
-    </mc:Choice>
-    <mc:Fallback>
-      <c:style val="2"/>
-    </mc:Fallback>
-  </mc:AlternateContent>
-  <c:pivotSource>
-    <c:name>[Wright Fund Portfolio Project Data v3.xlsx]HC!PivotTable5</c:name>
-    <c:fmtId val="28"/>
-  </c:pivotSource>
-  <c:chart>
-    <c:title>
-      <c:tx>
-        <c:rich>
-          <a:bodyPr/>
-          <a:lstStyle/>
-          <a:p>
-            <a:pPr>
-              <a:defRPr/>
-            </a:pPr>
-            <a:r>
-              <a:rPr lang="en-US" dirty="0"/>
-              <a:t>Healthcare Subsector </a:t>
-            </a:r>
-            <a:r>
-              <a:rPr lang="en-US" dirty="0">
-                <a:solidFill>
-                  <a:srgbClr val="FFFF00"/>
-                </a:solidFill>
-              </a:rPr>
-              <a:t>May - Oct </a:t>
-            </a:r>
-            <a:r>
-              <a:rPr lang="en-US" dirty="0"/>
-              <a:t>1990 - 2013</a:t>
-            </a:r>
-          </a:p>
-        </c:rich>
-      </c:tx>
-      <c:overlay val="0"/>
-    </c:title>
-    <c:autoTitleDeleted val="0"/>
-    <c:pivotFmts>
-      <c:pivotFmt>
-        <c:idx val="0"/>
-        <c:spPr>
-          <a:solidFill>
-            <a:srgbClr val="FF3300"/>
-          </a:solidFill>
-        </c:spPr>
-        <c:marker>
-          <c:symbol val="none"/>
-        </c:marker>
-        <c:dLbl>
-          <c:idx val="0"/>
-          <c:numFmt formatCode="#,##0.00" sourceLinked="0"/>
-          <c:spPr/>
-          <c:txPr>
-            <a:bodyPr/>
-            <a:lstStyle/>
-            <a:p>
-              <a:pPr>
-                <a:defRPr/>
-              </a:pPr>
-              <a:endParaRPr lang="en-US"/>
-            </a:p>
-          </c:txPr>
-          <c:showLegendKey val="0"/>
-          <c:showVal val="1"/>
-          <c:showCatName val="0"/>
-          <c:showSerName val="0"/>
-          <c:showPercent val="0"/>
-          <c:showBubbleSize val="0"/>
-          <c:extLst>
-            <c:ext xmlns:c15="http://schemas.microsoft.com/office/drawing/2012/chart" uri="{CE6537A1-D6FC-4f65-9D91-7224C49458BB}"/>
-          </c:extLst>
-        </c:dLbl>
-      </c:pivotFmt>
-      <c:pivotFmt>
-        <c:idx val="1"/>
-        <c:marker>
-          <c:symbol val="none"/>
-        </c:marker>
-        <c:dLbl>
-          <c:idx val="0"/>
-          <c:spPr/>
-          <c:txPr>
-            <a:bodyPr/>
-            <a:lstStyle/>
-            <a:p>
-              <a:pPr>
-                <a:defRPr/>
-              </a:pPr>
-              <a:endParaRPr lang="en-US"/>
-            </a:p>
-          </c:txPr>
-          <c:showLegendKey val="0"/>
-          <c:showVal val="1"/>
-          <c:showCatName val="0"/>
-          <c:showSerName val="0"/>
-          <c:showPercent val="0"/>
-          <c:showBubbleSize val="0"/>
-          <c:extLst>
-            <c:ext xmlns:c15="http://schemas.microsoft.com/office/drawing/2012/chart" uri="{CE6537A1-D6FC-4f65-9D91-7224C49458BB}"/>
-          </c:extLst>
-        </c:dLbl>
-      </c:pivotFmt>
-      <c:pivotFmt>
-        <c:idx val="2"/>
-        <c:marker>
-          <c:symbol val="none"/>
-        </c:marker>
-        <c:dLbl>
-          <c:idx val="0"/>
-          <c:spPr/>
-          <c:txPr>
-            <a:bodyPr/>
-            <a:lstStyle/>
-            <a:p>
-              <a:pPr>
-                <a:defRPr/>
-              </a:pPr>
-              <a:endParaRPr lang="en-US"/>
-            </a:p>
-          </c:txPr>
-          <c:showLegendKey val="0"/>
-          <c:showVal val="1"/>
-          <c:showCatName val="0"/>
-          <c:showSerName val="0"/>
-          <c:showPercent val="0"/>
-          <c:showBubbleSize val="0"/>
-          <c:extLst>
-            <c:ext xmlns:c15="http://schemas.microsoft.com/office/drawing/2012/chart" uri="{CE6537A1-D6FC-4f65-9D91-7224C49458BB}"/>
-          </c:extLst>
-        </c:dLbl>
-      </c:pivotFmt>
-      <c:pivotFmt>
-        <c:idx val="3"/>
-        <c:marker>
-          <c:symbol val="none"/>
-        </c:marker>
-        <c:dLbl>
-          <c:idx val="0"/>
-          <c:spPr/>
-          <c:txPr>
-            <a:bodyPr/>
-            <a:lstStyle/>
-            <a:p>
-              <a:pPr>
-                <a:defRPr/>
-              </a:pPr>
-              <a:endParaRPr lang="en-US"/>
-            </a:p>
-          </c:txPr>
-          <c:showLegendKey val="0"/>
-          <c:showVal val="1"/>
-          <c:showCatName val="0"/>
-          <c:showSerName val="0"/>
-          <c:showPercent val="0"/>
-          <c:showBubbleSize val="0"/>
-          <c:extLst>
-            <c:ext xmlns:c15="http://schemas.microsoft.com/office/drawing/2012/chart" uri="{CE6537A1-D6FC-4f65-9D91-7224C49458BB}"/>
-          </c:extLst>
-        </c:dLbl>
-      </c:pivotFmt>
-      <c:pivotFmt>
-        <c:idx val="4"/>
-        <c:marker>
-          <c:symbol val="none"/>
-        </c:marker>
-        <c:dLbl>
-          <c:idx val="0"/>
-          <c:spPr/>
-          <c:txPr>
-            <a:bodyPr/>
-            <a:lstStyle/>
-            <a:p>
-              <a:pPr>
-                <a:defRPr/>
-              </a:pPr>
-              <a:endParaRPr lang="en-US"/>
-            </a:p>
-          </c:txPr>
-          <c:showLegendKey val="0"/>
-          <c:showVal val="1"/>
-          <c:showCatName val="0"/>
-          <c:showSerName val="0"/>
-          <c:showPercent val="0"/>
-          <c:showBubbleSize val="0"/>
-          <c:extLst>
-            <c:ext xmlns:c15="http://schemas.microsoft.com/office/drawing/2012/chart" uri="{CE6537A1-D6FC-4f65-9D91-7224C49458BB}"/>
-          </c:extLst>
-        </c:dLbl>
-      </c:pivotFmt>
-      <c:pivotFmt>
-        <c:idx val="5"/>
-        <c:marker>
-          <c:symbol val="none"/>
-        </c:marker>
-        <c:dLbl>
-          <c:idx val="0"/>
-          <c:spPr/>
-          <c:txPr>
-            <a:bodyPr/>
-            <a:lstStyle/>
-            <a:p>
-              <a:pPr>
-                <a:defRPr/>
-              </a:pPr>
-              <a:endParaRPr lang="en-US"/>
-            </a:p>
-          </c:txPr>
-          <c:showLegendKey val="0"/>
-          <c:showVal val="1"/>
-          <c:showCatName val="0"/>
-          <c:showSerName val="0"/>
-          <c:showPercent val="0"/>
-          <c:showBubbleSize val="0"/>
-          <c:extLst>
-            <c:ext xmlns:c15="http://schemas.microsoft.com/office/drawing/2012/chart" uri="{CE6537A1-D6FC-4f65-9D91-7224C49458BB}"/>
-          </c:extLst>
-        </c:dLbl>
-      </c:pivotFmt>
-      <c:pivotFmt>
-        <c:idx val="6"/>
-        <c:dLbl>
-          <c:idx val="0"/>
-          <c:layout>
-            <c:manualLayout>
-              <c:x val="0"/>
-              <c:y val="-5.5555555555555552E-2"/>
-            </c:manualLayout>
-          </c:layout>
-          <c:showLegendKey val="0"/>
-          <c:showVal val="1"/>
-          <c:showCatName val="0"/>
-          <c:showSerName val="0"/>
-          <c:showPercent val="0"/>
-          <c:showBubbleSize val="0"/>
-          <c:extLst>
-            <c:ext xmlns:c15="http://schemas.microsoft.com/office/drawing/2012/chart" uri="{CE6537A1-D6FC-4f65-9D91-7224C49458BB}"/>
-          </c:extLst>
-        </c:dLbl>
-      </c:pivotFmt>
-      <c:pivotFmt>
-        <c:idx val="7"/>
-        <c:spPr>
-          <a:solidFill>
-            <a:srgbClr val="FF3300"/>
-          </a:solidFill>
-        </c:spPr>
-        <c:marker>
-          <c:symbol val="none"/>
-        </c:marker>
-        <c:dLbl>
-          <c:idx val="0"/>
-          <c:numFmt formatCode="#,##0.00" sourceLinked="0"/>
-          <c:spPr/>
-          <c:txPr>
-            <a:bodyPr/>
-            <a:lstStyle/>
-            <a:p>
-              <a:pPr>
-                <a:defRPr/>
-              </a:pPr>
-              <a:endParaRPr lang="en-US"/>
-            </a:p>
-          </c:txPr>
-          <c:showLegendKey val="0"/>
-          <c:showVal val="1"/>
-          <c:showCatName val="0"/>
-          <c:showSerName val="0"/>
-          <c:showPercent val="0"/>
-          <c:showBubbleSize val="0"/>
-          <c:extLst>
-            <c:ext xmlns:c15="http://schemas.microsoft.com/office/drawing/2012/chart" uri="{CE6537A1-D6FC-4f65-9D91-7224C49458BB}"/>
-          </c:extLst>
-        </c:dLbl>
-      </c:pivotFmt>
-      <c:pivotFmt>
-        <c:idx val="8"/>
-        <c:dLbl>
-          <c:idx val="0"/>
-          <c:layout>
-            <c:manualLayout>
-              <c:x val="0"/>
-              <c:y val="-5.5555555555555552E-2"/>
-            </c:manualLayout>
-          </c:layout>
-          <c:showLegendKey val="0"/>
-          <c:showVal val="1"/>
-          <c:showCatName val="0"/>
-          <c:showSerName val="0"/>
-          <c:showPercent val="0"/>
-          <c:showBubbleSize val="0"/>
-          <c:extLst>
-            <c:ext xmlns:c15="http://schemas.microsoft.com/office/drawing/2012/chart" uri="{CE6537A1-D6FC-4f65-9D91-7224C49458BB}"/>
-          </c:extLst>
-        </c:dLbl>
-      </c:pivotFmt>
-      <c:pivotFmt>
-        <c:idx val="9"/>
-        <c:spPr>
-          <a:solidFill>
-            <a:srgbClr val="FF3300"/>
-          </a:solidFill>
-        </c:spPr>
-        <c:marker>
-          <c:symbol val="none"/>
-        </c:marker>
-        <c:dLbl>
-          <c:idx val="0"/>
-          <c:numFmt formatCode="#,##0.00" sourceLinked="0"/>
-          <c:spPr/>
-          <c:txPr>
-            <a:bodyPr/>
-            <a:lstStyle/>
-            <a:p>
-              <a:pPr>
-                <a:defRPr/>
-              </a:pPr>
-              <a:endParaRPr lang="en-US"/>
-            </a:p>
-          </c:txPr>
-          <c:showLegendKey val="0"/>
-          <c:showVal val="1"/>
-          <c:showCatName val="0"/>
-          <c:showSerName val="0"/>
-          <c:showPercent val="0"/>
-          <c:showBubbleSize val="0"/>
-          <c:extLst>
-            <c:ext xmlns:c15="http://schemas.microsoft.com/office/drawing/2012/chart" uri="{CE6537A1-D6FC-4f65-9D91-7224C49458BB}"/>
-          </c:extLst>
-        </c:dLbl>
-      </c:pivotFmt>
-      <c:pivotFmt>
-        <c:idx val="10"/>
-        <c:spPr>
-          <a:solidFill>
-            <a:srgbClr val="00B050"/>
-          </a:solidFill>
-        </c:spPr>
-        <c:marker>
-          <c:symbol val="none"/>
-        </c:marker>
-        <c:dLbl>
-          <c:idx val="0"/>
-          <c:numFmt formatCode="#,##0.00" sourceLinked="0"/>
-          <c:spPr/>
-          <c:txPr>
-            <a:bodyPr/>
-            <a:lstStyle/>
-            <a:p>
-              <a:pPr>
-                <a:defRPr/>
-              </a:pPr>
-              <a:endParaRPr lang="en-US"/>
-            </a:p>
-          </c:txPr>
-          <c:showLegendKey val="0"/>
-          <c:showVal val="1"/>
-          <c:showCatName val="0"/>
-          <c:showSerName val="0"/>
-          <c:showPercent val="0"/>
-          <c:showBubbleSize val="0"/>
-          <c:extLst>
-            <c:ext xmlns:c15="http://schemas.microsoft.com/office/drawing/2012/chart" uri="{CE6537A1-D6FC-4f65-9D91-7224C49458BB}"/>
-          </c:extLst>
-        </c:dLbl>
-      </c:pivotFmt>
-      <c:pivotFmt>
-        <c:idx val="11"/>
-        <c:spPr>
-          <a:solidFill>
-            <a:srgbClr val="00B050"/>
-          </a:solidFill>
-        </c:spPr>
-        <c:marker>
-          <c:symbol val="none"/>
-        </c:marker>
-        <c:dLbl>
-          <c:idx val="0"/>
-          <c:numFmt formatCode="#,##0.00" sourceLinked="0"/>
-          <c:spPr/>
-          <c:txPr>
-            <a:bodyPr/>
-            <a:lstStyle/>
-            <a:p>
-              <a:pPr>
-                <a:defRPr/>
-              </a:pPr>
-              <a:endParaRPr lang="en-US"/>
-            </a:p>
-          </c:txPr>
-          <c:showLegendKey val="0"/>
-          <c:showVal val="1"/>
-          <c:showCatName val="0"/>
-          <c:showSerName val="0"/>
-          <c:showPercent val="0"/>
-          <c:showBubbleSize val="0"/>
-          <c:extLst>
-            <c:ext xmlns:c15="http://schemas.microsoft.com/office/drawing/2012/chart" uri="{CE6537A1-D6FC-4f65-9D91-7224C49458BB}"/>
-          </c:extLst>
-        </c:dLbl>
-      </c:pivotFmt>
-      <c:pivotFmt>
-        <c:idx val="12"/>
-        <c:spPr>
-          <a:solidFill>
-            <a:srgbClr val="00B050"/>
-          </a:solidFill>
-        </c:spPr>
-        <c:marker>
-          <c:symbol val="none"/>
-        </c:marker>
-        <c:dLbl>
-          <c:idx val="0"/>
-          <c:numFmt formatCode="#,##0.00" sourceLinked="0"/>
-          <c:spPr/>
-          <c:txPr>
-            <a:bodyPr/>
-            <a:lstStyle/>
-            <a:p>
-              <a:pPr>
-                <a:defRPr/>
-              </a:pPr>
-              <a:endParaRPr lang="en-US"/>
-            </a:p>
-          </c:txPr>
-          <c:showLegendKey val="0"/>
-          <c:showVal val="1"/>
-          <c:showCatName val="0"/>
-          <c:showSerName val="0"/>
-          <c:showPercent val="0"/>
-          <c:showBubbleSize val="0"/>
-          <c:extLst>
-            <c:ext xmlns:c15="http://schemas.microsoft.com/office/drawing/2012/chart" uri="{CE6537A1-D6FC-4f65-9D91-7224C49458BB}"/>
-          </c:extLst>
-        </c:dLbl>
-      </c:pivotFmt>
-    </c:pivotFmts>
-    <c:plotArea>
-      <c:layout/>
-      <c:barChart>
-        <c:barDir val="col"/>
-        <c:grouping val="clustered"/>
-        <c:varyColors val="0"/>
-        <c:ser>
-          <c:idx val="0"/>
-          <c:order val="0"/>
-          <c:tx>
-            <c:strRef>
-              <c:f>HC!$B$4</c:f>
-              <c:strCache>
-                <c:ptCount val="1"/>
-                <c:pt idx="0">
-                  <c:v>Total</c:v>
-                </c:pt>
-              </c:strCache>
-            </c:strRef>
-          </c:tx>
-          <c:spPr>
-            <a:solidFill>
-              <a:srgbClr val="00B050"/>
-            </a:solidFill>
-          </c:spPr>
-          <c:invertIfNegative val="0"/>
-          <c:dLbls>
-            <c:numFmt formatCode="#,##0.00" sourceLinked="0"/>
-            <c:spPr>
-              <a:noFill/>
-              <a:ln>
-                <a:noFill/>
-              </a:ln>
-              <a:effectLst/>
-            </c:spPr>
-            <c:txPr>
-              <a:bodyPr/>
-              <a:lstStyle/>
-              <a:p>
-                <a:pPr>
-                  <a:defRPr b="1"/>
-                </a:pPr>
-                <a:endParaRPr lang="en-US"/>
-              </a:p>
-            </c:txPr>
-            <c:showLegendKey val="0"/>
-            <c:showVal val="1"/>
-            <c:showCatName val="0"/>
-            <c:showSerName val="0"/>
-            <c:showPercent val="0"/>
-            <c:showBubbleSize val="0"/>
-            <c:showLeaderLines val="0"/>
-            <c:extLst>
-              <c:ext xmlns:c15="http://schemas.microsoft.com/office/drawing/2012/chart" uri="{CE6537A1-D6FC-4f65-9D91-7224C49458BB}">
-                <c15:showLeaderLines val="0"/>
-              </c:ext>
-            </c:extLst>
-          </c:dLbls>
-          <c:cat>
-            <c:strRef>
-              <c:f>HC!$A$5:$A$7</c:f>
-              <c:strCache>
-                <c:ptCount val="2"/>
-                <c:pt idx="0">
-                  <c:v>S&amp;P 500 HC EQUIP&amp;SVC IDX</c:v>
-                </c:pt>
-                <c:pt idx="1">
-                  <c:v>S&amp;P 500 PHRM BIO &amp; LF SC</c:v>
-                </c:pt>
-              </c:strCache>
-            </c:strRef>
-          </c:cat>
-          <c:val>
-            <c:numRef>
-              <c:f>HC!$B$5:$B$7</c:f>
-              <c:numCache>
-                <c:formatCode>General</c:formatCode>
-                <c:ptCount val="2"/>
-                <c:pt idx="0">
-                  <c:v>3.0218867877203555</c:v>
-                </c:pt>
-                <c:pt idx="1">
-                  <c:v>6.6187555566495027</c:v>
-                </c:pt>
-              </c:numCache>
-            </c:numRef>
-          </c:val>
-          <c:extLst>
-            <c:ext xmlns:c16="http://schemas.microsoft.com/office/drawing/2014/chart" uri="{C3380CC4-5D6E-409C-BE32-E72D297353CC}">
-              <c16:uniqueId val="{00000000-E785-E541-B996-5B63055088E3}"/>
-            </c:ext>
-          </c:extLst>
-        </c:ser>
-        <c:dLbls>
-          <c:showLegendKey val="0"/>
-          <c:showVal val="0"/>
-          <c:showCatName val="0"/>
-          <c:showSerName val="0"/>
-          <c:showPercent val="0"/>
-          <c:showBubbleSize val="0"/>
-        </c:dLbls>
-        <c:gapWidth val="150"/>
-        <c:axId val="51713536"/>
-        <c:axId val="51577984"/>
-      </c:barChart>
-      <c:catAx>
-        <c:axId val="51713536"/>
-        <c:scaling>
-          <c:orientation val="minMax"/>
-        </c:scaling>
-        <c:delete val="0"/>
-        <c:axPos val="b"/>
-        <c:numFmt formatCode="General" sourceLinked="0"/>
-        <c:majorTickMark val="out"/>
-        <c:minorTickMark val="none"/>
-        <c:tickLblPos val="nextTo"/>
-        <c:txPr>
-          <a:bodyPr/>
-          <a:lstStyle/>
-          <a:p>
-            <a:pPr>
-              <a:defRPr b="1"/>
-            </a:pPr>
-            <a:endParaRPr lang="en-US"/>
-          </a:p>
-        </c:txPr>
-        <c:crossAx val="51577984"/>
-        <c:crosses val="autoZero"/>
-        <c:auto val="1"/>
-        <c:lblAlgn val="ctr"/>
-        <c:lblOffset val="100"/>
-        <c:noMultiLvlLbl val="0"/>
-      </c:catAx>
-      <c:valAx>
-        <c:axId val="51577984"/>
-        <c:scaling>
-          <c:orientation val="minMax"/>
-        </c:scaling>
-        <c:delete val="0"/>
-        <c:axPos val="l"/>
-        <c:title>
-          <c:tx>
-            <c:rich>
-              <a:bodyPr rot="-5400000" vert="horz"/>
-              <a:lstStyle/>
-              <a:p>
-                <a:pPr>
-                  <a:defRPr/>
-                </a:pPr>
-                <a:r>
-                  <a:rPr lang="en-US"/>
-                  <a:t>Total Returns (%)</a:t>
-                </a:r>
-              </a:p>
-            </c:rich>
-          </c:tx>
-          <c:overlay val="0"/>
-        </c:title>
-        <c:numFmt formatCode="General" sourceLinked="1"/>
-        <c:majorTickMark val="out"/>
-        <c:minorTickMark val="none"/>
-        <c:tickLblPos val="nextTo"/>
-        <c:crossAx val="51713536"/>
-        <c:crosses val="autoZero"/>
-        <c:crossBetween val="between"/>
-      </c:valAx>
-    </c:plotArea>
-    <c:plotVisOnly val="1"/>
-    <c:dispBlanksAs val="gap"/>
-    <c:showDLblsOverMax val="0"/>
-  </c:chart>
-  <c:txPr>
-    <a:bodyPr/>
-    <a:lstStyle/>
-    <a:p>
-      <a:pPr>
-        <a:defRPr>
-          <a:solidFill>
-            <a:schemeClr val="bg1"/>
-          </a:solidFill>
-        </a:defRPr>
-      </a:pPr>
-      <a:endParaRPr lang="en-US"/>
-    </a:p>
-  </c:txPr>
-  <c:externalData r:id="rId1">
-    <c:autoUpdate val="0"/>
-  </c:externalData>
-  <c:extLst>
-    <c:ext xmlns:c14="http://schemas.microsoft.com/office/drawing/2007/8/2/chart" uri="{781A3756-C4B2-4CAC-9D66-4F8BD8637D16}">
-      <c14:pivotOptions>
-        <c14:dropZoneFilter val="1"/>
-        <c14:dropZoneCategories val="1"/>
-        <c14:dropZoneData val="1"/>
-        <c14:dropZonesVisible val="1"/>
-      </c14:pivotOptions>
-    </c:ext>
-  </c:extLst>
-</c:chartSpace>
-</file>
-
-<file path=ppt/charts/chart7.xml><?xml version="1.0" encoding="utf-8"?>
-<c:chartSpace xmlns:c="http://schemas.openxmlformats.org/drawingml/2006/chart" xmlns:a="http://schemas.openxmlformats.org/drawingml/2006/main" xmlns:r="http://schemas.openxmlformats.org/officeDocument/2006/relationships" xmlns:c16r2="http://schemas.microsoft.com/office/drawing/2015/06/chart">
-  <c:date1904 val="0"/>
-  <c:lang val="en-US"/>
-  <c:roundedCorners val="0"/>
-  <mc:AlternateContent xmlns:mc="http://schemas.openxmlformats.org/markup-compatibility/2006">
-    <mc:Choice xmlns:c14="http://schemas.microsoft.com/office/drawing/2007/8/2/chart" Requires="c14">
-      <c14:style val="102"/>
-    </mc:Choice>
-    <mc:Fallback>
-      <c:style val="2"/>
-    </mc:Fallback>
-  </mc:AlternateContent>
-  <c:pivotSource>
-    <c:name>[Wright Fund Portfolio Project Data v3.xlsx]F.O!PivotTable4</c:name>
-    <c:fmtId val="14"/>
-  </c:pivotSource>
-  <c:chart>
-    <c:title>
-      <c:tx>
-        <c:rich>
-          <a:bodyPr/>
-          <a:lstStyle/>
-          <a:p>
-            <a:pPr>
-              <a:defRPr/>
-            </a:pPr>
-            <a:r>
-              <a:rPr lang="en-US" dirty="0"/>
-              <a:t>Best / Worst Subsectors in </a:t>
-            </a:r>
-            <a:r>
-              <a:rPr lang="en-US" dirty="0">
-                <a:solidFill>
-                  <a:srgbClr val="FFFF00"/>
-                </a:solidFill>
-              </a:rPr>
-              <a:t>May-Oct for </a:t>
-            </a:r>
-            <a:r>
-              <a:rPr lang="en-US" sz="1800" b="1" i="0" u="none" strike="noStrike" baseline="0" dirty="0">
-                <a:effectLst/>
-              </a:rPr>
-              <a:t>1990 - 2013</a:t>
-            </a:r>
-            <a:endParaRPr lang="en-US" dirty="0"/>
-          </a:p>
-        </c:rich>
-      </c:tx>
-      <c:overlay val="0"/>
-    </c:title>
-    <c:autoTitleDeleted val="0"/>
-    <c:pivotFmts>
-      <c:pivotFmt>
-        <c:idx val="0"/>
-      </c:pivotFmt>
-      <c:pivotFmt>
-        <c:idx val="1"/>
-      </c:pivotFmt>
-      <c:pivotFmt>
-        <c:idx val="2"/>
-      </c:pivotFmt>
-      <c:pivotFmt>
-        <c:idx val="3"/>
-        <c:marker>
-          <c:symbol val="none"/>
-        </c:marker>
-        <c:dLbl>
-          <c:idx val="0"/>
-          <c:spPr/>
-          <c:txPr>
-            <a:bodyPr/>
-            <a:lstStyle/>
-            <a:p>
-              <a:pPr>
-                <a:defRPr/>
-              </a:pPr>
-              <a:endParaRPr lang="en-US"/>
-            </a:p>
-          </c:txPr>
-          <c:showLegendKey val="0"/>
-          <c:showVal val="1"/>
-          <c:showCatName val="0"/>
-          <c:showSerName val="0"/>
-          <c:showPercent val="0"/>
-          <c:showBubbleSize val="0"/>
-          <c:extLst>
-            <c:ext xmlns:c15="http://schemas.microsoft.com/office/drawing/2012/chart" uri="{CE6537A1-D6FC-4f65-9D91-7224C49458BB}"/>
-          </c:extLst>
-        </c:dLbl>
-      </c:pivotFmt>
-      <c:pivotFmt>
-        <c:idx val="4"/>
-        <c:spPr>
-          <a:solidFill>
-            <a:srgbClr val="00B050"/>
-          </a:solidFill>
-        </c:spPr>
-      </c:pivotFmt>
-      <c:pivotFmt>
-        <c:idx val="5"/>
-        <c:spPr>
-          <a:solidFill>
-            <a:srgbClr val="00B050"/>
-          </a:solidFill>
-        </c:spPr>
-      </c:pivotFmt>
-      <c:pivotFmt>
-        <c:idx val="6"/>
-        <c:spPr>
-          <a:solidFill>
-            <a:srgbClr val="00B050"/>
-          </a:solidFill>
-        </c:spPr>
-      </c:pivotFmt>
-      <c:pivotFmt>
-        <c:idx val="7"/>
-        <c:marker>
-          <c:symbol val="none"/>
-        </c:marker>
-        <c:dLbl>
-          <c:idx val="0"/>
-          <c:spPr/>
-          <c:txPr>
-            <a:bodyPr/>
-            <a:lstStyle/>
-            <a:p>
-              <a:pPr>
-                <a:defRPr/>
-              </a:pPr>
-              <a:endParaRPr lang="en-US"/>
-            </a:p>
-          </c:txPr>
-          <c:showLegendKey val="0"/>
-          <c:showVal val="1"/>
-          <c:showCatName val="0"/>
-          <c:showSerName val="0"/>
-          <c:showPercent val="0"/>
-          <c:showBubbleSize val="0"/>
-          <c:extLst>
-            <c:ext xmlns:c15="http://schemas.microsoft.com/office/drawing/2012/chart" uri="{CE6537A1-D6FC-4f65-9D91-7224C49458BB}"/>
-          </c:extLst>
-        </c:dLbl>
-      </c:pivotFmt>
-      <c:pivotFmt>
-        <c:idx val="8"/>
-        <c:spPr>
-          <a:solidFill>
-            <a:srgbClr val="00B050"/>
-          </a:solidFill>
-        </c:spPr>
-      </c:pivotFmt>
-      <c:pivotFmt>
-        <c:idx val="9"/>
-        <c:spPr>
-          <a:solidFill>
-            <a:srgbClr val="00B050"/>
-          </a:solidFill>
-        </c:spPr>
-      </c:pivotFmt>
-      <c:pivotFmt>
-        <c:idx val="10"/>
-        <c:spPr>
-          <a:solidFill>
-            <a:srgbClr val="00B050"/>
-          </a:solidFill>
-        </c:spPr>
-      </c:pivotFmt>
-      <c:pivotFmt>
-        <c:idx val="11"/>
-        <c:marker>
-          <c:symbol val="none"/>
-        </c:marker>
-        <c:dLbl>
-          <c:idx val="0"/>
-          <c:spPr/>
-          <c:txPr>
-            <a:bodyPr/>
-            <a:lstStyle/>
-            <a:p>
-              <a:pPr>
-                <a:defRPr/>
-              </a:pPr>
-              <a:endParaRPr lang="en-US"/>
-            </a:p>
-          </c:txPr>
-          <c:showLegendKey val="0"/>
-          <c:showVal val="1"/>
-          <c:showCatName val="0"/>
-          <c:showSerName val="0"/>
-          <c:showPercent val="0"/>
-          <c:showBubbleSize val="0"/>
-          <c:extLst>
-            <c:ext xmlns:c15="http://schemas.microsoft.com/office/drawing/2012/chart" uri="{CE6537A1-D6FC-4f65-9D91-7224C49458BB}"/>
-          </c:extLst>
-        </c:dLbl>
-      </c:pivotFmt>
-      <c:pivotFmt>
-        <c:idx val="12"/>
-        <c:spPr>
-          <a:solidFill>
-            <a:srgbClr val="00B050"/>
-          </a:solidFill>
-        </c:spPr>
-      </c:pivotFmt>
-      <c:pivotFmt>
-        <c:idx val="13"/>
-        <c:spPr>
-          <a:solidFill>
-            <a:srgbClr val="00B050"/>
-          </a:solidFill>
-        </c:spPr>
-      </c:pivotFmt>
-      <c:pivotFmt>
-        <c:idx val="14"/>
-        <c:spPr>
-          <a:solidFill>
-            <a:srgbClr val="00B050"/>
-          </a:solidFill>
-        </c:spPr>
-      </c:pivotFmt>
-    </c:pivotFmts>
-    <c:plotArea>
-      <c:layout/>
-      <c:barChart>
-        <c:barDir val="col"/>
-        <c:grouping val="clustered"/>
-        <c:varyColors val="0"/>
-        <c:ser>
-          <c:idx val="0"/>
-          <c:order val="0"/>
-          <c:tx>
-            <c:strRef>
-              <c:f>F.O!$B$6</c:f>
-              <c:strCache>
-                <c:ptCount val="1"/>
-                <c:pt idx="0">
-                  <c:v>Total</c:v>
-                </c:pt>
-              </c:strCache>
-            </c:strRef>
-          </c:tx>
-          <c:invertIfNegative val="0"/>
-          <c:dPt>
-            <c:idx val="2"/>
-            <c:invertIfNegative val="0"/>
-            <c:bubble3D val="0"/>
-            <c:spPr>
-              <a:solidFill>
-                <a:srgbClr val="FF0000"/>
-              </a:solidFill>
-            </c:spPr>
-            <c:extLst>
-              <c:ext xmlns:c16="http://schemas.microsoft.com/office/drawing/2014/chart" uri="{C3380CC4-5D6E-409C-BE32-E72D297353CC}">
-                <c16:uniqueId val="{00000001-C4D9-3B4D-A843-C35B39AE8952}"/>
-              </c:ext>
-            </c:extLst>
-          </c:dPt>
-          <c:dPt>
-            <c:idx val="5"/>
-            <c:invertIfNegative val="0"/>
-            <c:bubble3D val="0"/>
-            <c:spPr>
-              <a:solidFill>
-                <a:srgbClr val="FF0000"/>
-              </a:solidFill>
-            </c:spPr>
-            <c:extLst>
-              <c:ext xmlns:c16="http://schemas.microsoft.com/office/drawing/2014/chart" uri="{C3380CC4-5D6E-409C-BE32-E72D297353CC}">
-                <c16:uniqueId val="{00000003-C4D9-3B4D-A843-C35B39AE8952}"/>
-              </c:ext>
-            </c:extLst>
-          </c:dPt>
-          <c:dPt>
-            <c:idx val="6"/>
-            <c:invertIfNegative val="0"/>
-            <c:bubble3D val="0"/>
-            <c:spPr>
-              <a:solidFill>
-                <a:srgbClr val="00B050"/>
-              </a:solidFill>
-            </c:spPr>
-            <c:extLst>
-              <c:ext xmlns:c16="http://schemas.microsoft.com/office/drawing/2014/chart" uri="{C3380CC4-5D6E-409C-BE32-E72D297353CC}">
-                <c16:uniqueId val="{00000005-C4D9-3B4D-A843-C35B39AE8952}"/>
-              </c:ext>
-            </c:extLst>
-          </c:dPt>
-          <c:dPt>
-            <c:idx val="7"/>
-            <c:invertIfNegative val="0"/>
-            <c:bubble3D val="0"/>
-            <c:extLst>
-              <c:ext xmlns:c16="http://schemas.microsoft.com/office/drawing/2014/chart" uri="{C3380CC4-5D6E-409C-BE32-E72D297353CC}">
-                <c16:uniqueId val="{00000006-C4D9-3B4D-A843-C35B39AE8952}"/>
-              </c:ext>
-            </c:extLst>
-          </c:dPt>
-          <c:dPt>
-            <c:idx val="8"/>
-            <c:invertIfNegative val="0"/>
-            <c:bubble3D val="0"/>
-            <c:spPr>
-              <a:solidFill>
-                <a:srgbClr val="00B050"/>
-              </a:solidFill>
-            </c:spPr>
-            <c:extLst>
-              <c:ext xmlns:c16="http://schemas.microsoft.com/office/drawing/2014/chart" uri="{C3380CC4-5D6E-409C-BE32-E72D297353CC}">
-                <c16:uniqueId val="{00000008-C4D9-3B4D-A843-C35B39AE8952}"/>
-              </c:ext>
-            </c:extLst>
-          </c:dPt>
-          <c:dPt>
-            <c:idx val="9"/>
-            <c:invertIfNegative val="0"/>
-            <c:bubble3D val="0"/>
-            <c:extLst>
-              <c:ext xmlns:c16="http://schemas.microsoft.com/office/drawing/2014/chart" uri="{C3380CC4-5D6E-409C-BE32-E72D297353CC}">
-                <c16:uniqueId val="{00000009-C4D9-3B4D-A843-C35B39AE8952}"/>
-              </c:ext>
-            </c:extLst>
-          </c:dPt>
-          <c:dPt>
-            <c:idx val="11"/>
-            <c:invertIfNegative val="0"/>
-            <c:bubble3D val="0"/>
-            <c:spPr>
-              <a:solidFill>
-                <a:srgbClr val="00B050"/>
-              </a:solidFill>
-            </c:spPr>
-            <c:extLst>
-              <c:ext xmlns:c16="http://schemas.microsoft.com/office/drawing/2014/chart" uri="{C3380CC4-5D6E-409C-BE32-E72D297353CC}">
-                <c16:uniqueId val="{0000000B-C4D9-3B4D-A843-C35B39AE8952}"/>
-              </c:ext>
-            </c:extLst>
-          </c:dPt>
-          <c:dPt>
-            <c:idx val="12"/>
-            <c:invertIfNegative val="0"/>
-            <c:bubble3D val="0"/>
-            <c:spPr>
-              <a:solidFill>
-                <a:srgbClr val="FF0000"/>
-              </a:solidFill>
-            </c:spPr>
-            <c:extLst>
-              <c:ext xmlns:c16="http://schemas.microsoft.com/office/drawing/2014/chart" uri="{C3380CC4-5D6E-409C-BE32-E72D297353CC}">
-                <c16:uniqueId val="{0000000D-C4D9-3B4D-A843-C35B39AE8952}"/>
-              </c:ext>
-            </c:extLst>
-          </c:dPt>
-          <c:dLbls>
-            <c:spPr>
-              <a:noFill/>
-              <a:ln>
-                <a:noFill/>
-              </a:ln>
-              <a:effectLst/>
-            </c:spPr>
-            <c:txPr>
-              <a:bodyPr/>
-              <a:lstStyle/>
-              <a:p>
-                <a:pPr>
-                  <a:defRPr b="1"/>
-                </a:pPr>
-                <a:endParaRPr lang="en-US"/>
-              </a:p>
-            </c:txPr>
-            <c:showLegendKey val="0"/>
-            <c:showVal val="1"/>
-            <c:showCatName val="0"/>
-            <c:showSerName val="0"/>
-            <c:showPercent val="0"/>
-            <c:showBubbleSize val="0"/>
-            <c:showLeaderLines val="0"/>
-            <c:extLst>
-              <c:ext xmlns:c15="http://schemas.microsoft.com/office/drawing/2012/chart" uri="{CE6537A1-D6FC-4f65-9D91-7224C49458BB}">
-                <c15:showLeaderLines val="0"/>
-              </c:ext>
-            </c:extLst>
-          </c:dLbls>
-          <c:cat>
-            <c:strRef>
-              <c:f>F.O!$A$7:$A$21</c:f>
-              <c:strCache>
-                <c:ptCount val="14"/>
-                <c:pt idx="0">
-                  <c:v>S&amp;P 500 AUTO &amp; COMP IDX</c:v>
-                </c:pt>
-                <c:pt idx="1">
-                  <c:v>S&amp;P 500 CHEMICALS INDEX</c:v>
-                </c:pt>
-                <c:pt idx="2">
-                  <c:v>S&amp;P 500 CON DUR&amp;AP INDEX</c:v>
-                </c:pt>
-                <c:pt idx="3">
-                  <c:v>S&amp;P 500 CONS SRV IDX</c:v>
-                </c:pt>
-                <c:pt idx="4">
-                  <c:v>S&amp;P 500 CONST MATRLS IDX</c:v>
-                </c:pt>
-                <c:pt idx="5">
-                  <c:v>S&amp;P 500 CONT &amp; PKG INDEX</c:v>
-                </c:pt>
-                <c:pt idx="6">
-                  <c:v>S&amp;P 500 FD BEV &amp; TOB IDX</c:v>
-                </c:pt>
-                <c:pt idx="7">
-                  <c:v>S&amp;P 500 HC EQUIP&amp;SVC IDX</c:v>
-                </c:pt>
-                <c:pt idx="8">
-                  <c:v>S&amp;P 500 HH &amp; PR PDTS IDX</c:v>
-                </c:pt>
-                <c:pt idx="9">
-                  <c:v>S&amp;P 500 MEDIA INDEX</c:v>
-                </c:pt>
-                <c:pt idx="10">
-                  <c:v>S&amp;P 500 METALS &amp; MNG IDX</c:v>
-                </c:pt>
-                <c:pt idx="11">
-                  <c:v>S&amp;P 500 PHRM BIO &amp; LF SC</c:v>
-                </c:pt>
-                <c:pt idx="12">
-                  <c:v>S&amp;P 500 PPR &amp; FRST PD IX</c:v>
-                </c:pt>
-                <c:pt idx="13">
-                  <c:v>S&amp;P 500 RETAILING INDEX</c:v>
-                </c:pt>
-              </c:strCache>
-            </c:strRef>
-          </c:cat>
-          <c:val>
-            <c:numRef>
-              <c:f>F.O!$B$7:$B$21</c:f>
-              <c:numCache>
-                <c:formatCode>0.00%</c:formatCode>
-                <c:ptCount val="14"/>
-                <c:pt idx="0">
-                  <c:v>0.33333333333333331</c:v>
-                </c:pt>
-                <c:pt idx="1">
-                  <c:v>0.41666666666666669</c:v>
-                </c:pt>
-                <c:pt idx="2">
-                  <c:v>0.25</c:v>
-                </c:pt>
-                <c:pt idx="3">
-                  <c:v>0.41666666666666669</c:v>
-                </c:pt>
-                <c:pt idx="4">
-                  <c:v>0.58333333333333337</c:v>
-                </c:pt>
-                <c:pt idx="5">
-                  <c:v>0.29166666666666669</c:v>
-                </c:pt>
-                <c:pt idx="6">
-                  <c:v>0.70833333333333337</c:v>
-                </c:pt>
-                <c:pt idx="7">
-                  <c:v>0.45833333333333331</c:v>
-                </c:pt>
-                <c:pt idx="8">
-                  <c:v>0.625</c:v>
-                </c:pt>
-                <c:pt idx="9">
-                  <c:v>0.33333333333333331</c:v>
-                </c:pt>
-                <c:pt idx="10">
-                  <c:v>0.375</c:v>
-                </c:pt>
-                <c:pt idx="11">
-                  <c:v>0.70833333333333337</c:v>
-                </c:pt>
-                <c:pt idx="12">
-                  <c:v>0.29166666666666669</c:v>
-                </c:pt>
-                <c:pt idx="13">
-                  <c:v>0.54166666666666663</c:v>
-                </c:pt>
-              </c:numCache>
-            </c:numRef>
-          </c:val>
-          <c:extLst>
-            <c:ext xmlns:c16="http://schemas.microsoft.com/office/drawing/2014/chart" uri="{C3380CC4-5D6E-409C-BE32-E72D297353CC}">
-              <c16:uniqueId val="{0000000E-C4D9-3B4D-A843-C35B39AE8952}"/>
-            </c:ext>
-          </c:extLst>
-        </c:ser>
-        <c:dLbls>
-          <c:showLegendKey val="0"/>
-          <c:showVal val="0"/>
-          <c:showCatName val="0"/>
-          <c:showSerName val="0"/>
-          <c:showPercent val="0"/>
-          <c:showBubbleSize val="0"/>
-        </c:dLbls>
-        <c:gapWidth val="150"/>
-        <c:axId val="52838912"/>
-        <c:axId val="51580288"/>
-      </c:barChart>
-      <c:catAx>
-        <c:axId val="52838912"/>
-        <c:scaling>
-          <c:orientation val="minMax"/>
-        </c:scaling>
-        <c:delete val="0"/>
-        <c:axPos val="b"/>
-        <c:numFmt formatCode="General" sourceLinked="0"/>
-        <c:majorTickMark val="out"/>
-        <c:minorTickMark val="none"/>
-        <c:tickLblPos val="nextTo"/>
-        <c:txPr>
-          <a:bodyPr/>
-          <a:lstStyle/>
-          <a:p>
-            <a:pPr>
-              <a:defRPr sz="700" b="0"/>
-            </a:pPr>
-            <a:endParaRPr lang="en-US"/>
-          </a:p>
-        </c:txPr>
-        <c:crossAx val="51580288"/>
-        <c:crosses val="autoZero"/>
-        <c:auto val="1"/>
-        <c:lblAlgn val="ctr"/>
-        <c:lblOffset val="100"/>
-        <c:noMultiLvlLbl val="0"/>
-      </c:catAx>
-      <c:valAx>
-        <c:axId val="51580288"/>
-        <c:scaling>
-          <c:orientation val="minMax"/>
-        </c:scaling>
-        <c:delete val="0"/>
-        <c:axPos val="l"/>
-        <c:title>
-          <c:tx>
-            <c:rich>
-              <a:bodyPr rot="-5400000" vert="horz"/>
-              <a:lstStyle/>
-              <a:p>
-                <a:pPr>
-                  <a:defRPr/>
-                </a:pPr>
-                <a:r>
-                  <a:rPr lang="en-US"/>
-                  <a:t>Frequency of Outperformance (%)</a:t>
-                </a:r>
-              </a:p>
-            </c:rich>
-          </c:tx>
-          <c:overlay val="0"/>
-        </c:title>
-        <c:numFmt formatCode="0%" sourceLinked="0"/>
-        <c:majorTickMark val="out"/>
-        <c:minorTickMark val="none"/>
-        <c:tickLblPos val="nextTo"/>
-        <c:crossAx val="52838912"/>
-        <c:crosses val="autoZero"/>
-        <c:crossBetween val="between"/>
-      </c:valAx>
-    </c:plotArea>
-    <c:plotVisOnly val="1"/>
-    <c:dispBlanksAs val="gap"/>
-    <c:showDLblsOverMax val="0"/>
-  </c:chart>
-  <c:txPr>
-    <a:bodyPr/>
-    <a:lstStyle/>
-    <a:p>
-      <a:pPr>
-        <a:defRPr>
-          <a:solidFill>
-            <a:schemeClr val="bg1"/>
-          </a:solidFill>
-        </a:defRPr>
-      </a:pPr>
-      <a:endParaRPr lang="en-US"/>
-    </a:p>
-  </c:txPr>
-  <c:externalData r:id="rId1">
-    <c:autoUpdate val="0"/>
-  </c:externalData>
-  <c:extLst>
-    <c:ext xmlns:c14="http://schemas.microsoft.com/office/drawing/2007/8/2/chart" uri="{781A3756-C4B2-4CAC-9D66-4F8BD8637D16}">
-      <c14:pivotOptions>
-        <c14:dropZoneFilter val="1"/>
-        <c14:dropZoneCategories val="1"/>
-        <c14:dropZoneData val="1"/>
-        <c14:dropZonesVisible val="1"/>
-      </c14:pivotOptions>
-    </c:ext>
-  </c:extLst>
-</c:chartSpace>
-</file>
-
-<file path=ppt/charts/chart8.xml><?xml version="1.0" encoding="utf-8"?>
-<c:chartSpace xmlns:c="http://schemas.openxmlformats.org/drawingml/2006/chart" xmlns:a="http://schemas.openxmlformats.org/drawingml/2006/main" xmlns:r="http://schemas.openxmlformats.org/officeDocument/2006/relationships" xmlns:c16r2="http://schemas.microsoft.com/office/drawing/2015/06/chart">
-  <c:date1904 val="0"/>
-  <c:lang val="en-US"/>
-  <c:roundedCorners val="0"/>
-  <mc:AlternateContent xmlns:mc="http://schemas.openxmlformats.org/markup-compatibility/2006">
-    <mc:Choice xmlns:c14="http://schemas.microsoft.com/office/drawing/2007/8/2/chart" Requires="c14">
-      <c14:style val="102"/>
-    </mc:Choice>
-    <mc:Fallback>
-      <c:style val="2"/>
-    </mc:Fallback>
-  </mc:AlternateContent>
-  <c:pivotSource>
-    <c:name>[Wright Fund Portfolio Project Data v2.xlsx]2009-2013 Sectors May-Oct!PivotTable7</c:name>
-    <c:fmtId val="-1"/>
-  </c:pivotSource>
-  <c:chart>
-    <c:title>
-      <c:tx>
-        <c:rich>
-          <a:bodyPr/>
-          <a:lstStyle/>
-          <a:p>
-            <a:pPr algn="ctr">
-              <a:defRPr>
-                <a:solidFill>
-                  <a:schemeClr val="bg1"/>
-                </a:solidFill>
-              </a:defRPr>
-            </a:pPr>
-            <a:r>
-              <a:rPr lang="en-US" dirty="0">
-                <a:solidFill>
-                  <a:schemeClr val="bg1"/>
-                </a:solidFill>
-              </a:rPr>
-              <a:t>Average Total Return from </a:t>
-            </a:r>
-            <a:r>
-              <a:rPr lang="en-US" dirty="0">
-                <a:solidFill>
-                  <a:srgbClr val="FFFF00"/>
-                </a:solidFill>
-              </a:rPr>
-              <a:t>2009-2013:</a:t>
-            </a:r>
-            <a:r>
-              <a:rPr lang="en-US" dirty="0">
-                <a:solidFill>
-                  <a:schemeClr val="bg1"/>
-                </a:solidFill>
-              </a:rPr>
-              <a:t> May - Oct </a:t>
-            </a:r>
-          </a:p>
-        </c:rich>
-      </c:tx>
-      <c:layout>
-        <c:manualLayout>
-          <c:xMode val="edge"/>
-          <c:yMode val="edge"/>
-          <c:x val="0.26566224179192677"/>
-          <c:y val="1.7673412509671443E-2"/>
-        </c:manualLayout>
-      </c:layout>
-      <c:overlay val="0"/>
-    </c:title>
-    <c:autoTitleDeleted val="0"/>
-    <c:pivotFmts>
-      <c:pivotFmt>
-        <c:idx val="0"/>
-        <c:marker>
-          <c:symbol val="none"/>
-        </c:marker>
-      </c:pivotFmt>
-      <c:pivotFmt>
-        <c:idx val="1"/>
-        <c:marker>
-          <c:symbol val="none"/>
-        </c:marker>
-      </c:pivotFmt>
-      <c:pivotFmt>
-        <c:idx val="2"/>
-        <c:marker>
-          <c:symbol val="none"/>
-        </c:marker>
-      </c:pivotFmt>
-      <c:pivotFmt>
-        <c:idx val="3"/>
-        <c:marker>
-          <c:symbol val="none"/>
-        </c:marker>
-      </c:pivotFmt>
-      <c:pivotFmt>
-        <c:idx val="4"/>
-        <c:marker>
-          <c:symbol val="none"/>
-        </c:marker>
-      </c:pivotFmt>
-      <c:pivotFmt>
-        <c:idx val="5"/>
-        <c:marker>
-          <c:symbol val="none"/>
-        </c:marker>
-      </c:pivotFmt>
-      <c:pivotFmt>
-        <c:idx val="6"/>
-        <c:marker>
-          <c:symbol val="none"/>
-        </c:marker>
-      </c:pivotFmt>
-      <c:pivotFmt>
-        <c:idx val="7"/>
-        <c:marker>
-          <c:symbol val="none"/>
-        </c:marker>
-      </c:pivotFmt>
-      <c:pivotFmt>
-        <c:idx val="8"/>
-        <c:marker>
-          <c:symbol val="none"/>
-        </c:marker>
-      </c:pivotFmt>
-      <c:pivotFmt>
-        <c:idx val="9"/>
-        <c:marker>
-          <c:symbol val="none"/>
-        </c:marker>
-      </c:pivotFmt>
-      <c:pivotFmt>
-        <c:idx val="10"/>
-        <c:marker>
-          <c:symbol val="none"/>
-        </c:marker>
-      </c:pivotFmt>
-      <c:pivotFmt>
-        <c:idx val="11"/>
-        <c:marker>
-          <c:symbol val="none"/>
-        </c:marker>
-      </c:pivotFmt>
-      <c:pivotFmt>
-        <c:idx val="12"/>
-        <c:marker>
-          <c:symbol val="none"/>
-        </c:marker>
-      </c:pivotFmt>
-      <c:pivotFmt>
-        <c:idx val="13"/>
-        <c:marker>
-          <c:symbol val="none"/>
-        </c:marker>
-      </c:pivotFmt>
-      <c:pivotFmt>
-        <c:idx val="14"/>
-        <c:marker>
-          <c:symbol val="none"/>
-        </c:marker>
-      </c:pivotFmt>
-      <c:pivotFmt>
-        <c:idx val="15"/>
-        <c:marker>
-          <c:symbol val="none"/>
-        </c:marker>
-      </c:pivotFmt>
-      <c:pivotFmt>
-        <c:idx val="16"/>
-        <c:marker>
-          <c:symbol val="none"/>
-        </c:marker>
-      </c:pivotFmt>
-      <c:pivotFmt>
-        <c:idx val="17"/>
-        <c:marker>
-          <c:symbol val="none"/>
-        </c:marker>
-      </c:pivotFmt>
-      <c:pivotFmt>
-        <c:idx val="18"/>
-        <c:marker>
-          <c:symbol val="none"/>
-        </c:marker>
-      </c:pivotFmt>
-      <c:pivotFmt>
-        <c:idx val="19"/>
-        <c:marker>
-          <c:symbol val="none"/>
-        </c:marker>
-      </c:pivotFmt>
-      <c:pivotFmt>
-        <c:idx val="20"/>
-        <c:marker>
-          <c:symbol val="none"/>
-        </c:marker>
-      </c:pivotFmt>
-      <c:pivotFmt>
-        <c:idx val="21"/>
-        <c:marker>
-          <c:symbol val="none"/>
-        </c:marker>
-      </c:pivotFmt>
-      <c:pivotFmt>
-        <c:idx val="22"/>
-        <c:marker>
-          <c:symbol val="none"/>
-        </c:marker>
-      </c:pivotFmt>
-      <c:pivotFmt>
-        <c:idx val="23"/>
-        <c:marker>
-          <c:symbol val="none"/>
-        </c:marker>
-      </c:pivotFmt>
-      <c:pivotFmt>
-        <c:idx val="24"/>
-        <c:marker>
-          <c:symbol val="none"/>
-        </c:marker>
-      </c:pivotFmt>
-      <c:pivotFmt>
-        <c:idx val="25"/>
-        <c:marker>
-          <c:symbol val="none"/>
-        </c:marker>
-      </c:pivotFmt>
-      <c:pivotFmt>
-        <c:idx val="26"/>
-        <c:marker>
-          <c:symbol val="none"/>
-        </c:marker>
-      </c:pivotFmt>
-      <c:pivotFmt>
-        <c:idx val="27"/>
-        <c:marker>
-          <c:symbol val="none"/>
-        </c:marker>
-      </c:pivotFmt>
-      <c:pivotFmt>
-        <c:idx val="28"/>
-        <c:marker>
-          <c:symbol val="none"/>
-        </c:marker>
-      </c:pivotFmt>
-      <c:pivotFmt>
-        <c:idx val="29"/>
-        <c:marker>
-          <c:symbol val="none"/>
-        </c:marker>
-      </c:pivotFmt>
-      <c:pivotFmt>
-        <c:idx val="30"/>
-        <c:marker>
-          <c:symbol val="none"/>
-        </c:marker>
-      </c:pivotFmt>
-      <c:pivotFmt>
-        <c:idx val="31"/>
-        <c:marker>
-          <c:symbol val="none"/>
-        </c:marker>
-      </c:pivotFmt>
-      <c:pivotFmt>
-        <c:idx val="32"/>
-        <c:marker>
-          <c:symbol val="none"/>
-        </c:marker>
-      </c:pivotFmt>
-      <c:pivotFmt>
-        <c:idx val="33"/>
-        <c:marker>
-          <c:symbol val="none"/>
-        </c:marker>
-      </c:pivotFmt>
-      <c:pivotFmt>
-        <c:idx val="34"/>
-        <c:marker>
-          <c:symbol val="none"/>
-        </c:marker>
-      </c:pivotFmt>
-      <c:pivotFmt>
-        <c:idx val="35"/>
-        <c:marker>
-          <c:symbol val="none"/>
-        </c:marker>
-      </c:pivotFmt>
-      <c:pivotFmt>
-        <c:idx val="36"/>
-        <c:marker>
-          <c:symbol val="none"/>
-        </c:marker>
-      </c:pivotFmt>
-      <c:pivotFmt>
-        <c:idx val="37"/>
-        <c:marker>
-          <c:symbol val="none"/>
-        </c:marker>
-      </c:pivotFmt>
-      <c:pivotFmt>
-        <c:idx val="38"/>
-        <c:marker>
-          <c:symbol val="none"/>
-        </c:marker>
-      </c:pivotFmt>
-      <c:pivotFmt>
-        <c:idx val="39"/>
-        <c:marker>
-          <c:symbol val="none"/>
-        </c:marker>
-      </c:pivotFmt>
-      <c:pivotFmt>
-        <c:idx val="40"/>
-        <c:marker>
-          <c:symbol val="none"/>
-        </c:marker>
-      </c:pivotFmt>
-      <c:pivotFmt>
-        <c:idx val="41"/>
-        <c:marker>
-          <c:symbol val="none"/>
-        </c:marker>
-      </c:pivotFmt>
-      <c:pivotFmt>
-        <c:idx val="42"/>
-        <c:marker>
-          <c:symbol val="none"/>
-        </c:marker>
-      </c:pivotFmt>
-      <c:pivotFmt>
-        <c:idx val="43"/>
-        <c:marker>
-          <c:symbol val="none"/>
-        </c:marker>
-        <c:dLbl>
-          <c:idx val="0"/>
-          <c:numFmt formatCode="#,##0.00" sourceLinked="0"/>
-          <c:spPr/>
-          <c:txPr>
-            <a:bodyPr/>
-            <a:lstStyle/>
-            <a:p>
-              <a:pPr>
-                <a:defRPr/>
-              </a:pPr>
-              <a:endParaRPr lang="en-US"/>
-            </a:p>
-          </c:txPr>
-          <c:dLblPos val="outEnd"/>
-          <c:showLegendKey val="0"/>
-          <c:showVal val="1"/>
-          <c:showCatName val="0"/>
-          <c:showSerName val="0"/>
-          <c:showPercent val="0"/>
-          <c:showBubbleSize val="0"/>
-          <c:extLst>
-            <c:ext xmlns:c15="http://schemas.microsoft.com/office/drawing/2012/chart" uri="{CE6537A1-D6FC-4f65-9D91-7224C49458BB}"/>
-          </c:extLst>
-        </c:dLbl>
-      </c:pivotFmt>
-      <c:pivotFmt>
-        <c:idx val="44"/>
-        <c:marker>
-          <c:symbol val="none"/>
-        </c:marker>
-        <c:dLbl>
-          <c:idx val="0"/>
-          <c:spPr/>
-          <c:txPr>
-            <a:bodyPr/>
-            <a:lstStyle/>
-            <a:p>
-              <a:pPr>
-                <a:defRPr/>
-              </a:pPr>
-              <a:endParaRPr lang="en-US"/>
-            </a:p>
-          </c:txPr>
-          <c:dLblPos val="ctr"/>
-          <c:showLegendKey val="0"/>
-          <c:showVal val="1"/>
-          <c:showCatName val="0"/>
-          <c:showSerName val="0"/>
-          <c:showPercent val="0"/>
-          <c:showBubbleSize val="0"/>
-          <c:extLst>
-            <c:ext xmlns:c15="http://schemas.microsoft.com/office/drawing/2012/chart" uri="{CE6537A1-D6FC-4f65-9D91-7224C49458BB}"/>
-          </c:extLst>
-        </c:dLbl>
-      </c:pivotFmt>
-      <c:pivotFmt>
-        <c:idx val="45"/>
-        <c:marker>
-          <c:symbol val="none"/>
-        </c:marker>
-        <c:dLbl>
-          <c:idx val="0"/>
-          <c:spPr/>
-          <c:txPr>
-            <a:bodyPr/>
-            <a:lstStyle/>
-            <a:p>
-              <a:pPr>
-                <a:defRPr/>
-              </a:pPr>
-              <a:endParaRPr lang="en-US"/>
-            </a:p>
-          </c:txPr>
-          <c:showLegendKey val="0"/>
-          <c:showVal val="1"/>
-          <c:showCatName val="0"/>
-          <c:showSerName val="0"/>
-          <c:showPercent val="0"/>
-          <c:showBubbleSize val="0"/>
-          <c:extLst>
-            <c:ext xmlns:c15="http://schemas.microsoft.com/office/drawing/2012/chart" uri="{CE6537A1-D6FC-4f65-9D91-7224C49458BB}"/>
-          </c:extLst>
-        </c:dLbl>
-      </c:pivotFmt>
-      <c:pivotFmt>
-        <c:idx val="46"/>
-        <c:marker>
-          <c:symbol val="none"/>
-        </c:marker>
-        <c:dLbl>
-          <c:idx val="0"/>
-          <c:spPr/>
-          <c:txPr>
-            <a:bodyPr/>
-            <a:lstStyle/>
-            <a:p>
-              <a:pPr>
-                <a:defRPr/>
-              </a:pPr>
-              <a:endParaRPr lang="en-US"/>
-            </a:p>
-          </c:txPr>
-          <c:showLegendKey val="0"/>
-          <c:showVal val="1"/>
-          <c:showCatName val="0"/>
-          <c:showSerName val="0"/>
-          <c:showPercent val="0"/>
-          <c:showBubbleSize val="0"/>
-          <c:extLst>
-            <c:ext xmlns:c15="http://schemas.microsoft.com/office/drawing/2012/chart" uri="{CE6537A1-D6FC-4f65-9D91-7224C49458BB}"/>
-          </c:extLst>
-        </c:dLbl>
-      </c:pivotFmt>
-      <c:pivotFmt>
-        <c:idx val="47"/>
-        <c:marker>
-          <c:symbol val="none"/>
-        </c:marker>
-        <c:dLbl>
-          <c:idx val="0"/>
-          <c:spPr/>
-          <c:txPr>
-            <a:bodyPr/>
-            <a:lstStyle/>
-            <a:p>
-              <a:pPr>
-                <a:defRPr/>
-              </a:pPr>
-              <a:endParaRPr lang="en-US"/>
-            </a:p>
-          </c:txPr>
-          <c:showLegendKey val="0"/>
-          <c:showVal val="1"/>
-          <c:showCatName val="0"/>
-          <c:showSerName val="0"/>
-          <c:showPercent val="0"/>
-          <c:showBubbleSize val="0"/>
-          <c:extLst>
-            <c:ext xmlns:c15="http://schemas.microsoft.com/office/drawing/2012/chart" uri="{CE6537A1-D6FC-4f65-9D91-7224C49458BB}"/>
-          </c:extLst>
-        </c:dLbl>
-      </c:pivotFmt>
-      <c:pivotFmt>
-        <c:idx val="48"/>
-        <c:spPr>
-          <a:solidFill>
-            <a:srgbClr val="00B050"/>
-          </a:solidFill>
-        </c:spPr>
-      </c:pivotFmt>
-      <c:pivotFmt>
-        <c:idx val="49"/>
-        <c:spPr>
-          <a:solidFill>
-            <a:srgbClr val="00B050"/>
-          </a:solidFill>
-        </c:spPr>
-      </c:pivotFmt>
-      <c:pivotFmt>
-        <c:idx val="50"/>
-        <c:marker>
-          <c:symbol val="none"/>
-        </c:marker>
-        <c:dLbl>
-          <c:idx val="0"/>
-          <c:numFmt formatCode="#,##0.00" sourceLinked="0"/>
-          <c:spPr/>
-          <c:txPr>
-            <a:bodyPr/>
-            <a:lstStyle/>
-            <a:p>
-              <a:pPr>
-                <a:defRPr/>
-              </a:pPr>
-              <a:endParaRPr lang="en-US"/>
-            </a:p>
-          </c:txPr>
-          <c:dLblPos val="outEnd"/>
-          <c:showLegendKey val="0"/>
-          <c:showVal val="1"/>
-          <c:showCatName val="0"/>
-          <c:showSerName val="0"/>
-          <c:showPercent val="0"/>
-          <c:showBubbleSize val="0"/>
-          <c:extLst>
-            <c:ext xmlns:c15="http://schemas.microsoft.com/office/drawing/2012/chart" uri="{CE6537A1-D6FC-4f65-9D91-7224C49458BB}"/>
-          </c:extLst>
-        </c:dLbl>
-      </c:pivotFmt>
-      <c:pivotFmt>
-        <c:idx val="51"/>
-        <c:spPr>
-          <a:solidFill>
-            <a:srgbClr val="00B050"/>
-          </a:solidFill>
-        </c:spPr>
-      </c:pivotFmt>
-      <c:pivotFmt>
-        <c:idx val="52"/>
-        <c:spPr>
-          <a:solidFill>
-            <a:srgbClr val="00B050"/>
-          </a:solidFill>
-        </c:spPr>
-      </c:pivotFmt>
-      <c:pivotFmt>
-        <c:idx val="53"/>
-        <c:marker>
-          <c:symbol val="none"/>
-        </c:marker>
-        <c:dLbl>
-          <c:idx val="0"/>
-          <c:numFmt formatCode="#,##0.00" sourceLinked="0"/>
-          <c:spPr/>
-          <c:txPr>
-            <a:bodyPr/>
-            <a:lstStyle/>
-            <a:p>
-              <a:pPr>
-                <a:defRPr/>
-              </a:pPr>
-              <a:endParaRPr lang="en-US"/>
-            </a:p>
-          </c:txPr>
-          <c:dLblPos val="outEnd"/>
-          <c:showLegendKey val="0"/>
-          <c:showVal val="1"/>
-          <c:showCatName val="0"/>
-          <c:showSerName val="0"/>
-          <c:showPercent val="0"/>
-          <c:showBubbleSize val="0"/>
-          <c:extLst>
-            <c:ext xmlns:c15="http://schemas.microsoft.com/office/drawing/2012/chart" uri="{CE6537A1-D6FC-4f65-9D91-7224C49458BB}"/>
-          </c:extLst>
-        </c:dLbl>
-      </c:pivotFmt>
-      <c:pivotFmt>
-        <c:idx val="54"/>
-        <c:spPr>
-          <a:solidFill>
-            <a:srgbClr val="00B050"/>
-          </a:solidFill>
-        </c:spPr>
-      </c:pivotFmt>
-      <c:pivotFmt>
-        <c:idx val="55"/>
-        <c:spPr>
-          <a:solidFill>
-            <a:srgbClr val="00B050"/>
-          </a:solidFill>
-        </c:spPr>
-      </c:pivotFmt>
-    </c:pivotFmts>
-    <c:plotArea>
-      <c:layout>
-        <c:manualLayout>
-          <c:layoutTarget val="inner"/>
-          <c:xMode val="edge"/>
-          <c:yMode val="edge"/>
-          <c:x val="7.0676338081879689E-2"/>
-          <c:y val="8.7523928667795015E-2"/>
-          <c:w val="0.90697739276081712"/>
-          <c:h val="0.7030726090977486"/>
-        </c:manualLayout>
-      </c:layout>
-      <c:barChart>
-        <c:barDir val="col"/>
-        <c:grouping val="clustered"/>
-        <c:varyColors val="0"/>
-        <c:ser>
-          <c:idx val="0"/>
-          <c:order val="0"/>
-          <c:tx>
-            <c:strRef>
-              <c:f>'2009-2013 Sectors May-Oct'!$B$5</c:f>
-              <c:strCache>
-                <c:ptCount val="1"/>
-                <c:pt idx="0">
-                  <c:v>Total</c:v>
-                </c:pt>
-              </c:strCache>
-            </c:strRef>
-          </c:tx>
-          <c:invertIfNegative val="0"/>
-          <c:dPt>
-            <c:idx val="1"/>
-            <c:invertIfNegative val="0"/>
-            <c:bubble3D val="0"/>
-            <c:spPr>
-              <a:solidFill>
-                <a:srgbClr val="00B050"/>
-              </a:solidFill>
-            </c:spPr>
-            <c:extLst>
-              <c:ext xmlns:c16="http://schemas.microsoft.com/office/drawing/2014/chart" uri="{C3380CC4-5D6E-409C-BE32-E72D297353CC}">
-                <c16:uniqueId val="{00000001-21B8-7647-8B67-2E64B48F797D}"/>
-              </c:ext>
-            </c:extLst>
-          </c:dPt>
-          <c:dPt>
-            <c:idx val="4"/>
-            <c:invertIfNegative val="0"/>
-            <c:bubble3D val="0"/>
-            <c:spPr>
-              <a:solidFill>
-                <a:srgbClr val="00B050"/>
-              </a:solidFill>
-            </c:spPr>
-            <c:extLst>
-              <c:ext xmlns:c16="http://schemas.microsoft.com/office/drawing/2014/chart" uri="{C3380CC4-5D6E-409C-BE32-E72D297353CC}">
-                <c16:uniqueId val="{00000003-21B8-7647-8B67-2E64B48F797D}"/>
-              </c:ext>
-            </c:extLst>
-          </c:dPt>
-          <c:dLbls>
-            <c:numFmt formatCode="#,##0.00" sourceLinked="0"/>
-            <c:spPr>
-              <a:noFill/>
-              <a:ln>
-                <a:noFill/>
-              </a:ln>
-              <a:effectLst/>
-            </c:spPr>
-            <c:txPr>
-              <a:bodyPr/>
-              <a:lstStyle/>
-              <a:p>
-                <a:pPr>
-                  <a:defRPr>
-                    <a:solidFill>
-                      <a:schemeClr val="bg1"/>
-                    </a:solidFill>
-                  </a:defRPr>
-                </a:pPr>
-                <a:endParaRPr lang="en-US"/>
-              </a:p>
-            </c:txPr>
-            <c:dLblPos val="outEnd"/>
-            <c:showLegendKey val="0"/>
-            <c:showVal val="1"/>
-            <c:showCatName val="0"/>
-            <c:showSerName val="0"/>
-            <c:showPercent val="0"/>
-            <c:showBubbleSize val="0"/>
-            <c:showLeaderLines val="0"/>
-            <c:extLst>
-              <c:ext xmlns:c15="http://schemas.microsoft.com/office/drawing/2012/chart" uri="{CE6537A1-D6FC-4f65-9D91-7224C49458BB}">
-                <c15:showLeaderLines val="0"/>
-              </c:ext>
-            </c:extLst>
-          </c:dLbls>
-          <c:cat>
-            <c:strRef>
-              <c:f>'2009-2013 Sectors May-Oct'!$A$6:$A$16</c:f>
-              <c:strCache>
-                <c:ptCount val="10"/>
-                <c:pt idx="0">
-                  <c:v>S&amp;P 500 CONS DISCRET IDX</c:v>
-                </c:pt>
-                <c:pt idx="1">
-                  <c:v>S&amp;P 500 CONS STAPLES IDX</c:v>
-                </c:pt>
-                <c:pt idx="2">
-                  <c:v>S&amp;P 500 ENERGY INDEX</c:v>
-                </c:pt>
-                <c:pt idx="3">
-                  <c:v>S&amp;P 500 FINANCIALS INDEX</c:v>
-                </c:pt>
-                <c:pt idx="4">
-                  <c:v>S&amp;P 500 HEALTH CARE IDX</c:v>
-                </c:pt>
-                <c:pt idx="5">
-                  <c:v>S&amp;P 500 INDUSTRIALS IDX</c:v>
-                </c:pt>
-                <c:pt idx="6">
-                  <c:v>S&amp;P 500 INFO TECH INDEX</c:v>
-                </c:pt>
-                <c:pt idx="7">
-                  <c:v>S&amp;P 500 MATERIALS INDEX</c:v>
-                </c:pt>
-                <c:pt idx="8">
-                  <c:v>S&amp;P 500 TELECOM SERV IDX</c:v>
-                </c:pt>
-                <c:pt idx="9">
-                  <c:v>S&amp;P 500 UTILITIES INDEX</c:v>
-                </c:pt>
-              </c:strCache>
-            </c:strRef>
-          </c:cat>
-          <c:val>
-            <c:numRef>
-              <c:f>'2009-2013 Sectors May-Oct'!$B$6:$B$16</c:f>
-              <c:numCache>
-                <c:formatCode>General</c:formatCode>
-                <c:ptCount val="10"/>
-                <c:pt idx="0">
-                  <c:v>6.6872094419543302</c:v>
-                </c:pt>
-                <c:pt idx="1">
-                  <c:v>7.1880621872910568</c:v>
-                </c:pt>
-                <c:pt idx="2">
-                  <c:v>3.951134442410499</c:v>
-                </c:pt>
-                <c:pt idx="3">
-                  <c:v>3.8507197418520831</c:v>
-                </c:pt>
-                <c:pt idx="4">
-                  <c:v>7.2324896451801708</c:v>
-                </c:pt>
-                <c:pt idx="5">
-                  <c:v>4.4598361869172072</c:v>
-                </c:pt>
-                <c:pt idx="6">
-                  <c:v>6.6798118182936745</c:v>
-                </c:pt>
-                <c:pt idx="7">
-                  <c:v>3.9815394315594026</c:v>
-                </c:pt>
-                <c:pt idx="8">
-                  <c:v>4.7484783507475674</c:v>
-                </c:pt>
-                <c:pt idx="9">
-                  <c:v>5.5355387476827653</c:v>
-                </c:pt>
-              </c:numCache>
-            </c:numRef>
-          </c:val>
-          <c:extLst>
-            <c:ext xmlns:c16="http://schemas.microsoft.com/office/drawing/2014/chart" uri="{C3380CC4-5D6E-409C-BE32-E72D297353CC}">
-              <c16:uniqueId val="{00000004-21B8-7647-8B67-2E64B48F797D}"/>
-            </c:ext>
-          </c:extLst>
-        </c:ser>
-        <c:dLbls>
-          <c:dLblPos val="outEnd"/>
-          <c:showLegendKey val="0"/>
-          <c:showVal val="1"/>
-          <c:showCatName val="0"/>
-          <c:showSerName val="0"/>
-          <c:showPercent val="0"/>
-          <c:showBubbleSize val="0"/>
-        </c:dLbls>
-        <c:gapWidth val="150"/>
-        <c:axId val="52986368"/>
-        <c:axId val="51582592"/>
-      </c:barChart>
-      <c:catAx>
-        <c:axId val="52986368"/>
-        <c:scaling>
-          <c:orientation val="minMax"/>
-        </c:scaling>
-        <c:delete val="0"/>
-        <c:axPos val="b"/>
-        <c:numFmt formatCode="General" sourceLinked="0"/>
-        <c:majorTickMark val="out"/>
-        <c:minorTickMark val="none"/>
-        <c:tickLblPos val="nextTo"/>
-        <c:txPr>
-          <a:bodyPr/>
-          <a:lstStyle/>
-          <a:p>
-            <a:pPr>
-              <a:defRPr sz="800" baseline="0">
-                <a:solidFill>
-                  <a:schemeClr val="bg1"/>
-                </a:solidFill>
-              </a:defRPr>
-            </a:pPr>
-            <a:endParaRPr lang="en-US"/>
-          </a:p>
-        </c:txPr>
-        <c:crossAx val="51582592"/>
-        <c:crosses val="autoZero"/>
-        <c:auto val="1"/>
-        <c:lblAlgn val="ctr"/>
-        <c:lblOffset val="100"/>
-        <c:noMultiLvlLbl val="0"/>
-      </c:catAx>
-      <c:valAx>
-        <c:axId val="51582592"/>
-        <c:scaling>
-          <c:orientation val="minMax"/>
-        </c:scaling>
-        <c:delete val="0"/>
-        <c:axPos val="l"/>
-        <c:title>
-          <c:tx>
-            <c:rich>
-              <a:bodyPr rot="-5400000" vert="horz"/>
-              <a:lstStyle/>
-              <a:p>
-                <a:pPr>
-                  <a:defRPr>
-                    <a:solidFill>
-                      <a:schemeClr val="bg1"/>
-                    </a:solidFill>
-                  </a:defRPr>
-                </a:pPr>
-                <a:r>
-                  <a:rPr lang="en-US">
-                    <a:solidFill>
-                      <a:schemeClr val="bg1"/>
-                    </a:solidFill>
-                  </a:rPr>
-                  <a:t>Total Returns (%)</a:t>
-                </a:r>
-              </a:p>
-            </c:rich>
-          </c:tx>
-          <c:layout>
-            <c:manualLayout>
-              <c:xMode val="edge"/>
-              <c:yMode val="edge"/>
-              <c:x val="6.9229277374810889E-3"/>
-              <c:y val="0.36121137194299308"/>
-            </c:manualLayout>
-          </c:layout>
-          <c:overlay val="0"/>
-        </c:title>
-        <c:numFmt formatCode="General" sourceLinked="1"/>
-        <c:majorTickMark val="out"/>
-        <c:minorTickMark val="none"/>
-        <c:tickLblPos val="nextTo"/>
-        <c:txPr>
-          <a:bodyPr/>
-          <a:lstStyle/>
-          <a:p>
-            <a:pPr>
-              <a:defRPr>
-                <a:solidFill>
-                  <a:schemeClr val="bg1"/>
-                </a:solidFill>
-              </a:defRPr>
-            </a:pPr>
-            <a:endParaRPr lang="en-US"/>
-          </a:p>
-        </c:txPr>
-        <c:crossAx val="52986368"/>
-        <c:crosses val="autoZero"/>
-        <c:crossBetween val="between"/>
-      </c:valAx>
-    </c:plotArea>
-    <c:plotVisOnly val="1"/>
-    <c:dispBlanksAs val="gap"/>
-    <c:showDLblsOverMax val="0"/>
-  </c:chart>
-  <c:externalData r:id="rId1">
-    <c:autoUpdate val="0"/>
-  </c:externalData>
-  <c:extLst>
-    <c:ext xmlns:c14="http://schemas.microsoft.com/office/drawing/2007/8/2/chart" uri="{781A3756-C4B2-4CAC-9D66-4F8BD8637D16}">
-      <c14:pivotOptions>
-        <c14:dropZoneFilter val="1"/>
-        <c14:dropZoneCategories val="1"/>
-        <c14:dropZoneData val="1"/>
-        <c14:dropZonesVisible val="1"/>
-      </c14:pivotOptions>
-    </c:ext>
-  </c:extLst>
-</c:chartSpace>
-</file>
-
-<file path=ppt/charts/chart9.xml><?xml version="1.0" encoding="utf-8"?>
-<c:chartSpace xmlns:c="http://schemas.openxmlformats.org/drawingml/2006/chart" xmlns:a="http://schemas.openxmlformats.org/drawingml/2006/main" xmlns:r="http://schemas.openxmlformats.org/officeDocument/2006/relationships" xmlns:c16r2="http://schemas.microsoft.com/office/drawing/2015/06/chart">
-  <c:date1904 val="0"/>
-  <c:lang val="en-US"/>
-  <c:roundedCorners val="0"/>
-  <mc:AlternateContent xmlns:mc="http://schemas.openxmlformats.org/markup-compatibility/2006">
-    <mc:Choice xmlns:c14="http://schemas.microsoft.com/office/drawing/2007/8/2/chart" Requires="c14">
-      <c14:style val="102"/>
-    </mc:Choice>
-    <mc:Fallback>
-      <c:style val="2"/>
-    </mc:Fallback>
-  </mc:AlternateContent>
-  <c:pivotSource>
-    <c:name>[Wright Fund Portfolio Project Data v2.xlsx]2009-2013 Sectors Nov-Apr!PivotTable7</c:name>
-    <c:fmtId val="-1"/>
-  </c:pivotSource>
-  <c:chart>
-    <c:title>
-      <c:tx>
-        <c:rich>
-          <a:bodyPr/>
-          <a:lstStyle/>
-          <a:p>
-            <a:pPr algn="ctr">
-              <a:defRPr sz="1800"/>
-            </a:pPr>
-            <a:r>
-              <a:rPr lang="en-US" sz="1800" dirty="0"/>
-              <a:t>Average Total Return from </a:t>
-            </a:r>
-            <a:r>
-              <a:rPr lang="en-US" sz="1800" dirty="0">
-                <a:solidFill>
-                  <a:srgbClr val="FFFF00"/>
-                </a:solidFill>
-              </a:rPr>
-              <a:t>2009-2013:</a:t>
-            </a:r>
-            <a:r>
-              <a:rPr lang="en-US" sz="1800" dirty="0"/>
-              <a:t> Nov - Apr </a:t>
-            </a:r>
-          </a:p>
-        </c:rich>
-      </c:tx>
-      <c:layout>
-        <c:manualLayout>
-          <c:xMode val="edge"/>
-          <c:yMode val="edge"/>
-          <c:x val="0.26566224179192677"/>
-          <c:y val="1.7673412509671443E-2"/>
-        </c:manualLayout>
-      </c:layout>
-      <c:overlay val="0"/>
-    </c:title>
-    <c:autoTitleDeleted val="0"/>
-    <c:pivotFmts>
-      <c:pivotFmt>
-        <c:idx val="0"/>
-        <c:marker>
-          <c:symbol val="none"/>
-        </c:marker>
-      </c:pivotFmt>
-      <c:pivotFmt>
-        <c:idx val="1"/>
-        <c:marker>
-          <c:symbol val="none"/>
-        </c:marker>
-      </c:pivotFmt>
-      <c:pivotFmt>
-        <c:idx val="2"/>
-        <c:marker>
-          <c:symbol val="none"/>
-        </c:marker>
-      </c:pivotFmt>
-      <c:pivotFmt>
-        <c:idx val="3"/>
-        <c:marker>
-          <c:symbol val="none"/>
-        </c:marker>
-      </c:pivotFmt>
-      <c:pivotFmt>
-        <c:idx val="4"/>
-        <c:marker>
-          <c:symbol val="none"/>
-        </c:marker>
-      </c:pivotFmt>
-      <c:pivotFmt>
-        <c:idx val="5"/>
-        <c:marker>
-          <c:symbol val="none"/>
-        </c:marker>
-      </c:pivotFmt>
-      <c:pivotFmt>
-        <c:idx val="6"/>
-        <c:marker>
-          <c:symbol val="none"/>
-        </c:marker>
-      </c:pivotFmt>
-      <c:pivotFmt>
-        <c:idx val="7"/>
-        <c:marker>
-          <c:symbol val="none"/>
-        </c:marker>
-      </c:pivotFmt>
-      <c:pivotFmt>
-        <c:idx val="8"/>
-        <c:marker>
-          <c:symbol val="none"/>
-        </c:marker>
-      </c:pivotFmt>
-      <c:pivotFmt>
-        <c:idx val="9"/>
-        <c:marker>
-          <c:symbol val="none"/>
-        </c:marker>
-      </c:pivotFmt>
-      <c:pivotFmt>
-        <c:idx val="10"/>
-        <c:marker>
-          <c:symbol val="none"/>
-        </c:marker>
-      </c:pivotFmt>
-      <c:pivotFmt>
-        <c:idx val="11"/>
-        <c:marker>
-          <c:symbol val="none"/>
-        </c:marker>
-      </c:pivotFmt>
-      <c:pivotFmt>
-        <c:idx val="12"/>
-        <c:marker>
-          <c:symbol val="none"/>
-        </c:marker>
-      </c:pivotFmt>
-      <c:pivotFmt>
-        <c:idx val="13"/>
-        <c:marker>
-          <c:symbol val="none"/>
-        </c:marker>
-      </c:pivotFmt>
-      <c:pivotFmt>
-        <c:idx val="14"/>
-        <c:marker>
-          <c:symbol val="none"/>
-        </c:marker>
-      </c:pivotFmt>
-      <c:pivotFmt>
-        <c:idx val="15"/>
-        <c:marker>
-          <c:symbol val="none"/>
-        </c:marker>
-      </c:pivotFmt>
-      <c:pivotFmt>
-        <c:idx val="16"/>
-        <c:marker>
-          <c:symbol val="none"/>
-        </c:marker>
-      </c:pivotFmt>
-      <c:pivotFmt>
-        <c:idx val="17"/>
-        <c:marker>
-          <c:symbol val="none"/>
-        </c:marker>
-      </c:pivotFmt>
-      <c:pivotFmt>
-        <c:idx val="18"/>
-        <c:marker>
-          <c:symbol val="none"/>
-        </c:marker>
-      </c:pivotFmt>
-      <c:pivotFmt>
-        <c:idx val="19"/>
-        <c:marker>
-          <c:symbol val="none"/>
-        </c:marker>
-      </c:pivotFmt>
-      <c:pivotFmt>
-        <c:idx val="20"/>
-        <c:marker>
-          <c:symbol val="none"/>
-        </c:marker>
-      </c:pivotFmt>
-      <c:pivotFmt>
-        <c:idx val="21"/>
-        <c:marker>
-          <c:symbol val="none"/>
-        </c:marker>
-      </c:pivotFmt>
-      <c:pivotFmt>
-        <c:idx val="22"/>
-        <c:marker>
-          <c:symbol val="none"/>
-        </c:marker>
-      </c:pivotFmt>
-      <c:pivotFmt>
-        <c:idx val="23"/>
-        <c:marker>
-          <c:symbol val="none"/>
-        </c:marker>
-      </c:pivotFmt>
-      <c:pivotFmt>
-        <c:idx val="24"/>
-        <c:marker>
-          <c:symbol val="none"/>
-        </c:marker>
-      </c:pivotFmt>
-      <c:pivotFmt>
-        <c:idx val="25"/>
-        <c:marker>
-          <c:symbol val="none"/>
-        </c:marker>
-      </c:pivotFmt>
-      <c:pivotFmt>
-        <c:idx val="26"/>
-        <c:marker>
-          <c:symbol val="none"/>
-        </c:marker>
-      </c:pivotFmt>
-      <c:pivotFmt>
-        <c:idx val="27"/>
-        <c:marker>
-          <c:symbol val="none"/>
-        </c:marker>
-      </c:pivotFmt>
-      <c:pivotFmt>
-        <c:idx val="28"/>
-        <c:marker>
-          <c:symbol val="none"/>
-        </c:marker>
-      </c:pivotFmt>
-      <c:pivotFmt>
-        <c:idx val="29"/>
-        <c:marker>
-          <c:symbol val="none"/>
-        </c:marker>
-      </c:pivotFmt>
-      <c:pivotFmt>
-        <c:idx val="30"/>
-        <c:marker>
-          <c:symbol val="none"/>
-        </c:marker>
-      </c:pivotFmt>
-      <c:pivotFmt>
-        <c:idx val="31"/>
-        <c:marker>
-          <c:symbol val="none"/>
-        </c:marker>
-      </c:pivotFmt>
-      <c:pivotFmt>
-        <c:idx val="32"/>
-        <c:marker>
-          <c:symbol val="none"/>
-        </c:marker>
-      </c:pivotFmt>
-      <c:pivotFmt>
-        <c:idx val="33"/>
-        <c:marker>
-          <c:symbol val="none"/>
-        </c:marker>
-      </c:pivotFmt>
-      <c:pivotFmt>
-        <c:idx val="34"/>
-        <c:marker>
-          <c:symbol val="none"/>
-        </c:marker>
-      </c:pivotFmt>
-      <c:pivotFmt>
-        <c:idx val="35"/>
-        <c:marker>
-          <c:symbol val="none"/>
-        </c:marker>
-      </c:pivotFmt>
-      <c:pivotFmt>
-        <c:idx val="36"/>
-        <c:marker>
-          <c:symbol val="none"/>
-        </c:marker>
-      </c:pivotFmt>
-      <c:pivotFmt>
-        <c:idx val="37"/>
-        <c:marker>
-          <c:symbol val="none"/>
-        </c:marker>
-      </c:pivotFmt>
-      <c:pivotFmt>
-        <c:idx val="38"/>
-        <c:marker>
-          <c:symbol val="none"/>
-        </c:marker>
-      </c:pivotFmt>
-      <c:pivotFmt>
-        <c:idx val="39"/>
-        <c:marker>
-          <c:symbol val="none"/>
-        </c:marker>
-      </c:pivotFmt>
-      <c:pivotFmt>
-        <c:idx val="40"/>
-        <c:marker>
-          <c:symbol val="none"/>
-        </c:marker>
-      </c:pivotFmt>
-      <c:pivotFmt>
-        <c:idx val="41"/>
-        <c:marker>
-          <c:symbol val="none"/>
-        </c:marker>
-      </c:pivotFmt>
-      <c:pivotFmt>
-        <c:idx val="42"/>
-        <c:marker>
-          <c:symbol val="none"/>
-        </c:marker>
-      </c:pivotFmt>
-      <c:pivotFmt>
-        <c:idx val="43"/>
-        <c:marker>
-          <c:symbol val="none"/>
-        </c:marker>
-        <c:dLbl>
-          <c:idx val="0"/>
-          <c:numFmt formatCode="#,##0.00" sourceLinked="0"/>
-          <c:spPr/>
-          <c:txPr>
-            <a:bodyPr/>
-            <a:lstStyle/>
-            <a:p>
-              <a:pPr>
-                <a:defRPr/>
-              </a:pPr>
-              <a:endParaRPr lang="en-US"/>
-            </a:p>
-          </c:txPr>
-          <c:dLblPos val="outEnd"/>
-          <c:showLegendKey val="0"/>
-          <c:showVal val="1"/>
-          <c:showCatName val="0"/>
-          <c:showSerName val="0"/>
-          <c:showPercent val="0"/>
-          <c:showBubbleSize val="0"/>
-          <c:extLst>
-            <c:ext xmlns:c15="http://schemas.microsoft.com/office/drawing/2012/chart" uri="{CE6537A1-D6FC-4f65-9D91-7224C49458BB}"/>
-          </c:extLst>
-        </c:dLbl>
-      </c:pivotFmt>
-      <c:pivotFmt>
-        <c:idx val="44"/>
-        <c:marker>
-          <c:symbol val="none"/>
-        </c:marker>
-        <c:dLbl>
-          <c:idx val="0"/>
-          <c:spPr/>
-          <c:txPr>
-            <a:bodyPr/>
-            <a:lstStyle/>
-            <a:p>
-              <a:pPr>
-                <a:defRPr/>
-              </a:pPr>
-              <a:endParaRPr lang="en-US"/>
-            </a:p>
-          </c:txPr>
-          <c:dLblPos val="ctr"/>
-          <c:showLegendKey val="0"/>
-          <c:showVal val="1"/>
-          <c:showCatName val="0"/>
-          <c:showSerName val="0"/>
-          <c:showPercent val="0"/>
-          <c:showBubbleSize val="0"/>
-          <c:extLst>
-            <c:ext xmlns:c15="http://schemas.microsoft.com/office/drawing/2012/chart" uri="{CE6537A1-D6FC-4f65-9D91-7224C49458BB}"/>
-          </c:extLst>
-        </c:dLbl>
-      </c:pivotFmt>
-      <c:pivotFmt>
-        <c:idx val="45"/>
-        <c:marker>
-          <c:symbol val="none"/>
-        </c:marker>
-        <c:dLbl>
-          <c:idx val="0"/>
-          <c:spPr/>
-          <c:txPr>
-            <a:bodyPr/>
-            <a:lstStyle/>
-            <a:p>
-              <a:pPr>
-                <a:defRPr/>
-              </a:pPr>
-              <a:endParaRPr lang="en-US"/>
-            </a:p>
-          </c:txPr>
-          <c:showLegendKey val="0"/>
-          <c:showVal val="1"/>
-          <c:showCatName val="0"/>
-          <c:showSerName val="0"/>
-          <c:showPercent val="0"/>
-          <c:showBubbleSize val="0"/>
-          <c:extLst>
-            <c:ext xmlns:c15="http://schemas.microsoft.com/office/drawing/2012/chart" uri="{CE6537A1-D6FC-4f65-9D91-7224C49458BB}"/>
-          </c:extLst>
-        </c:dLbl>
-      </c:pivotFmt>
-      <c:pivotFmt>
-        <c:idx val="46"/>
-        <c:marker>
-          <c:symbol val="none"/>
-        </c:marker>
-        <c:dLbl>
-          <c:idx val="0"/>
-          <c:spPr/>
-          <c:txPr>
-            <a:bodyPr/>
-            <a:lstStyle/>
-            <a:p>
-              <a:pPr>
-                <a:defRPr/>
-              </a:pPr>
-              <a:endParaRPr lang="en-US"/>
-            </a:p>
-          </c:txPr>
-          <c:showLegendKey val="0"/>
-          <c:showVal val="1"/>
-          <c:showCatName val="0"/>
-          <c:showSerName val="0"/>
-          <c:showPercent val="0"/>
-          <c:showBubbleSize val="0"/>
-          <c:extLst>
-            <c:ext xmlns:c15="http://schemas.microsoft.com/office/drawing/2012/chart" uri="{CE6537A1-D6FC-4f65-9D91-7224C49458BB}"/>
-          </c:extLst>
-        </c:dLbl>
-      </c:pivotFmt>
-      <c:pivotFmt>
-        <c:idx val="47"/>
-        <c:marker>
-          <c:symbol val="none"/>
-        </c:marker>
-        <c:dLbl>
-          <c:idx val="0"/>
-          <c:spPr/>
-          <c:txPr>
-            <a:bodyPr/>
-            <a:lstStyle/>
-            <a:p>
-              <a:pPr>
-                <a:defRPr/>
-              </a:pPr>
-              <a:endParaRPr lang="en-US"/>
-            </a:p>
-          </c:txPr>
-          <c:showLegendKey val="0"/>
-          <c:showVal val="1"/>
-          <c:showCatName val="0"/>
-          <c:showSerName val="0"/>
-          <c:showPercent val="0"/>
-          <c:showBubbleSize val="0"/>
-          <c:extLst>
-            <c:ext xmlns:c15="http://schemas.microsoft.com/office/drawing/2012/chart" uri="{CE6537A1-D6FC-4f65-9D91-7224C49458BB}"/>
-          </c:extLst>
-        </c:dLbl>
-      </c:pivotFmt>
-      <c:pivotFmt>
-        <c:idx val="48"/>
-        <c:spPr>
-          <a:solidFill>
-            <a:srgbClr val="00B050"/>
-          </a:solidFill>
-        </c:spPr>
-      </c:pivotFmt>
-      <c:pivotFmt>
-        <c:idx val="49"/>
-        <c:spPr>
-          <a:solidFill>
-            <a:srgbClr val="00B050"/>
-          </a:solidFill>
-        </c:spPr>
-      </c:pivotFmt>
-      <c:pivotFmt>
-        <c:idx val="50"/>
-        <c:spPr>
-          <a:solidFill>
-            <a:schemeClr val="accent1"/>
-          </a:solidFill>
-        </c:spPr>
-        <c:marker>
-          <c:symbol val="none"/>
-        </c:marker>
-        <c:dLbl>
-          <c:idx val="0"/>
-          <c:numFmt formatCode="#,##0.00" sourceLinked="0"/>
-          <c:spPr/>
-          <c:txPr>
-            <a:bodyPr/>
-            <a:lstStyle/>
-            <a:p>
-              <a:pPr>
-                <a:defRPr/>
-              </a:pPr>
-              <a:endParaRPr lang="en-US"/>
-            </a:p>
-          </c:txPr>
-          <c:dLblPos val="outEnd"/>
-          <c:showLegendKey val="0"/>
-          <c:showVal val="1"/>
-          <c:showCatName val="0"/>
-          <c:showSerName val="0"/>
-          <c:showPercent val="0"/>
-          <c:showBubbleSize val="0"/>
-          <c:extLst>
-            <c:ext xmlns:c15="http://schemas.microsoft.com/office/drawing/2012/chart" uri="{CE6537A1-D6FC-4f65-9D91-7224C49458BB}"/>
-          </c:extLst>
-        </c:dLbl>
-      </c:pivotFmt>
-      <c:pivotFmt>
-        <c:idx val="51"/>
-        <c:spPr>
-          <a:solidFill>
-            <a:schemeClr val="accent1"/>
-          </a:solidFill>
-        </c:spPr>
-      </c:pivotFmt>
-      <c:pivotFmt>
-        <c:idx val="52"/>
-        <c:spPr>
-          <a:solidFill>
-            <a:schemeClr val="accent1"/>
-          </a:solidFill>
-        </c:spPr>
-      </c:pivotFmt>
-      <c:pivotFmt>
-        <c:idx val="53"/>
-        <c:spPr>
-          <a:solidFill>
-            <a:srgbClr val="00B050"/>
-          </a:solidFill>
-        </c:spPr>
-      </c:pivotFmt>
-      <c:pivotFmt>
-        <c:idx val="54"/>
-        <c:spPr>
-          <a:solidFill>
-            <a:srgbClr val="00B050"/>
-          </a:solidFill>
-        </c:spPr>
-      </c:pivotFmt>
-      <c:pivotFmt>
-        <c:idx val="55"/>
-        <c:spPr>
-          <a:solidFill>
-            <a:srgbClr val="00B050"/>
-          </a:solidFill>
-        </c:spPr>
-      </c:pivotFmt>
-      <c:pivotFmt>
-        <c:idx val="56"/>
-        <c:spPr>
-          <a:solidFill>
-            <a:schemeClr val="accent1"/>
-          </a:solidFill>
-        </c:spPr>
-        <c:marker>
-          <c:symbol val="none"/>
-        </c:marker>
-        <c:dLbl>
-          <c:idx val="0"/>
-          <c:numFmt formatCode="#,##0.00" sourceLinked="0"/>
-          <c:spPr/>
-          <c:txPr>
-            <a:bodyPr/>
-            <a:lstStyle/>
-            <a:p>
-              <a:pPr>
-                <a:defRPr/>
-              </a:pPr>
-              <a:endParaRPr lang="en-US"/>
-            </a:p>
-          </c:txPr>
-          <c:dLblPos val="outEnd"/>
-          <c:showLegendKey val="0"/>
-          <c:showVal val="1"/>
-          <c:showCatName val="0"/>
-          <c:showSerName val="0"/>
-          <c:showPercent val="0"/>
-          <c:showBubbleSize val="0"/>
-          <c:extLst>
-            <c:ext xmlns:c15="http://schemas.microsoft.com/office/drawing/2012/chart" uri="{CE6537A1-D6FC-4f65-9D91-7224C49458BB}"/>
-          </c:extLst>
-        </c:dLbl>
-      </c:pivotFmt>
-      <c:pivotFmt>
-        <c:idx val="57"/>
-        <c:spPr>
-          <a:solidFill>
-            <a:srgbClr val="00B050"/>
-          </a:solidFill>
-        </c:spPr>
-      </c:pivotFmt>
-      <c:pivotFmt>
-        <c:idx val="58"/>
-        <c:spPr>
-          <a:solidFill>
-            <a:schemeClr val="accent1"/>
-          </a:solidFill>
-        </c:spPr>
-      </c:pivotFmt>
-      <c:pivotFmt>
-        <c:idx val="59"/>
-        <c:spPr>
-          <a:solidFill>
-            <a:schemeClr val="accent1"/>
-          </a:solidFill>
-        </c:spPr>
-      </c:pivotFmt>
-      <c:pivotFmt>
-        <c:idx val="60"/>
-        <c:spPr>
-          <a:solidFill>
-            <a:srgbClr val="00B050"/>
-          </a:solidFill>
-        </c:spPr>
-      </c:pivotFmt>
-      <c:pivotFmt>
-        <c:idx val="61"/>
-        <c:spPr>
-          <a:solidFill>
-            <a:srgbClr val="00B050"/>
-          </a:solidFill>
-        </c:spPr>
-      </c:pivotFmt>
-      <c:pivotFmt>
-        <c:idx val="62"/>
-        <c:spPr>
-          <a:solidFill>
-            <a:schemeClr val="accent1"/>
-          </a:solidFill>
-        </c:spPr>
-        <c:marker>
-          <c:symbol val="none"/>
-        </c:marker>
-        <c:dLbl>
-          <c:idx val="0"/>
-          <c:numFmt formatCode="#,##0.00" sourceLinked="0"/>
-          <c:spPr/>
-          <c:txPr>
-            <a:bodyPr/>
-            <a:lstStyle/>
-            <a:p>
-              <a:pPr>
-                <a:defRPr/>
-              </a:pPr>
-              <a:endParaRPr lang="en-US"/>
-            </a:p>
-          </c:txPr>
-          <c:dLblPos val="outEnd"/>
-          <c:showLegendKey val="0"/>
-          <c:showVal val="1"/>
-          <c:showCatName val="0"/>
-          <c:showSerName val="0"/>
-          <c:showPercent val="0"/>
-          <c:showBubbleSize val="0"/>
-          <c:extLst>
-            <c:ext xmlns:c15="http://schemas.microsoft.com/office/drawing/2012/chart" uri="{CE6537A1-D6FC-4f65-9D91-7224C49458BB}"/>
-          </c:extLst>
-        </c:dLbl>
-      </c:pivotFmt>
-      <c:pivotFmt>
-        <c:idx val="63"/>
-        <c:spPr>
-          <a:solidFill>
-            <a:srgbClr val="00B050"/>
-          </a:solidFill>
-        </c:spPr>
-      </c:pivotFmt>
-      <c:pivotFmt>
-        <c:idx val="64"/>
-        <c:spPr>
-          <a:solidFill>
-            <a:srgbClr val="00B050"/>
-          </a:solidFill>
-        </c:spPr>
-      </c:pivotFmt>
-      <c:pivotFmt>
-        <c:idx val="65"/>
-        <c:spPr>
-          <a:solidFill>
-            <a:srgbClr val="00B050"/>
-          </a:solidFill>
-        </c:spPr>
-      </c:pivotFmt>
-    </c:pivotFmts>
-    <c:plotArea>
-      <c:layout>
-        <c:manualLayout>
-          <c:layoutTarget val="inner"/>
-          <c:xMode val="edge"/>
-          <c:yMode val="edge"/>
-          <c:x val="7.0676338081879689E-2"/>
-          <c:y val="8.7523928667795015E-2"/>
-          <c:w val="0.90697739276081712"/>
-          <c:h val="0.7030726090977486"/>
-        </c:manualLayout>
-      </c:layout>
-      <c:barChart>
-        <c:barDir val="col"/>
-        <c:grouping val="clustered"/>
-        <c:varyColors val="0"/>
-        <c:ser>
-          <c:idx val="0"/>
-          <c:order val="0"/>
-          <c:tx>
-            <c:strRef>
-              <c:f>'2009-2013 Sectors Nov-Apr'!$B$5</c:f>
-              <c:strCache>
-                <c:ptCount val="1"/>
-                <c:pt idx="0">
-                  <c:v>Total</c:v>
-                </c:pt>
-              </c:strCache>
-            </c:strRef>
-          </c:tx>
-          <c:spPr>
-            <a:solidFill>
-              <a:schemeClr val="accent1"/>
-            </a:solidFill>
-          </c:spPr>
-          <c:invertIfNegative val="0"/>
-          <c:dPt>
-            <c:idx val="0"/>
-            <c:invertIfNegative val="0"/>
-            <c:bubble3D val="0"/>
-            <c:spPr>
-              <a:solidFill>
-                <a:srgbClr val="00B050"/>
-              </a:solidFill>
-            </c:spPr>
-            <c:extLst>
-              <c:ext xmlns:c16="http://schemas.microsoft.com/office/drawing/2014/chart" uri="{C3380CC4-5D6E-409C-BE32-E72D297353CC}">
-                <c16:uniqueId val="{00000001-A77A-B64E-BD78-58200EEE3BD9}"/>
-              </c:ext>
-            </c:extLst>
-          </c:dPt>
-          <c:dPt>
-            <c:idx val="1"/>
-            <c:invertIfNegative val="0"/>
-            <c:bubble3D val="0"/>
-            <c:extLst>
-              <c:ext xmlns:c16="http://schemas.microsoft.com/office/drawing/2014/chart" uri="{C3380CC4-5D6E-409C-BE32-E72D297353CC}">
-                <c16:uniqueId val="{00000002-A77A-B64E-BD78-58200EEE3BD9}"/>
-              </c:ext>
-            </c:extLst>
-          </c:dPt>
-          <c:dPt>
-            <c:idx val="4"/>
-            <c:invertIfNegative val="0"/>
-            <c:bubble3D val="0"/>
-            <c:extLst>
-              <c:ext xmlns:c16="http://schemas.microsoft.com/office/drawing/2014/chart" uri="{C3380CC4-5D6E-409C-BE32-E72D297353CC}">
-                <c16:uniqueId val="{00000003-A77A-B64E-BD78-58200EEE3BD9}"/>
-              </c:ext>
-            </c:extLst>
-          </c:dPt>
-          <c:dPt>
-            <c:idx val="5"/>
-            <c:invertIfNegative val="0"/>
-            <c:bubble3D val="0"/>
-            <c:spPr>
-              <a:solidFill>
-                <a:srgbClr val="00B050"/>
-              </a:solidFill>
-            </c:spPr>
-            <c:extLst>
-              <c:ext xmlns:c16="http://schemas.microsoft.com/office/drawing/2014/chart" uri="{C3380CC4-5D6E-409C-BE32-E72D297353CC}">
-                <c16:uniqueId val="{00000005-A77A-B64E-BD78-58200EEE3BD9}"/>
-              </c:ext>
-            </c:extLst>
-          </c:dPt>
-          <c:dPt>
-            <c:idx val="7"/>
-            <c:invertIfNegative val="0"/>
-            <c:bubble3D val="0"/>
-            <c:spPr>
-              <a:solidFill>
-                <a:srgbClr val="00B050"/>
-              </a:solidFill>
-            </c:spPr>
-            <c:extLst>
-              <c:ext xmlns:c16="http://schemas.microsoft.com/office/drawing/2014/chart" uri="{C3380CC4-5D6E-409C-BE32-E72D297353CC}">
-                <c16:uniqueId val="{00000007-A77A-B64E-BD78-58200EEE3BD9}"/>
-              </c:ext>
-            </c:extLst>
-          </c:dPt>
-          <c:dLbls>
-            <c:numFmt formatCode="#,##0.00" sourceLinked="0"/>
-            <c:spPr>
-              <a:noFill/>
-              <a:ln>
-                <a:noFill/>
-              </a:ln>
-              <a:effectLst/>
-            </c:spPr>
-            <c:txPr>
-              <a:bodyPr/>
-              <a:lstStyle/>
-              <a:p>
-                <a:pPr>
-                  <a:defRPr sz="1000" b="1"/>
-                </a:pPr>
-                <a:endParaRPr lang="en-US"/>
-              </a:p>
-            </c:txPr>
-            <c:dLblPos val="outEnd"/>
-            <c:showLegendKey val="0"/>
-            <c:showVal val="1"/>
-            <c:showCatName val="0"/>
-            <c:showSerName val="0"/>
-            <c:showPercent val="0"/>
-            <c:showBubbleSize val="0"/>
-            <c:showLeaderLines val="0"/>
-            <c:extLst>
-              <c:ext xmlns:c15="http://schemas.microsoft.com/office/drawing/2012/chart" uri="{CE6537A1-D6FC-4f65-9D91-7224C49458BB}">
-                <c15:showLeaderLines val="0"/>
-              </c:ext>
-            </c:extLst>
-          </c:dLbls>
-          <c:cat>
-            <c:strRef>
-              <c:f>'2009-2013 Sectors Nov-Apr'!$A$6:$A$16</c:f>
-              <c:strCache>
-                <c:ptCount val="10"/>
-                <c:pt idx="0">
-                  <c:v>S&amp;P 500 CONS DISCRET IDX</c:v>
-                </c:pt>
-                <c:pt idx="1">
-                  <c:v>S&amp;P 500 CONS STAPLES IDX</c:v>
-                </c:pt>
-                <c:pt idx="2">
-                  <c:v>S&amp;P 500 ENERGY INDEX</c:v>
-                </c:pt>
-                <c:pt idx="3">
-                  <c:v>S&amp;P 500 FINANCIALS INDEX</c:v>
-                </c:pt>
-                <c:pt idx="4">
-                  <c:v>S&amp;P 500 HEALTH CARE IDX</c:v>
-                </c:pt>
-                <c:pt idx="5">
-                  <c:v>S&amp;P 500 INDUSTRIALS IDX</c:v>
-                </c:pt>
-                <c:pt idx="6">
-                  <c:v>S&amp;P 500 INFO TECH INDEX</c:v>
-                </c:pt>
-                <c:pt idx="7">
-                  <c:v>S&amp;P 500 MATERIALS INDEX</c:v>
-                </c:pt>
-                <c:pt idx="8">
-                  <c:v>S&amp;P 500 TELECOM SERV IDX</c:v>
-                </c:pt>
-                <c:pt idx="9">
-                  <c:v>S&amp;P 500 UTILITIES INDEX</c:v>
-                </c:pt>
-              </c:strCache>
-            </c:strRef>
-          </c:cat>
-          <c:val>
-            <c:numRef>
-              <c:f>'2009-2013 Sectors Nov-Apr'!$B$6:$B$16</c:f>
-              <c:numCache>
-                <c:formatCode>General</c:formatCode>
-                <c:ptCount val="10"/>
-                <c:pt idx="0">
-                  <c:v>18.138160285340639</c:v>
-                </c:pt>
-                <c:pt idx="1">
-                  <c:v>8.1983193917197621</c:v>
-                </c:pt>
-                <c:pt idx="2">
-                  <c:v>9.5821998882634372</c:v>
-                </c:pt>
-                <c:pt idx="3">
-                  <c:v>7.7286097845312982</c:v>
-                </c:pt>
-                <c:pt idx="4">
-                  <c:v>9.9832079486671415</c:v>
-                </c:pt>
-                <c:pt idx="5">
-                  <c:v>13.536390309839538</c:v>
-                </c:pt>
-                <c:pt idx="6">
-                  <c:v>11.028251346890745</c:v>
-                </c:pt>
-                <c:pt idx="7">
-                  <c:v>11.194115660361977</c:v>
-                </c:pt>
-                <c:pt idx="8">
-                  <c:v>10.227900127125865</c:v>
-                </c:pt>
-                <c:pt idx="9">
-                  <c:v>6.1095863686328489</c:v>
-                </c:pt>
-              </c:numCache>
-            </c:numRef>
-          </c:val>
-          <c:extLst>
-            <c:ext xmlns:c16="http://schemas.microsoft.com/office/drawing/2014/chart" uri="{C3380CC4-5D6E-409C-BE32-E72D297353CC}">
-              <c16:uniqueId val="{00000008-A77A-B64E-BD78-58200EEE3BD9}"/>
-            </c:ext>
-          </c:extLst>
-        </c:ser>
-        <c:dLbls>
-          <c:dLblPos val="outEnd"/>
-          <c:showLegendKey val="0"/>
-          <c:showVal val="1"/>
-          <c:showCatName val="0"/>
-          <c:showSerName val="0"/>
-          <c:showPercent val="0"/>
-          <c:showBubbleSize val="0"/>
-        </c:dLbls>
-        <c:gapWidth val="150"/>
-        <c:axId val="52988416"/>
-        <c:axId val="51634176"/>
-      </c:barChart>
-      <c:catAx>
-        <c:axId val="52988416"/>
-        <c:scaling>
-          <c:orientation val="minMax"/>
-        </c:scaling>
-        <c:delete val="0"/>
-        <c:axPos val="b"/>
-        <c:numFmt formatCode="General" sourceLinked="0"/>
-        <c:majorTickMark val="out"/>
-        <c:minorTickMark val="none"/>
-        <c:tickLblPos val="nextTo"/>
-        <c:txPr>
-          <a:bodyPr/>
-          <a:lstStyle/>
-          <a:p>
-            <a:pPr>
-              <a:defRPr b="1"/>
-            </a:pPr>
-            <a:endParaRPr lang="en-US"/>
-          </a:p>
-        </c:txPr>
-        <c:crossAx val="51634176"/>
-        <c:crosses val="autoZero"/>
-        <c:auto val="1"/>
-        <c:lblAlgn val="ctr"/>
-        <c:lblOffset val="100"/>
-        <c:noMultiLvlLbl val="0"/>
-      </c:catAx>
-      <c:valAx>
-        <c:axId val="51634176"/>
-        <c:scaling>
-          <c:orientation val="minMax"/>
-        </c:scaling>
-        <c:delete val="0"/>
-        <c:axPos val="l"/>
-        <c:title>
-          <c:tx>
-            <c:rich>
-              <a:bodyPr rot="-5400000" vert="horz"/>
-              <a:lstStyle/>
-              <a:p>
-                <a:pPr>
-                  <a:defRPr sz="1000"/>
-                </a:pPr>
-                <a:r>
-                  <a:rPr lang="en-US" sz="1000"/>
-                  <a:t>Total Returns (%)</a:t>
-                </a:r>
-              </a:p>
-            </c:rich>
-          </c:tx>
-          <c:layout>
-            <c:manualLayout>
-              <c:xMode val="edge"/>
-              <c:yMode val="edge"/>
-              <c:x val="6.9229277374810889E-3"/>
-              <c:y val="0.36121137194299308"/>
-            </c:manualLayout>
-          </c:layout>
-          <c:overlay val="0"/>
-        </c:title>
-        <c:numFmt formatCode="General" sourceLinked="1"/>
-        <c:majorTickMark val="out"/>
-        <c:minorTickMark val="none"/>
-        <c:tickLblPos val="nextTo"/>
-        <c:txPr>
-          <a:bodyPr/>
-          <a:lstStyle/>
-          <a:p>
-            <a:pPr>
-              <a:defRPr sz="1000"/>
-            </a:pPr>
-            <a:endParaRPr lang="en-US"/>
-          </a:p>
-        </c:txPr>
-        <c:crossAx val="52988416"/>
-        <c:crosses val="autoZero"/>
-        <c:crossBetween val="between"/>
-      </c:valAx>
-    </c:plotArea>
-    <c:plotVisOnly val="1"/>
-    <c:dispBlanksAs val="gap"/>
-    <c:showDLblsOverMax val="0"/>
-  </c:chart>
-  <c:txPr>
-    <a:bodyPr/>
-    <a:lstStyle/>
-    <a:p>
-      <a:pPr>
-        <a:defRPr sz="700">
-          <a:solidFill>
-            <a:schemeClr val="bg1"/>
-          </a:solidFill>
-        </a:defRPr>
-      </a:pPr>
-      <a:endParaRPr lang="en-US"/>
-    </a:p>
-  </c:txPr>
   <c:externalData r:id="rId1">
     <c:autoUpdate val="0"/>
   </c:externalData>
@@ -11463,1133 +6244,6 @@
 </p:sld>
 </file>
 
-<file path=ppt/slides/slide10.xml><?xml version="1.0" encoding="utf-8"?>
-<p:sld xmlns:a="http://schemas.openxmlformats.org/drawingml/2006/main" xmlns:r="http://schemas.openxmlformats.org/officeDocument/2006/relationships" xmlns:p="http://schemas.openxmlformats.org/presentationml/2006/main">
-  <p:cSld>
-    <p:spTree>
-      <p:nvGrpSpPr>
-        <p:cNvPr id="1" name=""/>
-        <p:cNvGrpSpPr/>
-        <p:nvPr/>
-      </p:nvGrpSpPr>
-      <p:grpSpPr>
-        <a:xfrm>
-          <a:off x="0" y="0"/>
-          <a:ext cx="0" cy="0"/>
-          <a:chOff x="0" y="0"/>
-          <a:chExt cx="0" cy="0"/>
-        </a:xfrm>
-      </p:grpSpPr>
-      <p:sp>
-        <p:nvSpPr>
-          <p:cNvPr id="2" name="Title 1"/>
-          <p:cNvSpPr>
-            <a:spLocks noGrp="1"/>
-          </p:cNvSpPr>
-          <p:nvPr>
-            <p:ph type="title"/>
-          </p:nvPr>
-        </p:nvSpPr>
-        <p:spPr/>
-        <p:txBody>
-          <a:bodyPr/>
-          <a:lstStyle/>
-          <a:p>
-            <a:r>
-              <a:rPr lang="en-US" dirty="0"/>
-              <a:t>Consumer Discretionary Average Total Returns</a:t>
-            </a:r>
-          </a:p>
-        </p:txBody>
-      </p:sp>
-      <p:graphicFrame>
-        <p:nvGraphicFramePr>
-          <p:cNvPr id="5" name="Content Placeholder 4"/>
-          <p:cNvGraphicFramePr>
-            <a:graphicFrameLocks noGrp="1"/>
-          </p:cNvGraphicFramePr>
-          <p:nvPr>
-            <p:ph idx="1"/>
-            <p:extLst>
-              <p:ext uri="{D42A27DB-BD31-4B8C-83A1-F6EECF244321}">
-                <p14:modId xmlns:p14="http://schemas.microsoft.com/office/powerpoint/2010/main" val="828398141"/>
-              </p:ext>
-            </p:extLst>
-          </p:nvPr>
-        </p:nvGraphicFramePr>
-        <p:xfrm>
-          <a:off x="457200" y="1265238"/>
-          <a:ext cx="8229600" cy="4983162"/>
-        </p:xfrm>
-        <a:graphic>
-          <a:graphicData uri="http://schemas.openxmlformats.org/drawingml/2006/chart">
-            <c:chart xmlns:c="http://schemas.openxmlformats.org/drawingml/2006/chart" xmlns:r="http://schemas.openxmlformats.org/officeDocument/2006/relationships" r:id="rId2"/>
-          </a:graphicData>
-        </a:graphic>
-      </p:graphicFrame>
-    </p:spTree>
-    <p:extLst>
-      <p:ext uri="{BB962C8B-B14F-4D97-AF65-F5344CB8AC3E}">
-        <p14:creationId xmlns:p14="http://schemas.microsoft.com/office/powerpoint/2010/main" val="962696592"/>
-      </p:ext>
-    </p:extLst>
-  </p:cSld>
-  <p:clrMapOvr>
-    <a:masterClrMapping/>
-  </p:clrMapOvr>
-</p:sld>
-</file>
-
-<file path=ppt/slides/slide11.xml><?xml version="1.0" encoding="utf-8"?>
-<p:sld xmlns:a="http://schemas.openxmlformats.org/drawingml/2006/main" xmlns:r="http://schemas.openxmlformats.org/officeDocument/2006/relationships" xmlns:p="http://schemas.openxmlformats.org/presentationml/2006/main">
-  <p:cSld>
-    <p:spTree>
-      <p:nvGrpSpPr>
-        <p:cNvPr id="1" name=""/>
-        <p:cNvGrpSpPr/>
-        <p:nvPr/>
-      </p:nvGrpSpPr>
-      <p:grpSpPr>
-        <a:xfrm>
-          <a:off x="0" y="0"/>
-          <a:ext cx="0" cy="0"/>
-          <a:chOff x="0" y="0"/>
-          <a:chExt cx="0" cy="0"/>
-        </a:xfrm>
-      </p:grpSpPr>
-      <p:sp>
-        <p:nvSpPr>
-          <p:cNvPr id="2" name="Title 1"/>
-          <p:cNvSpPr>
-            <a:spLocks noGrp="1"/>
-          </p:cNvSpPr>
-          <p:nvPr>
-            <p:ph type="title"/>
-          </p:nvPr>
-        </p:nvSpPr>
-        <p:spPr/>
-        <p:txBody>
-          <a:bodyPr/>
-          <a:lstStyle/>
-          <a:p>
-            <a:r>
-              <a:rPr lang="en-US" dirty="0"/>
-              <a:t>Consumer Staples Average Total Returns</a:t>
-            </a:r>
-          </a:p>
-        </p:txBody>
-      </p:sp>
-      <p:graphicFrame>
-        <p:nvGraphicFramePr>
-          <p:cNvPr id="6" name="Content Placeholder 5"/>
-          <p:cNvGraphicFramePr>
-            <a:graphicFrameLocks noGrp="1"/>
-          </p:cNvGraphicFramePr>
-          <p:nvPr>
-            <p:ph idx="1"/>
-            <p:extLst>
-              <p:ext uri="{D42A27DB-BD31-4B8C-83A1-F6EECF244321}">
-                <p14:modId xmlns:p14="http://schemas.microsoft.com/office/powerpoint/2010/main" val="3422023690"/>
-              </p:ext>
-            </p:extLst>
-          </p:nvPr>
-        </p:nvGraphicFramePr>
-        <p:xfrm>
-          <a:off x="457200" y="1265238"/>
-          <a:ext cx="8229600" cy="4983162"/>
-        </p:xfrm>
-        <a:graphic>
-          <a:graphicData uri="http://schemas.openxmlformats.org/drawingml/2006/chart">
-            <c:chart xmlns:c="http://schemas.openxmlformats.org/drawingml/2006/chart" xmlns:r="http://schemas.openxmlformats.org/officeDocument/2006/relationships" r:id="rId2"/>
-          </a:graphicData>
-        </a:graphic>
-      </p:graphicFrame>
-    </p:spTree>
-    <p:extLst>
-      <p:ext uri="{BB962C8B-B14F-4D97-AF65-F5344CB8AC3E}">
-        <p14:creationId xmlns:p14="http://schemas.microsoft.com/office/powerpoint/2010/main" val="1465848623"/>
-      </p:ext>
-    </p:extLst>
-  </p:cSld>
-  <p:clrMapOvr>
-    <a:masterClrMapping/>
-  </p:clrMapOvr>
-</p:sld>
-</file>
-
-<file path=ppt/slides/slide12.xml><?xml version="1.0" encoding="utf-8"?>
-<p:sld xmlns:a="http://schemas.openxmlformats.org/drawingml/2006/main" xmlns:r="http://schemas.openxmlformats.org/officeDocument/2006/relationships" xmlns:p="http://schemas.openxmlformats.org/presentationml/2006/main">
-  <p:cSld>
-    <p:spTree>
-      <p:nvGrpSpPr>
-        <p:cNvPr id="1" name=""/>
-        <p:cNvGrpSpPr/>
-        <p:nvPr/>
-      </p:nvGrpSpPr>
-      <p:grpSpPr>
-        <a:xfrm>
-          <a:off x="0" y="0"/>
-          <a:ext cx="0" cy="0"/>
-          <a:chOff x="0" y="0"/>
-          <a:chExt cx="0" cy="0"/>
-        </a:xfrm>
-      </p:grpSpPr>
-      <p:sp>
-        <p:nvSpPr>
-          <p:cNvPr id="2" name="Title 1"/>
-          <p:cNvSpPr>
-            <a:spLocks noGrp="1"/>
-          </p:cNvSpPr>
-          <p:nvPr>
-            <p:ph type="title"/>
-          </p:nvPr>
-        </p:nvSpPr>
-        <p:spPr/>
-        <p:txBody>
-          <a:bodyPr/>
-          <a:lstStyle/>
-          <a:p>
-            <a:r>
-              <a:rPr lang="en-US" dirty="0"/>
-              <a:t>Healthcare Average Total Returns</a:t>
-            </a:r>
-          </a:p>
-        </p:txBody>
-      </p:sp>
-      <p:graphicFrame>
-        <p:nvGraphicFramePr>
-          <p:cNvPr id="5" name="Content Placeholder 4"/>
-          <p:cNvGraphicFramePr>
-            <a:graphicFrameLocks noGrp="1"/>
-          </p:cNvGraphicFramePr>
-          <p:nvPr>
-            <p:ph idx="1"/>
-            <p:extLst>
-              <p:ext uri="{D42A27DB-BD31-4B8C-83A1-F6EECF244321}">
-                <p14:modId xmlns:p14="http://schemas.microsoft.com/office/powerpoint/2010/main" val="2946471253"/>
-              </p:ext>
-            </p:extLst>
-          </p:nvPr>
-        </p:nvGraphicFramePr>
-        <p:xfrm>
-          <a:off x="457200" y="1265238"/>
-          <a:ext cx="8229600" cy="4983162"/>
-        </p:xfrm>
-        <a:graphic>
-          <a:graphicData uri="http://schemas.openxmlformats.org/drawingml/2006/chart">
-            <c:chart xmlns:c="http://schemas.openxmlformats.org/drawingml/2006/chart" xmlns:r="http://schemas.openxmlformats.org/officeDocument/2006/relationships" r:id="rId2"/>
-          </a:graphicData>
-        </a:graphic>
-      </p:graphicFrame>
-    </p:spTree>
-    <p:extLst>
-      <p:ext uri="{BB962C8B-B14F-4D97-AF65-F5344CB8AC3E}">
-        <p14:creationId xmlns:p14="http://schemas.microsoft.com/office/powerpoint/2010/main" val="927636772"/>
-      </p:ext>
-    </p:extLst>
-  </p:cSld>
-  <p:clrMapOvr>
-    <a:masterClrMapping/>
-  </p:clrMapOvr>
-</p:sld>
-</file>
-
-<file path=ppt/slides/slide13.xml><?xml version="1.0" encoding="utf-8"?>
-<p:sld xmlns:a="http://schemas.openxmlformats.org/drawingml/2006/main" xmlns:r="http://schemas.openxmlformats.org/officeDocument/2006/relationships" xmlns:p="http://schemas.openxmlformats.org/presentationml/2006/main">
-  <p:cSld>
-    <p:spTree>
-      <p:nvGrpSpPr>
-        <p:cNvPr id="1" name=""/>
-        <p:cNvGrpSpPr/>
-        <p:nvPr/>
-      </p:nvGrpSpPr>
-      <p:grpSpPr>
-        <a:xfrm>
-          <a:off x="0" y="0"/>
-          <a:ext cx="0" cy="0"/>
-          <a:chOff x="0" y="0"/>
-          <a:chExt cx="0" cy="0"/>
-        </a:xfrm>
-      </p:grpSpPr>
-      <p:sp>
-        <p:nvSpPr>
-          <p:cNvPr id="2" name="Title 1"/>
-          <p:cNvSpPr>
-            <a:spLocks noGrp="1"/>
-          </p:cNvSpPr>
-          <p:nvPr>
-            <p:ph type="title"/>
-          </p:nvPr>
-        </p:nvSpPr>
-        <p:spPr/>
-        <p:txBody>
-          <a:bodyPr>
-            <a:normAutofit/>
-          </a:bodyPr>
-          <a:lstStyle/>
-          <a:p>
-            <a:r>
-              <a:rPr lang="en-US" sz="2800" b="1" dirty="0"/>
-              <a:t>Frequency of Outperformance </a:t>
-            </a:r>
-            <a:endParaRPr lang="en-US" sz="2800" dirty="0"/>
-          </a:p>
-        </p:txBody>
-      </p:sp>
-      <p:graphicFrame>
-        <p:nvGraphicFramePr>
-          <p:cNvPr id="6" name="Content Placeholder 5"/>
-          <p:cNvGraphicFramePr>
-            <a:graphicFrameLocks noGrp="1"/>
-          </p:cNvGraphicFramePr>
-          <p:nvPr>
-            <p:ph idx="1"/>
-            <p:extLst>
-              <p:ext uri="{D42A27DB-BD31-4B8C-83A1-F6EECF244321}">
-                <p14:modId xmlns:p14="http://schemas.microsoft.com/office/powerpoint/2010/main" val="1864538717"/>
-              </p:ext>
-            </p:extLst>
-          </p:nvPr>
-        </p:nvGraphicFramePr>
-        <p:xfrm>
-          <a:off x="457200" y="1265238"/>
-          <a:ext cx="8229600" cy="4983162"/>
-        </p:xfrm>
-        <a:graphic>
-          <a:graphicData uri="http://schemas.openxmlformats.org/drawingml/2006/chart">
-            <c:chart xmlns:c="http://schemas.openxmlformats.org/drawingml/2006/chart" xmlns:r="http://schemas.openxmlformats.org/officeDocument/2006/relationships" r:id="rId2"/>
-          </a:graphicData>
-        </a:graphic>
-      </p:graphicFrame>
-    </p:spTree>
-    <p:extLst>
-      <p:ext uri="{BB962C8B-B14F-4D97-AF65-F5344CB8AC3E}">
-        <p14:creationId xmlns:p14="http://schemas.microsoft.com/office/powerpoint/2010/main" val="677625348"/>
-      </p:ext>
-    </p:extLst>
-  </p:cSld>
-  <p:clrMapOvr>
-    <a:masterClrMapping/>
-  </p:clrMapOvr>
-</p:sld>
-</file>
-
-<file path=ppt/slides/slide14.xml><?xml version="1.0" encoding="utf-8"?>
-<p:sld xmlns:a="http://schemas.openxmlformats.org/drawingml/2006/main" xmlns:r="http://schemas.openxmlformats.org/officeDocument/2006/relationships" xmlns:p="http://schemas.openxmlformats.org/presentationml/2006/main">
-  <p:cSld>
-    <p:spTree>
-      <p:nvGrpSpPr>
-        <p:cNvPr id="1" name=""/>
-        <p:cNvGrpSpPr/>
-        <p:nvPr/>
-      </p:nvGrpSpPr>
-      <p:grpSpPr>
-        <a:xfrm>
-          <a:off x="0" y="0"/>
-          <a:ext cx="0" cy="0"/>
-          <a:chOff x="0" y="0"/>
-          <a:chExt cx="0" cy="0"/>
-        </a:xfrm>
-      </p:grpSpPr>
-      <p:sp>
-        <p:nvSpPr>
-          <p:cNvPr id="2" name="Title 1"/>
-          <p:cNvSpPr>
-            <a:spLocks noGrp="1"/>
-          </p:cNvSpPr>
-          <p:nvPr>
-            <p:ph type="title"/>
-          </p:nvPr>
-        </p:nvSpPr>
-        <p:spPr/>
-        <p:txBody>
-          <a:bodyPr/>
-          <a:lstStyle/>
-          <a:p>
-            <a:pPr algn="l"/>
-            <a:r>
-              <a:rPr lang="en-US" dirty="0"/>
-              <a:t>History Still Rhymes </a:t>
-            </a:r>
-          </a:p>
-        </p:txBody>
-      </p:sp>
-      <p:graphicFrame>
-        <p:nvGraphicFramePr>
-          <p:cNvPr id="14" name="Content Placeholder 13"/>
-          <p:cNvGraphicFramePr>
-            <a:graphicFrameLocks noGrp="1"/>
-          </p:cNvGraphicFramePr>
-          <p:nvPr>
-            <p:ph idx="1"/>
-            <p:extLst>
-              <p:ext uri="{D42A27DB-BD31-4B8C-83A1-F6EECF244321}">
-                <p14:modId xmlns:p14="http://schemas.microsoft.com/office/powerpoint/2010/main" val="3381433152"/>
-              </p:ext>
-            </p:extLst>
-          </p:nvPr>
-        </p:nvGraphicFramePr>
-        <p:xfrm>
-          <a:off x="457200" y="1524000"/>
-          <a:ext cx="8229600" cy="4525963"/>
-        </p:xfrm>
-        <a:graphic>
-          <a:graphicData uri="http://schemas.openxmlformats.org/drawingml/2006/chart">
-            <c:chart xmlns:c="http://schemas.openxmlformats.org/drawingml/2006/chart" xmlns:r="http://schemas.openxmlformats.org/officeDocument/2006/relationships" r:id="rId2"/>
-          </a:graphicData>
-        </a:graphic>
-      </p:graphicFrame>
-    </p:spTree>
-    <p:extLst>
-      <p:ext uri="{BB962C8B-B14F-4D97-AF65-F5344CB8AC3E}">
-        <p14:creationId xmlns:p14="http://schemas.microsoft.com/office/powerpoint/2010/main" val="2072457416"/>
-      </p:ext>
-    </p:extLst>
-  </p:cSld>
-  <p:clrMapOvr>
-    <a:masterClrMapping/>
-  </p:clrMapOvr>
-</p:sld>
-</file>
-
-<file path=ppt/slides/slide15.xml><?xml version="1.0" encoding="utf-8"?>
-<p:sld xmlns:a="http://schemas.openxmlformats.org/drawingml/2006/main" xmlns:r="http://schemas.openxmlformats.org/officeDocument/2006/relationships" xmlns:p="http://schemas.openxmlformats.org/presentationml/2006/main">
-  <p:cSld>
-    <p:spTree>
-      <p:nvGrpSpPr>
-        <p:cNvPr id="1" name=""/>
-        <p:cNvGrpSpPr/>
-        <p:nvPr/>
-      </p:nvGrpSpPr>
-      <p:grpSpPr>
-        <a:xfrm>
-          <a:off x="0" y="0"/>
-          <a:ext cx="0" cy="0"/>
-          <a:chOff x="0" y="0"/>
-          <a:chExt cx="0" cy="0"/>
-        </a:xfrm>
-      </p:grpSpPr>
-      <p:sp>
-        <p:nvSpPr>
-          <p:cNvPr id="2" name="Title 1"/>
-          <p:cNvSpPr>
-            <a:spLocks noGrp="1"/>
-          </p:cNvSpPr>
-          <p:nvPr>
-            <p:ph type="title"/>
-          </p:nvPr>
-        </p:nvSpPr>
-        <p:spPr/>
-        <p:txBody>
-          <a:bodyPr/>
-          <a:lstStyle/>
-          <a:p>
-            <a:pPr algn="l"/>
-            <a:r>
-              <a:rPr lang="en-US" dirty="0"/>
-              <a:t>History Still Rhymes</a:t>
-            </a:r>
-          </a:p>
-        </p:txBody>
-      </p:sp>
-      <p:graphicFrame>
-        <p:nvGraphicFramePr>
-          <p:cNvPr id="4" name="Content Placeholder 3"/>
-          <p:cNvGraphicFramePr>
-            <a:graphicFrameLocks noGrp="1"/>
-          </p:cNvGraphicFramePr>
-          <p:nvPr>
-            <p:ph idx="1"/>
-            <p:extLst>
-              <p:ext uri="{D42A27DB-BD31-4B8C-83A1-F6EECF244321}">
-                <p14:modId xmlns:p14="http://schemas.microsoft.com/office/powerpoint/2010/main" val="1791033220"/>
-              </p:ext>
-            </p:extLst>
-          </p:nvPr>
-        </p:nvGraphicFramePr>
-        <p:xfrm>
-          <a:off x="457200" y="1600200"/>
-          <a:ext cx="8229600" cy="4525963"/>
-        </p:xfrm>
-        <a:graphic>
-          <a:graphicData uri="http://schemas.openxmlformats.org/drawingml/2006/chart">
-            <c:chart xmlns:c="http://schemas.openxmlformats.org/drawingml/2006/chart" xmlns:r="http://schemas.openxmlformats.org/officeDocument/2006/relationships" r:id="rId2"/>
-          </a:graphicData>
-        </a:graphic>
-      </p:graphicFrame>
-    </p:spTree>
-    <p:extLst>
-      <p:ext uri="{BB962C8B-B14F-4D97-AF65-F5344CB8AC3E}">
-        <p14:creationId xmlns:p14="http://schemas.microsoft.com/office/powerpoint/2010/main" val="1100695359"/>
-      </p:ext>
-    </p:extLst>
-  </p:cSld>
-  <p:clrMapOvr>
-    <a:masterClrMapping/>
-  </p:clrMapOvr>
-</p:sld>
-</file>
-
-<file path=ppt/slides/slide16.xml><?xml version="1.0" encoding="utf-8"?>
-<p:sld xmlns:a="http://schemas.openxmlformats.org/drawingml/2006/main" xmlns:r="http://schemas.openxmlformats.org/officeDocument/2006/relationships" xmlns:p="http://schemas.openxmlformats.org/presentationml/2006/main">
-  <p:cSld>
-    <p:spTree>
-      <p:nvGrpSpPr>
-        <p:cNvPr id="1" name=""/>
-        <p:cNvGrpSpPr/>
-        <p:nvPr/>
-      </p:nvGrpSpPr>
-      <p:grpSpPr>
-        <a:xfrm>
-          <a:off x="0" y="0"/>
-          <a:ext cx="0" cy="0"/>
-          <a:chOff x="0" y="0"/>
-          <a:chExt cx="0" cy="0"/>
-        </a:xfrm>
-      </p:grpSpPr>
-      <p:sp>
-        <p:nvSpPr>
-          <p:cNvPr id="2" name="Title 1"/>
-          <p:cNvSpPr>
-            <a:spLocks noGrp="1"/>
-          </p:cNvSpPr>
-          <p:nvPr>
-            <p:ph type="title"/>
-          </p:nvPr>
-        </p:nvSpPr>
-        <p:spPr/>
-        <p:txBody>
-          <a:bodyPr/>
-          <a:lstStyle/>
-          <a:p>
-            <a:pPr algn="l"/>
-            <a:r>
-              <a:rPr lang="en-US" dirty="0"/>
-              <a:t>Subsectors Conclusion</a:t>
-            </a:r>
-          </a:p>
-        </p:txBody>
-      </p:sp>
-      <p:sp>
-        <p:nvSpPr>
-          <p:cNvPr id="3" name="Content Placeholder 2"/>
-          <p:cNvSpPr>
-            <a:spLocks noGrp="1"/>
-          </p:cNvSpPr>
-          <p:nvPr>
-            <p:ph idx="1"/>
-          </p:nvPr>
-        </p:nvSpPr>
-        <p:spPr/>
-        <p:txBody>
-          <a:bodyPr/>
-          <a:lstStyle/>
-          <a:p>
-            <a:r>
-              <a:rPr lang="en-US" dirty="0"/>
-              <a:t>Wright Fund should overweight Consumer Staples - Household Products subsector and Healthcare - </a:t>
-            </a:r>
-            <a:r>
-              <a:rPr lang="en-US" dirty="0" err="1"/>
-              <a:t>Pharma</a:t>
-            </a:r>
-            <a:r>
-              <a:rPr lang="en-US" dirty="0"/>
-              <a:t>/Biotech subsector</a:t>
-            </a:r>
-          </a:p>
-          <a:p>
-            <a:r>
-              <a:rPr lang="en-US" dirty="0"/>
-              <a:t>Wright Fund should underweight Materials -Construction Materials subsector and Consumer Discretionary – Auto and Components subsector</a:t>
-            </a:r>
-          </a:p>
-          <a:p>
-            <a:r>
-              <a:rPr lang="en-US" dirty="0"/>
-              <a:t>Should Wright Fund look at ETFs to exploit this market phenomenon?</a:t>
-            </a:r>
-          </a:p>
-        </p:txBody>
-      </p:sp>
-      <p:sp>
-        <p:nvSpPr>
-          <p:cNvPr id="4" name="Slide Number Placeholder 3"/>
-          <p:cNvSpPr>
-            <a:spLocks noGrp="1"/>
-          </p:cNvSpPr>
-          <p:nvPr>
-            <p:ph type="sldNum" sz="quarter" idx="10"/>
-          </p:nvPr>
-        </p:nvSpPr>
-        <p:spPr/>
-        <p:txBody>
-          <a:bodyPr/>
-          <a:lstStyle/>
-          <a:p>
-            <a:pPr>
-              <a:defRPr/>
-            </a:pPr>
-            <a:fld id="{8477AC55-169F-48BF-899E-DC616324E2CF}" type="slidenum">
-              <a:rPr lang="en-US" smtClean="0"/>
-              <a:pPr>
-                <a:defRPr/>
-              </a:pPr>
-              <a:t>15</a:t>
-            </a:fld>
-            <a:endParaRPr lang="en-US" dirty="0"/>
-          </a:p>
-        </p:txBody>
-      </p:sp>
-    </p:spTree>
-    <p:extLst>
-      <p:ext uri="{BB962C8B-B14F-4D97-AF65-F5344CB8AC3E}">
-        <p14:creationId xmlns:p14="http://schemas.microsoft.com/office/powerpoint/2010/main" val="3192852877"/>
-      </p:ext>
-    </p:extLst>
-  </p:cSld>
-  <p:clrMapOvr>
-    <a:masterClrMapping/>
-  </p:clrMapOvr>
-</p:sld>
-</file>
-
-<file path=ppt/slides/slide17.xml><?xml version="1.0" encoding="utf-8"?>
-<p:sld xmlns:a="http://schemas.openxmlformats.org/drawingml/2006/main" xmlns:r="http://schemas.openxmlformats.org/officeDocument/2006/relationships" xmlns:p="http://schemas.openxmlformats.org/presentationml/2006/main">
-  <p:cSld>
-    <p:spTree>
-      <p:nvGrpSpPr>
-        <p:cNvPr id="1" name=""/>
-        <p:cNvGrpSpPr/>
-        <p:nvPr/>
-      </p:nvGrpSpPr>
-      <p:grpSpPr>
-        <a:xfrm>
-          <a:off x="0" y="0"/>
-          <a:ext cx="0" cy="0"/>
-          <a:chOff x="0" y="0"/>
-          <a:chExt cx="0" cy="0"/>
-        </a:xfrm>
-      </p:grpSpPr>
-      <p:sp>
-        <p:nvSpPr>
-          <p:cNvPr id="2" name="Title 1"/>
-          <p:cNvSpPr>
-            <a:spLocks noGrp="1"/>
-          </p:cNvSpPr>
-          <p:nvPr>
-            <p:ph type="title"/>
-          </p:nvPr>
-        </p:nvSpPr>
-        <p:spPr/>
-        <p:txBody>
-          <a:bodyPr/>
-          <a:lstStyle/>
-          <a:p>
-            <a:pPr algn="l"/>
-            <a:r>
-              <a:rPr lang="en-US" dirty="0"/>
-              <a:t>ETFs are Better: Myth or Reality?</a:t>
-            </a:r>
-          </a:p>
-        </p:txBody>
-      </p:sp>
-      <p:sp>
-        <p:nvSpPr>
-          <p:cNvPr id="3" name="Content Placeholder 2"/>
-          <p:cNvSpPr>
-            <a:spLocks noGrp="1"/>
-          </p:cNvSpPr>
-          <p:nvPr>
-            <p:ph idx="1"/>
-          </p:nvPr>
-        </p:nvSpPr>
-        <p:spPr/>
-        <p:txBody>
-          <a:bodyPr/>
-          <a:lstStyle/>
-          <a:p>
-            <a:r>
-              <a:rPr lang="en-US" dirty="0"/>
-              <a:t>Which is better?</a:t>
-            </a:r>
-          </a:p>
-          <a:p>
-            <a:endParaRPr lang="en-US" dirty="0"/>
-          </a:p>
-          <a:p>
-            <a:r>
-              <a:rPr lang="en-US" dirty="0"/>
-              <a:t>Option A: Leaving the WF unmanaged through the summer with existing holdings</a:t>
-            </a:r>
-          </a:p>
-          <a:p>
-            <a:endParaRPr lang="en-US" dirty="0"/>
-          </a:p>
-          <a:p>
-            <a:r>
-              <a:rPr lang="en-US" dirty="0"/>
-              <a:t>Option B: Selling all existing holdings and investing in sector ETFs</a:t>
-            </a:r>
-          </a:p>
-        </p:txBody>
-      </p:sp>
-      <p:sp>
-        <p:nvSpPr>
-          <p:cNvPr id="4" name="Slide Number Placeholder 3"/>
-          <p:cNvSpPr>
-            <a:spLocks noGrp="1"/>
-          </p:cNvSpPr>
-          <p:nvPr>
-            <p:ph type="sldNum" sz="quarter" idx="10"/>
-          </p:nvPr>
-        </p:nvSpPr>
-        <p:spPr/>
-        <p:txBody>
-          <a:bodyPr/>
-          <a:lstStyle/>
-          <a:p>
-            <a:pPr>
-              <a:defRPr/>
-            </a:pPr>
-            <a:fld id="{8477AC55-169F-48BF-899E-DC616324E2CF}" type="slidenum">
-              <a:rPr lang="en-US" smtClean="0"/>
-              <a:pPr>
-                <a:defRPr/>
-              </a:pPr>
-              <a:t>16</a:t>
-            </a:fld>
-            <a:endParaRPr lang="en-US" dirty="0"/>
-          </a:p>
-        </p:txBody>
-      </p:sp>
-    </p:spTree>
-    <p:extLst>
-      <p:ext uri="{BB962C8B-B14F-4D97-AF65-F5344CB8AC3E}">
-        <p14:creationId xmlns:p14="http://schemas.microsoft.com/office/powerpoint/2010/main" val="3829862048"/>
-      </p:ext>
-    </p:extLst>
-  </p:cSld>
-  <p:clrMapOvr>
-    <a:masterClrMapping/>
-  </p:clrMapOvr>
-  <p:timing>
-    <p:tnLst>
-      <p:par>
-        <p:cTn id="1" dur="indefinite" restart="never" nodeType="tmRoot">
-          <p:childTnLst>
-            <p:seq concurrent="1" nextAc="seek">
-              <p:cTn id="2" dur="indefinite" nodeType="mainSeq">
-                <p:childTnLst>
-                  <p:par>
-                    <p:cTn id="3" fill="hold">
-                      <p:stCondLst>
-                        <p:cond delay="indefinite"/>
-                      </p:stCondLst>
-                      <p:childTnLst>
-                        <p:par>
-                          <p:cTn id="4" fill="hold">
-                            <p:stCondLst>
-                              <p:cond delay="0"/>
-                            </p:stCondLst>
-                            <p:childTnLst>
-                              <p:par>
-                                <p:cTn id="5" presetID="1" presetClass="entr" presetSubtype="0" fill="hold" nodeType="clickEffect">
-                                  <p:stCondLst>
-                                    <p:cond delay="0"/>
-                                  </p:stCondLst>
-                                  <p:childTnLst>
-                                    <p:set>
-                                      <p:cBhvr>
-                                        <p:cTn id="6" dur="1" fill="hold">
-                                          <p:stCondLst>
-                                            <p:cond delay="0"/>
-                                          </p:stCondLst>
-                                        </p:cTn>
-                                        <p:tgtEl>
-                                          <p:spTgt spid="3">
-                                            <p:txEl>
-                                              <p:pRg st="2" end="2"/>
-                                            </p:txEl>
-                                          </p:spTgt>
-                                        </p:tgtEl>
-                                        <p:attrNameLst>
-                                          <p:attrName>style.visibility</p:attrName>
-                                        </p:attrNameLst>
-                                      </p:cBhvr>
-                                      <p:to>
-                                        <p:strVal val="visible"/>
-                                      </p:to>
-                                    </p:set>
-                                  </p:childTnLst>
-                                </p:cTn>
-                              </p:par>
-                            </p:childTnLst>
-                          </p:cTn>
-                        </p:par>
-                      </p:childTnLst>
-                    </p:cTn>
-                  </p:par>
-                  <p:par>
-                    <p:cTn id="7" fill="hold">
-                      <p:stCondLst>
-                        <p:cond delay="indefinite"/>
-                      </p:stCondLst>
-                      <p:childTnLst>
-                        <p:par>
-                          <p:cTn id="8" fill="hold">
-                            <p:stCondLst>
-                              <p:cond delay="0"/>
-                            </p:stCondLst>
-                            <p:childTnLst>
-                              <p:par>
-                                <p:cTn id="9" presetID="1" presetClass="entr" presetSubtype="0" fill="hold" nodeType="clickEffect">
-                                  <p:stCondLst>
-                                    <p:cond delay="0"/>
-                                  </p:stCondLst>
-                                  <p:childTnLst>
-                                    <p:set>
-                                      <p:cBhvr>
-                                        <p:cTn id="10" dur="1" fill="hold">
-                                          <p:stCondLst>
-                                            <p:cond delay="0"/>
-                                          </p:stCondLst>
-                                        </p:cTn>
-                                        <p:tgtEl>
-                                          <p:spTgt spid="3">
-                                            <p:txEl>
-                                              <p:pRg st="4" end="4"/>
-                                            </p:txEl>
-                                          </p:spTgt>
-                                        </p:tgtEl>
-                                        <p:attrNameLst>
-                                          <p:attrName>style.visibility</p:attrName>
-                                        </p:attrNameLst>
-                                      </p:cBhvr>
-                                      <p:to>
-                                        <p:strVal val="visible"/>
-                                      </p:to>
-                                    </p:set>
-                                  </p:childTnLst>
-                                </p:cTn>
-                              </p:par>
-                            </p:childTnLst>
-                          </p:cTn>
-                        </p:par>
-                      </p:childTnLst>
-                    </p:cTn>
-                  </p:par>
-                </p:childTnLst>
-              </p:cTn>
-              <p:prevCondLst>
-                <p:cond evt="onPrev" delay="0">
-                  <p:tgtEl>
-                    <p:sldTgt/>
-                  </p:tgtEl>
-                </p:cond>
-              </p:prevCondLst>
-              <p:nextCondLst>
-                <p:cond evt="onNext" delay="0">
-                  <p:tgtEl>
-                    <p:sldTgt/>
-                  </p:tgtEl>
-                </p:cond>
-              </p:nextCondLst>
-            </p:seq>
-          </p:childTnLst>
-        </p:cTn>
-      </p:par>
-    </p:tnLst>
-  </p:timing>
-</p:sld>
-</file>
-
-<file path=ppt/slides/slide18.xml><?xml version="1.0" encoding="utf-8"?>
-<p:sld xmlns:a="http://schemas.openxmlformats.org/drawingml/2006/main" xmlns:r="http://schemas.openxmlformats.org/officeDocument/2006/relationships" xmlns:p="http://schemas.openxmlformats.org/presentationml/2006/main">
-  <p:cSld>
-    <p:spTree>
-      <p:nvGrpSpPr>
-        <p:cNvPr id="1" name=""/>
-        <p:cNvGrpSpPr/>
-        <p:nvPr/>
-      </p:nvGrpSpPr>
-      <p:grpSpPr>
-        <a:xfrm>
-          <a:off x="0" y="0"/>
-          <a:ext cx="0" cy="0"/>
-          <a:chOff x="0" y="0"/>
-          <a:chExt cx="0" cy="0"/>
-        </a:xfrm>
-      </p:grpSpPr>
-      <p:sp>
-        <p:nvSpPr>
-          <p:cNvPr id="2" name="Title 1"/>
-          <p:cNvSpPr>
-            <a:spLocks noGrp="1"/>
-          </p:cNvSpPr>
-          <p:nvPr>
-            <p:ph type="title"/>
-          </p:nvPr>
-        </p:nvSpPr>
-        <p:spPr/>
-        <p:txBody>
-          <a:bodyPr/>
-          <a:lstStyle/>
-          <a:p>
-            <a:pPr algn="l"/>
-            <a:r>
-              <a:rPr lang="en-US" dirty="0"/>
-              <a:t>ETFs are Better: Myth or Reality?</a:t>
-            </a:r>
-          </a:p>
-        </p:txBody>
-      </p:sp>
-      <p:sp>
-        <p:nvSpPr>
-          <p:cNvPr id="3" name="Content Placeholder 2"/>
-          <p:cNvSpPr>
-            <a:spLocks noGrp="1"/>
-          </p:cNvSpPr>
-          <p:nvPr>
-            <p:ph idx="1"/>
-          </p:nvPr>
-        </p:nvSpPr>
-        <p:spPr/>
-        <p:txBody>
-          <a:bodyPr/>
-          <a:lstStyle/>
-          <a:p>
-            <a:r>
-              <a:rPr lang="en-US" dirty="0"/>
-              <a:t>Experiment</a:t>
-            </a:r>
-          </a:p>
-          <a:p>
-            <a:pPr lvl="1"/>
-            <a:r>
-              <a:rPr lang="en-US" dirty="0"/>
-              <a:t>Examine holdings in May and August for last 5 years (2009 – 2013)</a:t>
-            </a:r>
-          </a:p>
-          <a:p>
-            <a:pPr lvl="1"/>
-            <a:r>
-              <a:rPr lang="en-US" dirty="0"/>
-              <a:t>Determine return for actual portfolio of stocks we held during the entire summer</a:t>
-            </a:r>
-          </a:p>
-          <a:p>
-            <a:pPr lvl="1"/>
-            <a:r>
-              <a:rPr lang="en-US" dirty="0"/>
-              <a:t>Build hypothetical portfolio of ETFs assuming we sold all holdings and invested an equal amount in sector ETFs</a:t>
-            </a:r>
-          </a:p>
-          <a:p>
-            <a:pPr lvl="1"/>
-            <a:r>
-              <a:rPr lang="en-US" dirty="0"/>
-              <a:t>Compare returns (absolute and risk adjusted)</a:t>
-            </a:r>
-          </a:p>
-        </p:txBody>
-      </p:sp>
-      <p:sp>
-        <p:nvSpPr>
-          <p:cNvPr id="4" name="Slide Number Placeholder 3"/>
-          <p:cNvSpPr>
-            <a:spLocks noGrp="1"/>
-          </p:cNvSpPr>
-          <p:nvPr>
-            <p:ph type="sldNum" sz="quarter" idx="10"/>
-          </p:nvPr>
-        </p:nvSpPr>
-        <p:spPr/>
-        <p:txBody>
-          <a:bodyPr/>
-          <a:lstStyle/>
-          <a:p>
-            <a:pPr>
-              <a:defRPr/>
-            </a:pPr>
-            <a:fld id="{8477AC55-169F-48BF-899E-DC616324E2CF}" type="slidenum">
-              <a:rPr lang="en-US" smtClean="0"/>
-              <a:pPr>
-                <a:defRPr/>
-              </a:pPr>
-              <a:t>17</a:t>
-            </a:fld>
-            <a:endParaRPr lang="en-US" dirty="0"/>
-          </a:p>
-        </p:txBody>
-      </p:sp>
-    </p:spTree>
-    <p:extLst>
-      <p:ext uri="{BB962C8B-B14F-4D97-AF65-F5344CB8AC3E}">
-        <p14:creationId xmlns:p14="http://schemas.microsoft.com/office/powerpoint/2010/main" val="2090971741"/>
-      </p:ext>
-    </p:extLst>
-  </p:cSld>
-  <p:clrMapOvr>
-    <a:masterClrMapping/>
-  </p:clrMapOvr>
-</p:sld>
-</file>
-
-<file path=ppt/slides/slide19.xml><?xml version="1.0" encoding="utf-8"?>
-<p:sld xmlns:a="http://schemas.openxmlformats.org/drawingml/2006/main" xmlns:r="http://schemas.openxmlformats.org/officeDocument/2006/relationships" xmlns:p="http://schemas.openxmlformats.org/presentationml/2006/main">
-  <p:cSld>
-    <p:spTree>
-      <p:nvGrpSpPr>
-        <p:cNvPr id="1" name=""/>
-        <p:cNvGrpSpPr/>
-        <p:nvPr/>
-      </p:nvGrpSpPr>
-      <p:grpSpPr>
-        <a:xfrm>
-          <a:off x="0" y="0"/>
-          <a:ext cx="0" cy="0"/>
-          <a:chOff x="0" y="0"/>
-          <a:chExt cx="0" cy="0"/>
-        </a:xfrm>
-      </p:grpSpPr>
-      <p:sp>
-        <p:nvSpPr>
-          <p:cNvPr id="2" name="Title 1"/>
-          <p:cNvSpPr>
-            <a:spLocks noGrp="1"/>
-          </p:cNvSpPr>
-          <p:nvPr>
-            <p:ph type="title"/>
-          </p:nvPr>
-        </p:nvSpPr>
-        <p:spPr/>
-        <p:txBody>
-          <a:bodyPr/>
-          <a:lstStyle/>
-          <a:p>
-            <a:pPr algn="l"/>
-            <a:r>
-              <a:rPr lang="en-US" dirty="0"/>
-              <a:t>ETFs are Better: Myth or Reality?</a:t>
-            </a:r>
-          </a:p>
-        </p:txBody>
-      </p:sp>
-      <p:sp>
-        <p:nvSpPr>
-          <p:cNvPr id="3" name="Content Placeholder 2"/>
-          <p:cNvSpPr>
-            <a:spLocks noGrp="1"/>
-          </p:cNvSpPr>
-          <p:nvPr>
-            <p:ph idx="1"/>
-          </p:nvPr>
-        </p:nvSpPr>
-        <p:spPr/>
-        <p:txBody>
-          <a:bodyPr/>
-          <a:lstStyle/>
-          <a:p>
-            <a:r>
-              <a:rPr lang="en-US" dirty="0"/>
-              <a:t>Experiment</a:t>
-            </a:r>
-          </a:p>
-          <a:p>
-            <a:pPr lvl="1"/>
-            <a:r>
-              <a:rPr lang="en-US" dirty="0"/>
-              <a:t>Assumptions:</a:t>
-            </a:r>
-          </a:p>
-          <a:p>
-            <a:pPr lvl="2"/>
-            <a:r>
-              <a:rPr lang="en-US" dirty="0"/>
-              <a:t>Only consider price appreciation</a:t>
-            </a:r>
-          </a:p>
-          <a:p>
-            <a:pPr lvl="2"/>
-            <a:r>
-              <a:rPr lang="en-US" dirty="0"/>
-              <a:t>Only look at ex-post monthly returns</a:t>
-            </a:r>
-          </a:p>
-          <a:p>
-            <a:pPr lvl="2"/>
-            <a:r>
-              <a:rPr lang="en-US" dirty="0"/>
-              <a:t>Ignore all other activity (i.e., only consider stocks that were in the portfolio for the entire 5/31 – 8/31 time period</a:t>
-            </a:r>
-          </a:p>
-          <a:p>
-            <a:pPr lvl="2"/>
-            <a:r>
-              <a:rPr lang="en-US" dirty="0"/>
-              <a:t>Risk free rate is equal to 10 year Treasury yield</a:t>
-            </a:r>
-          </a:p>
-          <a:p>
-            <a:pPr lvl="2"/>
-            <a:r>
-              <a:rPr lang="en-US" dirty="0"/>
-              <a:t>Weighting for hypothetical portfolio is equal to overall sector weighting as of 5/31</a:t>
-            </a:r>
-          </a:p>
-          <a:p>
-            <a:pPr lvl="2"/>
-            <a:endParaRPr lang="en-US" dirty="0"/>
-          </a:p>
-          <a:p>
-            <a:pPr lvl="2"/>
-            <a:endParaRPr lang="en-US" dirty="0"/>
-          </a:p>
-        </p:txBody>
-      </p:sp>
-      <p:sp>
-        <p:nvSpPr>
-          <p:cNvPr id="4" name="Slide Number Placeholder 3"/>
-          <p:cNvSpPr>
-            <a:spLocks noGrp="1"/>
-          </p:cNvSpPr>
-          <p:nvPr>
-            <p:ph type="sldNum" sz="quarter" idx="10"/>
-          </p:nvPr>
-        </p:nvSpPr>
-        <p:spPr/>
-        <p:txBody>
-          <a:bodyPr/>
-          <a:lstStyle/>
-          <a:p>
-            <a:pPr>
-              <a:defRPr/>
-            </a:pPr>
-            <a:fld id="{8477AC55-169F-48BF-899E-DC616324E2CF}" type="slidenum">
-              <a:rPr lang="en-US" smtClean="0"/>
-              <a:pPr>
-                <a:defRPr/>
-              </a:pPr>
-              <a:t>18</a:t>
-            </a:fld>
-            <a:endParaRPr lang="en-US" dirty="0"/>
-          </a:p>
-        </p:txBody>
-      </p:sp>
-    </p:spTree>
-    <p:extLst>
-      <p:ext uri="{BB962C8B-B14F-4D97-AF65-F5344CB8AC3E}">
-        <p14:creationId xmlns:p14="http://schemas.microsoft.com/office/powerpoint/2010/main" val="3644351239"/>
-      </p:ext>
-    </p:extLst>
-  </p:cSld>
-  <p:clrMapOvr>
-    <a:masterClrMapping/>
-  </p:clrMapOvr>
-</p:sld>
-</file>
-
 <file path=ppt/slides/slide2.xml><?xml version="1.0" encoding="utf-8"?>
 <p:sld xmlns:a="http://schemas.openxmlformats.org/drawingml/2006/main" xmlns:r="http://schemas.openxmlformats.org/officeDocument/2006/relationships" xmlns:p="http://schemas.openxmlformats.org/presentationml/2006/main">
   <p:cSld>
@@ -12725,1333 +6379,6 @@
     <p:extLst>
       <p:ext uri="{BB962C8B-B14F-4D97-AF65-F5344CB8AC3E}">
         <p14:creationId xmlns:p14="http://schemas.microsoft.com/office/powerpoint/2010/main" val="3740353359"/>
-      </p:ext>
-    </p:extLst>
-  </p:cSld>
-  <p:clrMapOvr>
-    <a:masterClrMapping/>
-  </p:clrMapOvr>
-</p:sld>
-</file>
-
-<file path=ppt/slides/slide20.xml><?xml version="1.0" encoding="utf-8"?>
-<p:sld xmlns:a="http://schemas.openxmlformats.org/drawingml/2006/main" xmlns:r="http://schemas.openxmlformats.org/officeDocument/2006/relationships" xmlns:p="http://schemas.openxmlformats.org/presentationml/2006/main">
-  <p:cSld>
-    <p:spTree>
-      <p:nvGrpSpPr>
-        <p:cNvPr id="1" name=""/>
-        <p:cNvGrpSpPr/>
-        <p:nvPr/>
-      </p:nvGrpSpPr>
-      <p:grpSpPr>
-        <a:xfrm>
-          <a:off x="0" y="0"/>
-          <a:ext cx="0" cy="0"/>
-          <a:chOff x="0" y="0"/>
-          <a:chExt cx="0" cy="0"/>
-        </a:xfrm>
-      </p:grpSpPr>
-      <p:sp>
-        <p:nvSpPr>
-          <p:cNvPr id="2" name="Title 1"/>
-          <p:cNvSpPr>
-            <a:spLocks noGrp="1"/>
-          </p:cNvSpPr>
-          <p:nvPr>
-            <p:ph type="title"/>
-          </p:nvPr>
-        </p:nvSpPr>
-        <p:spPr/>
-        <p:txBody>
-          <a:bodyPr/>
-          <a:lstStyle/>
-          <a:p>
-            <a:pPr algn="l"/>
-            <a:r>
-              <a:rPr lang="en-US" dirty="0"/>
-              <a:t>ETFs are Better: Myth or Reality?</a:t>
-            </a:r>
-          </a:p>
-        </p:txBody>
-      </p:sp>
-      <p:sp>
-        <p:nvSpPr>
-          <p:cNvPr id="3" name="Content Placeholder 2"/>
-          <p:cNvSpPr>
-            <a:spLocks noGrp="1"/>
-          </p:cNvSpPr>
-          <p:nvPr>
-            <p:ph idx="1"/>
-          </p:nvPr>
-        </p:nvSpPr>
-        <p:spPr/>
-        <p:txBody>
-          <a:bodyPr/>
-          <a:lstStyle/>
-          <a:p>
-            <a:r>
-              <a:rPr lang="en-US" dirty="0"/>
-              <a:t>Results:</a:t>
-            </a:r>
-          </a:p>
-          <a:p>
-            <a:endParaRPr lang="en-US" dirty="0"/>
-          </a:p>
-          <a:p>
-            <a:r>
-              <a:rPr lang="en-US" dirty="0"/>
-              <a:t>ETFs are not necessarily a better summer investment strategy!</a:t>
-            </a:r>
-          </a:p>
-          <a:p>
-            <a:endParaRPr lang="en-US" dirty="0"/>
-          </a:p>
-          <a:p>
-            <a:r>
-              <a:rPr lang="en-US" dirty="0"/>
-              <a:t>Best strategy would be to actively manage and potentially invest in watch list stocks, but keeping existing holdings through the summer is not consistently detrimental</a:t>
-            </a:r>
-          </a:p>
-        </p:txBody>
-      </p:sp>
-      <p:sp>
-        <p:nvSpPr>
-          <p:cNvPr id="4" name="Slide Number Placeholder 3"/>
-          <p:cNvSpPr>
-            <a:spLocks noGrp="1"/>
-          </p:cNvSpPr>
-          <p:nvPr>
-            <p:ph type="sldNum" sz="quarter" idx="10"/>
-          </p:nvPr>
-        </p:nvSpPr>
-        <p:spPr/>
-        <p:txBody>
-          <a:bodyPr/>
-          <a:lstStyle/>
-          <a:p>
-            <a:pPr>
-              <a:defRPr/>
-            </a:pPr>
-            <a:fld id="{8477AC55-169F-48BF-899E-DC616324E2CF}" type="slidenum">
-              <a:rPr lang="en-US" smtClean="0"/>
-              <a:pPr>
-                <a:defRPr/>
-              </a:pPr>
-              <a:t>19</a:t>
-            </a:fld>
-            <a:endParaRPr lang="en-US" dirty="0"/>
-          </a:p>
-        </p:txBody>
-      </p:sp>
-    </p:spTree>
-    <p:extLst>
-      <p:ext uri="{BB962C8B-B14F-4D97-AF65-F5344CB8AC3E}">
-        <p14:creationId xmlns:p14="http://schemas.microsoft.com/office/powerpoint/2010/main" val="3360129684"/>
-      </p:ext>
-    </p:extLst>
-  </p:cSld>
-  <p:clrMapOvr>
-    <a:masterClrMapping/>
-  </p:clrMapOvr>
-  <p:timing>
-    <p:tnLst>
-      <p:par>
-        <p:cTn id="1" dur="indefinite" restart="never" nodeType="tmRoot">
-          <p:childTnLst>
-            <p:seq concurrent="1" nextAc="seek">
-              <p:cTn id="2" dur="indefinite" nodeType="mainSeq">
-                <p:childTnLst>
-                  <p:par>
-                    <p:cTn id="3" fill="hold">
-                      <p:stCondLst>
-                        <p:cond delay="indefinite"/>
-                      </p:stCondLst>
-                      <p:childTnLst>
-                        <p:par>
-                          <p:cTn id="4" fill="hold">
-                            <p:stCondLst>
-                              <p:cond delay="0"/>
-                            </p:stCondLst>
-                            <p:childTnLst>
-                              <p:par>
-                                <p:cTn id="5" presetID="1" presetClass="entr" presetSubtype="0" fill="hold" nodeType="clickEffect">
-                                  <p:stCondLst>
-                                    <p:cond delay="0"/>
-                                  </p:stCondLst>
-                                  <p:childTnLst>
-                                    <p:set>
-                                      <p:cBhvr>
-                                        <p:cTn id="6" dur="1" fill="hold">
-                                          <p:stCondLst>
-                                            <p:cond delay="0"/>
-                                          </p:stCondLst>
-                                        </p:cTn>
-                                        <p:tgtEl>
-                                          <p:spTgt spid="3">
-                                            <p:txEl>
-                                              <p:pRg st="2" end="2"/>
-                                            </p:txEl>
-                                          </p:spTgt>
-                                        </p:tgtEl>
-                                        <p:attrNameLst>
-                                          <p:attrName>style.visibility</p:attrName>
-                                        </p:attrNameLst>
-                                      </p:cBhvr>
-                                      <p:to>
-                                        <p:strVal val="visible"/>
-                                      </p:to>
-                                    </p:set>
-                                  </p:childTnLst>
-                                </p:cTn>
-                              </p:par>
-                            </p:childTnLst>
-                          </p:cTn>
-                        </p:par>
-                      </p:childTnLst>
-                    </p:cTn>
-                  </p:par>
-                  <p:par>
-                    <p:cTn id="7" fill="hold">
-                      <p:stCondLst>
-                        <p:cond delay="indefinite"/>
-                      </p:stCondLst>
-                      <p:childTnLst>
-                        <p:par>
-                          <p:cTn id="8" fill="hold">
-                            <p:stCondLst>
-                              <p:cond delay="0"/>
-                            </p:stCondLst>
-                            <p:childTnLst>
-                              <p:par>
-                                <p:cTn id="9" presetID="1" presetClass="entr" presetSubtype="0" fill="hold" nodeType="clickEffect">
-                                  <p:stCondLst>
-                                    <p:cond delay="0"/>
-                                  </p:stCondLst>
-                                  <p:childTnLst>
-                                    <p:set>
-                                      <p:cBhvr>
-                                        <p:cTn id="10" dur="1" fill="hold">
-                                          <p:stCondLst>
-                                            <p:cond delay="0"/>
-                                          </p:stCondLst>
-                                        </p:cTn>
-                                        <p:tgtEl>
-                                          <p:spTgt spid="3">
-                                            <p:txEl>
-                                              <p:pRg st="4" end="4"/>
-                                            </p:txEl>
-                                          </p:spTgt>
-                                        </p:tgtEl>
-                                        <p:attrNameLst>
-                                          <p:attrName>style.visibility</p:attrName>
-                                        </p:attrNameLst>
-                                      </p:cBhvr>
-                                      <p:to>
-                                        <p:strVal val="visible"/>
-                                      </p:to>
-                                    </p:set>
-                                  </p:childTnLst>
-                                </p:cTn>
-                              </p:par>
-                            </p:childTnLst>
-                          </p:cTn>
-                        </p:par>
-                      </p:childTnLst>
-                    </p:cTn>
-                  </p:par>
-                </p:childTnLst>
-              </p:cTn>
-              <p:prevCondLst>
-                <p:cond evt="onPrev" delay="0">
-                  <p:tgtEl>
-                    <p:sldTgt/>
-                  </p:tgtEl>
-                </p:cond>
-              </p:prevCondLst>
-              <p:nextCondLst>
-                <p:cond evt="onNext" delay="0">
-                  <p:tgtEl>
-                    <p:sldTgt/>
-                  </p:tgtEl>
-                </p:cond>
-              </p:nextCondLst>
-            </p:seq>
-          </p:childTnLst>
-        </p:cTn>
-      </p:par>
-    </p:tnLst>
-  </p:timing>
-</p:sld>
-</file>
-
-<file path=ppt/slides/slide21.xml><?xml version="1.0" encoding="utf-8"?>
-<p:sld xmlns:a="http://schemas.openxmlformats.org/drawingml/2006/main" xmlns:r="http://schemas.openxmlformats.org/officeDocument/2006/relationships" xmlns:p="http://schemas.openxmlformats.org/presentationml/2006/main">
-  <p:cSld>
-    <p:spTree>
-      <p:nvGrpSpPr>
-        <p:cNvPr id="1" name=""/>
-        <p:cNvGrpSpPr/>
-        <p:nvPr/>
-      </p:nvGrpSpPr>
-      <p:grpSpPr>
-        <a:xfrm>
-          <a:off x="0" y="0"/>
-          <a:ext cx="0" cy="0"/>
-          <a:chOff x="0" y="0"/>
-          <a:chExt cx="0" cy="0"/>
-        </a:xfrm>
-      </p:grpSpPr>
-      <p:sp>
-        <p:nvSpPr>
-          <p:cNvPr id="2" name="Title 1"/>
-          <p:cNvSpPr>
-            <a:spLocks noGrp="1"/>
-          </p:cNvSpPr>
-          <p:nvPr>
-            <p:ph type="title"/>
-          </p:nvPr>
-        </p:nvSpPr>
-        <p:spPr/>
-        <p:txBody>
-          <a:bodyPr/>
-          <a:lstStyle/>
-          <a:p>
-            <a:pPr algn="l"/>
-            <a:r>
-              <a:rPr lang="en-US" dirty="0"/>
-              <a:t>ETFs are Better: Myth or Reality?</a:t>
-            </a:r>
-          </a:p>
-        </p:txBody>
-      </p:sp>
-      <p:sp>
-        <p:nvSpPr>
-          <p:cNvPr id="4" name="Slide Number Placeholder 3"/>
-          <p:cNvSpPr>
-            <a:spLocks noGrp="1"/>
-          </p:cNvSpPr>
-          <p:nvPr>
-            <p:ph type="sldNum" sz="quarter" idx="10"/>
-          </p:nvPr>
-        </p:nvSpPr>
-        <p:spPr/>
-        <p:txBody>
-          <a:bodyPr/>
-          <a:lstStyle/>
-          <a:p>
-            <a:pPr>
-              <a:defRPr/>
-            </a:pPr>
-            <a:fld id="{8477AC55-169F-48BF-899E-DC616324E2CF}" type="slidenum">
-              <a:rPr lang="en-US" smtClean="0"/>
-              <a:pPr>
-                <a:defRPr/>
-              </a:pPr>
-              <a:t>20</a:t>
-            </a:fld>
-            <a:endParaRPr lang="en-US" dirty="0"/>
-          </a:p>
-        </p:txBody>
-      </p:sp>
-      <p:graphicFrame>
-        <p:nvGraphicFramePr>
-          <p:cNvPr id="5" name="Object 4"/>
-          <p:cNvGraphicFramePr>
-            <a:graphicFrameLocks noChangeAspect="1"/>
-          </p:cNvGraphicFramePr>
-          <p:nvPr>
-            <p:extLst>
-              <p:ext uri="{D42A27DB-BD31-4B8C-83A1-F6EECF244321}">
-                <p14:modId xmlns:p14="http://schemas.microsoft.com/office/powerpoint/2010/main" val="2833308056"/>
-              </p:ext>
-            </p:extLst>
-          </p:nvPr>
-        </p:nvGraphicFramePr>
-        <p:xfrm>
-          <a:off x="914400" y="2057400"/>
-          <a:ext cx="7182323" cy="3319462"/>
-        </p:xfrm>
-        <a:graphic>
-          <a:graphicData uri="http://schemas.openxmlformats.org/presentationml/2006/ole">
-            <mc:AlternateContent xmlns:mc="http://schemas.openxmlformats.org/markup-compatibility/2006">
-              <mc:Choice xmlns:v="urn:schemas-microsoft-com:vml" Requires="v">
-                <p:oleObj spid="_x0000_s2069" name="Worksheet" r:id="rId3" imgW="5791110" imgH="2676457" progId="Excel.Sheet.12">
-                  <p:embed/>
-                </p:oleObj>
-              </mc:Choice>
-              <mc:Fallback>
-                <p:oleObj name="Worksheet" r:id="rId3" imgW="5791110" imgH="2676457" progId="Excel.Sheet.12">
-                  <p:embed/>
-                  <p:pic>
-                    <p:nvPicPr>
-                      <p:cNvPr id="0" name=""/>
-                      <p:cNvPicPr/>
-                      <p:nvPr/>
-                    </p:nvPicPr>
-                    <p:blipFill>
-                      <a:blip r:embed="rId4"/>
-                      <a:stretch>
-                        <a:fillRect/>
-                      </a:stretch>
-                    </p:blipFill>
-                    <p:spPr>
-                      <a:xfrm>
-                        <a:off x="914400" y="2057400"/>
-                        <a:ext cx="7182323" cy="3319462"/>
-                      </a:xfrm>
-                      <a:prstGeom prst="rect">
-                        <a:avLst/>
-                      </a:prstGeom>
-                    </p:spPr>
-                  </p:pic>
-                </p:oleObj>
-              </mc:Fallback>
-            </mc:AlternateContent>
-          </a:graphicData>
-        </a:graphic>
-      </p:graphicFrame>
-    </p:spTree>
-    <p:extLst>
-      <p:ext uri="{BB962C8B-B14F-4D97-AF65-F5344CB8AC3E}">
-        <p14:creationId xmlns:p14="http://schemas.microsoft.com/office/powerpoint/2010/main" val="2662909560"/>
-      </p:ext>
-    </p:extLst>
-  </p:cSld>
-  <p:clrMapOvr>
-    <a:masterClrMapping/>
-  </p:clrMapOvr>
-</p:sld>
-</file>
-
-<file path=ppt/slides/slide22.xml><?xml version="1.0" encoding="utf-8"?>
-<p:sld xmlns:a="http://schemas.openxmlformats.org/drawingml/2006/main" xmlns:r="http://schemas.openxmlformats.org/officeDocument/2006/relationships" xmlns:p="http://schemas.openxmlformats.org/presentationml/2006/main">
-  <p:cSld>
-    <p:spTree>
-      <p:nvGrpSpPr>
-        <p:cNvPr id="1" name=""/>
-        <p:cNvGrpSpPr/>
-        <p:nvPr/>
-      </p:nvGrpSpPr>
-      <p:grpSpPr>
-        <a:xfrm>
-          <a:off x="0" y="0"/>
-          <a:ext cx="0" cy="0"/>
-          <a:chOff x="0" y="0"/>
-          <a:chExt cx="0" cy="0"/>
-        </a:xfrm>
-      </p:grpSpPr>
-      <p:sp>
-        <p:nvSpPr>
-          <p:cNvPr id="2" name="Title 1"/>
-          <p:cNvSpPr>
-            <a:spLocks noGrp="1"/>
-          </p:cNvSpPr>
-          <p:nvPr>
-            <p:ph type="title"/>
-          </p:nvPr>
-        </p:nvSpPr>
-        <p:spPr/>
-        <p:txBody>
-          <a:bodyPr/>
-          <a:lstStyle/>
-          <a:p>
-            <a:pPr algn="l"/>
-            <a:r>
-              <a:rPr lang="en-US" dirty="0"/>
-              <a:t>ETFs are Better: Myth or Reality?</a:t>
-            </a:r>
-          </a:p>
-        </p:txBody>
-      </p:sp>
-      <p:sp>
-        <p:nvSpPr>
-          <p:cNvPr id="4" name="Slide Number Placeholder 3"/>
-          <p:cNvSpPr>
-            <a:spLocks noGrp="1"/>
-          </p:cNvSpPr>
-          <p:nvPr>
-            <p:ph type="sldNum" sz="quarter" idx="10"/>
-          </p:nvPr>
-        </p:nvSpPr>
-        <p:spPr/>
-        <p:txBody>
-          <a:bodyPr/>
-          <a:lstStyle/>
-          <a:p>
-            <a:pPr>
-              <a:defRPr/>
-            </a:pPr>
-            <a:fld id="{8477AC55-169F-48BF-899E-DC616324E2CF}" type="slidenum">
-              <a:rPr lang="en-US" smtClean="0"/>
-              <a:pPr>
-                <a:defRPr/>
-              </a:pPr>
-              <a:t>21</a:t>
-            </a:fld>
-            <a:endParaRPr lang="en-US" dirty="0"/>
-          </a:p>
-        </p:txBody>
-      </p:sp>
-      <p:graphicFrame>
-        <p:nvGraphicFramePr>
-          <p:cNvPr id="3" name="Object 2"/>
-          <p:cNvGraphicFramePr>
-            <a:graphicFrameLocks noChangeAspect="1"/>
-          </p:cNvGraphicFramePr>
-          <p:nvPr>
-            <p:extLst>
-              <p:ext uri="{D42A27DB-BD31-4B8C-83A1-F6EECF244321}">
-                <p14:modId xmlns:p14="http://schemas.microsoft.com/office/powerpoint/2010/main" val="2501317375"/>
-              </p:ext>
-            </p:extLst>
-          </p:nvPr>
-        </p:nvGraphicFramePr>
-        <p:xfrm>
-          <a:off x="1219200" y="1905000"/>
-          <a:ext cx="6732423" cy="3554454"/>
-        </p:xfrm>
-        <a:graphic>
-          <a:graphicData uri="http://schemas.openxmlformats.org/presentationml/2006/ole">
-            <mc:AlternateContent xmlns:mc="http://schemas.openxmlformats.org/markup-compatibility/2006">
-              <mc:Choice xmlns:v="urn:schemas-microsoft-com:vml" Requires="v">
-                <p:oleObj spid="_x0000_s3093" name="Worksheet" r:id="rId3" imgW="5791110" imgH="3057457" progId="Excel.Sheet.12">
-                  <p:embed/>
-                </p:oleObj>
-              </mc:Choice>
-              <mc:Fallback>
-                <p:oleObj name="Worksheet" r:id="rId3" imgW="5791110" imgH="3057457" progId="Excel.Sheet.12">
-                  <p:embed/>
-                  <p:pic>
-                    <p:nvPicPr>
-                      <p:cNvPr id="0" name=""/>
-                      <p:cNvPicPr/>
-                      <p:nvPr/>
-                    </p:nvPicPr>
-                    <p:blipFill>
-                      <a:blip r:embed="rId4"/>
-                      <a:stretch>
-                        <a:fillRect/>
-                      </a:stretch>
-                    </p:blipFill>
-                    <p:spPr>
-                      <a:xfrm>
-                        <a:off x="1219200" y="1905000"/>
-                        <a:ext cx="6732423" cy="3554454"/>
-                      </a:xfrm>
-                      <a:prstGeom prst="rect">
-                        <a:avLst/>
-                      </a:prstGeom>
-                    </p:spPr>
-                  </p:pic>
-                </p:oleObj>
-              </mc:Fallback>
-            </mc:AlternateContent>
-          </a:graphicData>
-        </a:graphic>
-      </p:graphicFrame>
-    </p:spTree>
-    <p:extLst>
-      <p:ext uri="{BB962C8B-B14F-4D97-AF65-F5344CB8AC3E}">
-        <p14:creationId xmlns:p14="http://schemas.microsoft.com/office/powerpoint/2010/main" val="1501123223"/>
-      </p:ext>
-    </p:extLst>
-  </p:cSld>
-  <p:clrMapOvr>
-    <a:masterClrMapping/>
-  </p:clrMapOvr>
-</p:sld>
-</file>
-
-<file path=ppt/slides/slide23.xml><?xml version="1.0" encoding="utf-8"?>
-<p:sld xmlns:a="http://schemas.openxmlformats.org/drawingml/2006/main" xmlns:r="http://schemas.openxmlformats.org/officeDocument/2006/relationships" xmlns:p="http://schemas.openxmlformats.org/presentationml/2006/main">
-  <p:cSld>
-    <p:spTree>
-      <p:nvGrpSpPr>
-        <p:cNvPr id="1" name=""/>
-        <p:cNvGrpSpPr/>
-        <p:nvPr/>
-      </p:nvGrpSpPr>
-      <p:grpSpPr>
-        <a:xfrm>
-          <a:off x="0" y="0"/>
-          <a:ext cx="0" cy="0"/>
-          <a:chOff x="0" y="0"/>
-          <a:chExt cx="0" cy="0"/>
-        </a:xfrm>
-      </p:grpSpPr>
-      <p:sp>
-        <p:nvSpPr>
-          <p:cNvPr id="2" name="Title 1"/>
-          <p:cNvSpPr>
-            <a:spLocks noGrp="1"/>
-          </p:cNvSpPr>
-          <p:nvPr>
-            <p:ph type="title"/>
-          </p:nvPr>
-        </p:nvSpPr>
-        <p:spPr/>
-        <p:txBody>
-          <a:bodyPr/>
-          <a:lstStyle/>
-          <a:p>
-            <a:pPr algn="l"/>
-            <a:r>
-              <a:rPr lang="en-US" dirty="0"/>
-              <a:t>ETFs are Better: Myth or Reality?</a:t>
-            </a:r>
-          </a:p>
-        </p:txBody>
-      </p:sp>
-      <p:sp>
-        <p:nvSpPr>
-          <p:cNvPr id="4" name="Slide Number Placeholder 3"/>
-          <p:cNvSpPr>
-            <a:spLocks noGrp="1"/>
-          </p:cNvSpPr>
-          <p:nvPr>
-            <p:ph type="sldNum" sz="quarter" idx="10"/>
-          </p:nvPr>
-        </p:nvSpPr>
-        <p:spPr/>
-        <p:txBody>
-          <a:bodyPr/>
-          <a:lstStyle/>
-          <a:p>
-            <a:pPr>
-              <a:defRPr/>
-            </a:pPr>
-            <a:fld id="{8477AC55-169F-48BF-899E-DC616324E2CF}" type="slidenum">
-              <a:rPr lang="en-US" smtClean="0"/>
-              <a:pPr>
-                <a:defRPr/>
-              </a:pPr>
-              <a:t>22</a:t>
-            </a:fld>
-            <a:endParaRPr lang="en-US" dirty="0"/>
-          </a:p>
-        </p:txBody>
-      </p:sp>
-      <p:graphicFrame>
-        <p:nvGraphicFramePr>
-          <p:cNvPr id="5" name="Object 4"/>
-          <p:cNvGraphicFramePr>
-            <a:graphicFrameLocks noChangeAspect="1"/>
-          </p:cNvGraphicFramePr>
-          <p:nvPr>
-            <p:extLst>
-              <p:ext uri="{D42A27DB-BD31-4B8C-83A1-F6EECF244321}">
-                <p14:modId xmlns:p14="http://schemas.microsoft.com/office/powerpoint/2010/main" val="2504020071"/>
-              </p:ext>
-            </p:extLst>
-          </p:nvPr>
-        </p:nvGraphicFramePr>
-        <p:xfrm>
-          <a:off x="304800" y="3276600"/>
-          <a:ext cx="8496300" cy="2295525"/>
-        </p:xfrm>
-        <a:graphic>
-          <a:graphicData uri="http://schemas.openxmlformats.org/presentationml/2006/ole">
-            <mc:AlternateContent xmlns:mc="http://schemas.openxmlformats.org/markup-compatibility/2006">
-              <mc:Choice xmlns:v="urn:schemas-microsoft-com:vml" Requires="v">
-                <p:oleObj spid="_x0000_s4117" name="Worksheet" r:id="rId3" imgW="8496300" imgH="2295457" progId="Excel.Sheet.12">
-                  <p:embed/>
-                </p:oleObj>
-              </mc:Choice>
-              <mc:Fallback>
-                <p:oleObj name="Worksheet" r:id="rId3" imgW="8496300" imgH="2295457" progId="Excel.Sheet.12">
-                  <p:embed/>
-                  <p:pic>
-                    <p:nvPicPr>
-                      <p:cNvPr id="0" name=""/>
-                      <p:cNvPicPr/>
-                      <p:nvPr/>
-                    </p:nvPicPr>
-                    <p:blipFill>
-                      <a:blip r:embed="rId4"/>
-                      <a:stretch>
-                        <a:fillRect/>
-                      </a:stretch>
-                    </p:blipFill>
-                    <p:spPr>
-                      <a:xfrm>
-                        <a:off x="304800" y="3276600"/>
-                        <a:ext cx="8496300" cy="2295525"/>
-                      </a:xfrm>
-                      <a:prstGeom prst="rect">
-                        <a:avLst/>
-                      </a:prstGeom>
-                    </p:spPr>
-                  </p:pic>
-                </p:oleObj>
-              </mc:Fallback>
-            </mc:AlternateContent>
-          </a:graphicData>
-        </a:graphic>
-      </p:graphicFrame>
-      <p:sp>
-        <p:nvSpPr>
-          <p:cNvPr id="6" name="Content Placeholder 2"/>
-          <p:cNvSpPr>
-            <a:spLocks noGrp="1"/>
-          </p:cNvSpPr>
-          <p:nvPr>
-            <p:ph idx="1"/>
-          </p:nvPr>
-        </p:nvSpPr>
-        <p:spPr>
-          <a:xfrm>
-            <a:off x="457200" y="1265237"/>
-            <a:ext cx="8229600" cy="4983163"/>
-          </a:xfrm>
-        </p:spPr>
-        <p:txBody>
-          <a:bodyPr/>
-          <a:lstStyle/>
-          <a:p>
-            <a:r>
-              <a:rPr lang="en-US" sz="2400" dirty="0"/>
-              <a:t>On a relative basis, ETFs over 5 years would have slightly underperformed in most sectors. Discretionary would have had the highest performance and Staples would have had the lowest performance. Others are a push</a:t>
-            </a:r>
-          </a:p>
-        </p:txBody>
-      </p:sp>
-    </p:spTree>
-    <p:extLst>
-      <p:ext uri="{BB962C8B-B14F-4D97-AF65-F5344CB8AC3E}">
-        <p14:creationId xmlns:p14="http://schemas.microsoft.com/office/powerpoint/2010/main" val="577669273"/>
-      </p:ext>
-    </p:extLst>
-  </p:cSld>
-  <p:clrMapOvr>
-    <a:masterClrMapping/>
-  </p:clrMapOvr>
-</p:sld>
-</file>
-
-<file path=ppt/slides/slide24.xml><?xml version="1.0" encoding="utf-8"?>
-<p:sld xmlns:a="http://schemas.openxmlformats.org/drawingml/2006/main" xmlns:r="http://schemas.openxmlformats.org/officeDocument/2006/relationships" xmlns:p="http://schemas.openxmlformats.org/presentationml/2006/main">
-  <p:cSld>
-    <p:spTree>
-      <p:nvGrpSpPr>
-        <p:cNvPr id="1" name=""/>
-        <p:cNvGrpSpPr/>
-        <p:nvPr/>
-      </p:nvGrpSpPr>
-      <p:grpSpPr>
-        <a:xfrm>
-          <a:off x="0" y="0"/>
-          <a:ext cx="0" cy="0"/>
-          <a:chOff x="0" y="0"/>
-          <a:chExt cx="0" cy="0"/>
-        </a:xfrm>
-      </p:grpSpPr>
-      <p:sp>
-        <p:nvSpPr>
-          <p:cNvPr id="2" name="Title 1"/>
-          <p:cNvSpPr>
-            <a:spLocks noGrp="1"/>
-          </p:cNvSpPr>
-          <p:nvPr>
-            <p:ph type="title"/>
-          </p:nvPr>
-        </p:nvSpPr>
-        <p:spPr/>
-        <p:txBody>
-          <a:bodyPr/>
-          <a:lstStyle/>
-          <a:p>
-            <a:pPr algn="l"/>
-            <a:r>
-              <a:rPr lang="en-US" dirty="0"/>
-              <a:t>ETFs are Better: Myth or Reality?</a:t>
-            </a:r>
-          </a:p>
-        </p:txBody>
-      </p:sp>
-      <p:sp>
-        <p:nvSpPr>
-          <p:cNvPr id="4" name="Slide Number Placeholder 3"/>
-          <p:cNvSpPr>
-            <a:spLocks noGrp="1"/>
-          </p:cNvSpPr>
-          <p:nvPr>
-            <p:ph type="sldNum" sz="quarter" idx="10"/>
-          </p:nvPr>
-        </p:nvSpPr>
-        <p:spPr/>
-        <p:txBody>
-          <a:bodyPr/>
-          <a:lstStyle/>
-          <a:p>
-            <a:pPr>
-              <a:defRPr/>
-            </a:pPr>
-            <a:fld id="{8477AC55-169F-48BF-899E-DC616324E2CF}" type="slidenum">
-              <a:rPr lang="en-US" smtClean="0"/>
-              <a:pPr>
-                <a:defRPr/>
-              </a:pPr>
-              <a:t>23</a:t>
-            </a:fld>
-            <a:endParaRPr lang="en-US" dirty="0"/>
-          </a:p>
-        </p:txBody>
-      </p:sp>
-      <p:sp>
-        <p:nvSpPr>
-          <p:cNvPr id="6" name="Content Placeholder 2"/>
-          <p:cNvSpPr>
-            <a:spLocks noGrp="1"/>
-          </p:cNvSpPr>
-          <p:nvPr>
-            <p:ph idx="1"/>
-          </p:nvPr>
-        </p:nvSpPr>
-        <p:spPr>
-          <a:xfrm>
-            <a:off x="457200" y="1265237"/>
-            <a:ext cx="8229600" cy="4983163"/>
-          </a:xfrm>
-        </p:spPr>
-        <p:txBody>
-          <a:bodyPr/>
-          <a:lstStyle/>
-          <a:p>
-            <a:r>
-              <a:rPr lang="en-US" sz="2400" dirty="0"/>
-              <a:t>Implication for strategy</a:t>
-            </a:r>
-          </a:p>
-          <a:p>
-            <a:pPr lvl="1"/>
-            <a:r>
-              <a:rPr lang="en-US" sz="2000" dirty="0"/>
-              <a:t>ETFs may be a good strategy for passively managing risk adjusted returns, but will tend to perform best for select sectors (e.g., Consumer Discretionary, Healthcare, or Industrials)</a:t>
-            </a:r>
-          </a:p>
-          <a:p>
-            <a:pPr lvl="1"/>
-            <a:endParaRPr lang="en-US" sz="2000" dirty="0"/>
-          </a:p>
-          <a:p>
-            <a:pPr lvl="1"/>
-            <a:r>
-              <a:rPr lang="en-US" sz="2000" dirty="0"/>
-              <a:t>As the seasonal trends indicate, Consumer Discretionary and Materials tend to be poor performers over the summer, so an ETF may be better for these sectors relative to actual stock holdings in order to lower volatility. Alternatively, sector weightings should be adjusted going into the summer</a:t>
-            </a:r>
-          </a:p>
-          <a:p>
-            <a:pPr lvl="1"/>
-            <a:endParaRPr lang="en-US" sz="2000" dirty="0"/>
-          </a:p>
-          <a:p>
-            <a:pPr lvl="1"/>
-            <a:r>
-              <a:rPr lang="en-US" sz="2000" dirty="0"/>
-              <a:t>Summer strategy should weigh the pros and cons of active vs. passive management on a risk adjust basis for each sector</a:t>
-            </a:r>
-          </a:p>
-          <a:p>
-            <a:pPr lvl="1"/>
-            <a:endParaRPr lang="en-US" sz="2100" dirty="0"/>
-          </a:p>
-        </p:txBody>
-      </p:sp>
-    </p:spTree>
-    <p:extLst>
-      <p:ext uri="{BB962C8B-B14F-4D97-AF65-F5344CB8AC3E}">
-        <p14:creationId xmlns:p14="http://schemas.microsoft.com/office/powerpoint/2010/main" val="1323669342"/>
-      </p:ext>
-    </p:extLst>
-  </p:cSld>
-  <p:clrMapOvr>
-    <a:masterClrMapping/>
-  </p:clrMapOvr>
-  <p:timing>
-    <p:tnLst>
-      <p:par>
-        <p:cTn id="1" dur="indefinite" restart="never" nodeType="tmRoot">
-          <p:childTnLst>
-            <p:seq concurrent="1" nextAc="seek">
-              <p:cTn id="2" dur="indefinite" nodeType="mainSeq">
-                <p:childTnLst>
-                  <p:par>
-                    <p:cTn id="3" fill="hold">
-                      <p:stCondLst>
-                        <p:cond delay="indefinite"/>
-                      </p:stCondLst>
-                      <p:childTnLst>
-                        <p:par>
-                          <p:cTn id="4" fill="hold">
-                            <p:stCondLst>
-                              <p:cond delay="0"/>
-                            </p:stCondLst>
-                            <p:childTnLst>
-                              <p:par>
-                                <p:cTn id="5" presetID="1" presetClass="entr" presetSubtype="0" fill="hold" nodeType="clickEffect">
-                                  <p:stCondLst>
-                                    <p:cond delay="0"/>
-                                  </p:stCondLst>
-                                  <p:childTnLst>
-                                    <p:set>
-                                      <p:cBhvr>
-                                        <p:cTn id="6" dur="1" fill="hold">
-                                          <p:stCondLst>
-                                            <p:cond delay="0"/>
-                                          </p:stCondLst>
-                                        </p:cTn>
-                                        <p:tgtEl>
-                                          <p:spTgt spid="6">
-                                            <p:txEl>
-                                              <p:pRg st="1" end="1"/>
-                                            </p:txEl>
-                                          </p:spTgt>
-                                        </p:tgtEl>
-                                        <p:attrNameLst>
-                                          <p:attrName>style.visibility</p:attrName>
-                                        </p:attrNameLst>
-                                      </p:cBhvr>
-                                      <p:to>
-                                        <p:strVal val="visible"/>
-                                      </p:to>
-                                    </p:set>
-                                  </p:childTnLst>
-                                </p:cTn>
-                              </p:par>
-                            </p:childTnLst>
-                          </p:cTn>
-                        </p:par>
-                      </p:childTnLst>
-                    </p:cTn>
-                  </p:par>
-                  <p:par>
-                    <p:cTn id="7" fill="hold">
-                      <p:stCondLst>
-                        <p:cond delay="indefinite"/>
-                      </p:stCondLst>
-                      <p:childTnLst>
-                        <p:par>
-                          <p:cTn id="8" fill="hold">
-                            <p:stCondLst>
-                              <p:cond delay="0"/>
-                            </p:stCondLst>
-                            <p:childTnLst>
-                              <p:par>
-                                <p:cTn id="9" presetID="1" presetClass="entr" presetSubtype="0" fill="hold" nodeType="clickEffect">
-                                  <p:stCondLst>
-                                    <p:cond delay="0"/>
-                                  </p:stCondLst>
-                                  <p:childTnLst>
-                                    <p:set>
-                                      <p:cBhvr>
-                                        <p:cTn id="10" dur="1" fill="hold">
-                                          <p:stCondLst>
-                                            <p:cond delay="0"/>
-                                          </p:stCondLst>
-                                        </p:cTn>
-                                        <p:tgtEl>
-                                          <p:spTgt spid="6">
-                                            <p:txEl>
-                                              <p:pRg st="3" end="3"/>
-                                            </p:txEl>
-                                          </p:spTgt>
-                                        </p:tgtEl>
-                                        <p:attrNameLst>
-                                          <p:attrName>style.visibility</p:attrName>
-                                        </p:attrNameLst>
-                                      </p:cBhvr>
-                                      <p:to>
-                                        <p:strVal val="visible"/>
-                                      </p:to>
-                                    </p:set>
-                                  </p:childTnLst>
-                                </p:cTn>
-                              </p:par>
-                            </p:childTnLst>
-                          </p:cTn>
-                        </p:par>
-                      </p:childTnLst>
-                    </p:cTn>
-                  </p:par>
-                  <p:par>
-                    <p:cTn id="11" fill="hold">
-                      <p:stCondLst>
-                        <p:cond delay="indefinite"/>
-                      </p:stCondLst>
-                      <p:childTnLst>
-                        <p:par>
-                          <p:cTn id="12" fill="hold">
-                            <p:stCondLst>
-                              <p:cond delay="0"/>
-                            </p:stCondLst>
-                            <p:childTnLst>
-                              <p:par>
-                                <p:cTn id="13" presetID="1" presetClass="entr" presetSubtype="0" fill="hold" nodeType="clickEffect">
-                                  <p:stCondLst>
-                                    <p:cond delay="0"/>
-                                  </p:stCondLst>
-                                  <p:childTnLst>
-                                    <p:set>
-                                      <p:cBhvr>
-                                        <p:cTn id="14" dur="1" fill="hold">
-                                          <p:stCondLst>
-                                            <p:cond delay="0"/>
-                                          </p:stCondLst>
-                                        </p:cTn>
-                                        <p:tgtEl>
-                                          <p:spTgt spid="6">
-                                            <p:txEl>
-                                              <p:pRg st="5" end="5"/>
-                                            </p:txEl>
-                                          </p:spTgt>
-                                        </p:tgtEl>
-                                        <p:attrNameLst>
-                                          <p:attrName>style.visibility</p:attrName>
-                                        </p:attrNameLst>
-                                      </p:cBhvr>
-                                      <p:to>
-                                        <p:strVal val="visible"/>
-                                      </p:to>
-                                    </p:set>
-                                  </p:childTnLst>
-                                </p:cTn>
-                              </p:par>
-                            </p:childTnLst>
-                          </p:cTn>
-                        </p:par>
-                      </p:childTnLst>
-                    </p:cTn>
-                  </p:par>
-                </p:childTnLst>
-              </p:cTn>
-              <p:prevCondLst>
-                <p:cond evt="onPrev" delay="0">
-                  <p:tgtEl>
-                    <p:sldTgt/>
-                  </p:tgtEl>
-                </p:cond>
-              </p:prevCondLst>
-              <p:nextCondLst>
-                <p:cond evt="onNext" delay="0">
-                  <p:tgtEl>
-                    <p:sldTgt/>
-                  </p:tgtEl>
-                </p:cond>
-              </p:nextCondLst>
-            </p:seq>
-          </p:childTnLst>
-        </p:cTn>
-      </p:par>
-    </p:tnLst>
-  </p:timing>
-</p:sld>
-</file>
-
-<file path=ppt/slides/slide25.xml><?xml version="1.0" encoding="utf-8"?>
-<p:sld xmlns:a="http://schemas.openxmlformats.org/drawingml/2006/main" xmlns:r="http://schemas.openxmlformats.org/officeDocument/2006/relationships" xmlns:p="http://schemas.openxmlformats.org/presentationml/2006/main">
-  <p:cSld>
-    <p:spTree>
-      <p:nvGrpSpPr>
-        <p:cNvPr id="1" name=""/>
-        <p:cNvGrpSpPr/>
-        <p:nvPr/>
-      </p:nvGrpSpPr>
-      <p:grpSpPr>
-        <a:xfrm>
-          <a:off x="0" y="0"/>
-          <a:ext cx="0" cy="0"/>
-          <a:chOff x="0" y="0"/>
-          <a:chExt cx="0" cy="0"/>
-        </a:xfrm>
-      </p:grpSpPr>
-      <p:sp>
-        <p:nvSpPr>
-          <p:cNvPr id="2" name="Title 1"/>
-          <p:cNvSpPr>
-            <a:spLocks noGrp="1"/>
-          </p:cNvSpPr>
-          <p:nvPr>
-            <p:ph type="title"/>
-          </p:nvPr>
-        </p:nvSpPr>
-        <p:spPr/>
-        <p:txBody>
-          <a:bodyPr/>
-          <a:lstStyle/>
-          <a:p>
-            <a:pPr algn="l"/>
-            <a:r>
-              <a:rPr lang="en-US" dirty="0"/>
-              <a:t>Key Takeaways</a:t>
-            </a:r>
-          </a:p>
-        </p:txBody>
-      </p:sp>
-      <p:sp>
-        <p:nvSpPr>
-          <p:cNvPr id="3" name="Content Placeholder 2"/>
-          <p:cNvSpPr>
-            <a:spLocks noGrp="1"/>
-          </p:cNvSpPr>
-          <p:nvPr>
-            <p:ph idx="1"/>
-          </p:nvPr>
-        </p:nvSpPr>
-        <p:spPr/>
-        <p:txBody>
-          <a:bodyPr/>
-          <a:lstStyle/>
-          <a:p>
-            <a:r>
-              <a:rPr lang="en-US" dirty="0"/>
-              <a:t>Data is seems to indicate that investing in ETFs in summer months can produce superior returns</a:t>
-            </a:r>
-          </a:p>
-          <a:p>
-            <a:pPr lvl="1"/>
-            <a:r>
-              <a:rPr lang="en-US" dirty="0"/>
-              <a:t>Limited data actually shows that stock picking is often better</a:t>
-            </a:r>
-          </a:p>
-          <a:p>
-            <a:r>
-              <a:rPr lang="en-US" dirty="0"/>
-              <a:t>Wright Fund should change sector allocation going into May to take advantage of this market behavior</a:t>
-            </a:r>
-          </a:p>
-        </p:txBody>
-      </p:sp>
-      <p:sp>
-        <p:nvSpPr>
-          <p:cNvPr id="4" name="Slide Number Placeholder 3"/>
-          <p:cNvSpPr>
-            <a:spLocks noGrp="1"/>
-          </p:cNvSpPr>
-          <p:nvPr>
-            <p:ph type="sldNum" sz="quarter" idx="10"/>
-          </p:nvPr>
-        </p:nvSpPr>
-        <p:spPr/>
-        <p:txBody>
-          <a:bodyPr/>
-          <a:lstStyle/>
-          <a:p>
-            <a:pPr>
-              <a:defRPr/>
-            </a:pPr>
-            <a:fld id="{8477AC55-169F-48BF-899E-DC616324E2CF}" type="slidenum">
-              <a:rPr lang="en-US" smtClean="0"/>
-              <a:pPr>
-                <a:defRPr/>
-              </a:pPr>
-              <a:t>24</a:t>
-            </a:fld>
-            <a:endParaRPr lang="en-US" dirty="0"/>
-          </a:p>
-        </p:txBody>
-      </p:sp>
-    </p:spTree>
-    <p:extLst>
-      <p:ext uri="{BB962C8B-B14F-4D97-AF65-F5344CB8AC3E}">
-        <p14:creationId xmlns:p14="http://schemas.microsoft.com/office/powerpoint/2010/main" val="3600062067"/>
-      </p:ext>
-    </p:extLst>
-  </p:cSld>
-  <p:clrMapOvr>
-    <a:masterClrMapping/>
-  </p:clrMapOvr>
-</p:sld>
-</file>
-
-<file path=ppt/slides/slide26.xml><?xml version="1.0" encoding="utf-8"?>
-<p:sld xmlns:a="http://schemas.openxmlformats.org/drawingml/2006/main" xmlns:r="http://schemas.openxmlformats.org/officeDocument/2006/relationships" xmlns:p="http://schemas.openxmlformats.org/presentationml/2006/main">
-  <p:cSld>
-    <p:spTree>
-      <p:nvGrpSpPr>
-        <p:cNvPr id="1" name=""/>
-        <p:cNvGrpSpPr/>
-        <p:nvPr/>
-      </p:nvGrpSpPr>
-      <p:grpSpPr>
-        <a:xfrm>
-          <a:off x="0" y="0"/>
-          <a:ext cx="0" cy="0"/>
-          <a:chOff x="0" y="0"/>
-          <a:chExt cx="0" cy="0"/>
-        </a:xfrm>
-      </p:grpSpPr>
-      <p:sp>
-        <p:nvSpPr>
-          <p:cNvPr id="2" name="Title 1"/>
-          <p:cNvSpPr>
-            <a:spLocks noGrp="1"/>
-          </p:cNvSpPr>
-          <p:nvPr>
-            <p:ph type="title"/>
-          </p:nvPr>
-        </p:nvSpPr>
-        <p:spPr/>
-        <p:txBody>
-          <a:bodyPr/>
-          <a:lstStyle/>
-          <a:p>
-            <a:pPr algn="l"/>
-            <a:r>
-              <a:rPr lang="en-US" dirty="0"/>
-              <a:t>Learning From History</a:t>
-            </a:r>
-          </a:p>
-        </p:txBody>
-      </p:sp>
-      <p:sp>
-        <p:nvSpPr>
-          <p:cNvPr id="3" name="Content Placeholder 2"/>
-          <p:cNvSpPr>
-            <a:spLocks noGrp="1"/>
-          </p:cNvSpPr>
-          <p:nvPr>
-            <p:ph idx="1"/>
-          </p:nvPr>
-        </p:nvSpPr>
-        <p:spPr/>
-        <p:txBody>
-          <a:bodyPr/>
-          <a:lstStyle/>
-          <a:p>
-            <a:r>
-              <a:rPr lang="en-US" sz="2800" dirty="0"/>
-              <a:t>Wright Fund must use historical data to achieve greater returns. Market patterns repeat themselves. </a:t>
-            </a:r>
-          </a:p>
-          <a:p>
-            <a:endParaRPr lang="en-US" sz="2800" dirty="0"/>
-          </a:p>
-          <a:p>
-            <a:pPr marL="0" indent="0">
-              <a:buNone/>
-            </a:pPr>
-            <a:r>
-              <a:rPr lang="en-US" sz="2400" dirty="0"/>
-              <a:t>"There's an old saying in Tennessee—I know it's in Texas, probably in Tennessee—that says, 'Fool me once, shame on...shame on you. Fool me — you can't get fooled again.' </a:t>
-            </a:r>
-          </a:p>
-          <a:p>
-            <a:pPr marL="0" indent="0">
-              <a:buNone/>
-            </a:pPr>
-            <a:r>
-              <a:rPr lang="en-US" sz="2100" i="1" dirty="0"/>
-              <a:t>President George W. Bush</a:t>
-            </a:r>
-          </a:p>
-          <a:p>
-            <a:pPr marL="0" indent="0">
-              <a:buNone/>
-            </a:pPr>
-            <a:r>
-              <a:rPr lang="en-US" sz="1900" i="1" dirty="0"/>
-              <a:t>Nashville, Tennessee</a:t>
-            </a:r>
-          </a:p>
-          <a:p>
-            <a:pPr marL="0" indent="0">
-              <a:buNone/>
-            </a:pPr>
-            <a:r>
-              <a:rPr lang="en-US" sz="1900" i="1" dirty="0"/>
-              <a:t>September 17, 2002</a:t>
-            </a:r>
-          </a:p>
-        </p:txBody>
-      </p:sp>
-      <p:sp>
-        <p:nvSpPr>
-          <p:cNvPr id="4" name="Slide Number Placeholder 3"/>
-          <p:cNvSpPr>
-            <a:spLocks noGrp="1"/>
-          </p:cNvSpPr>
-          <p:nvPr>
-            <p:ph type="sldNum" sz="quarter" idx="10"/>
-          </p:nvPr>
-        </p:nvSpPr>
-        <p:spPr/>
-        <p:txBody>
-          <a:bodyPr/>
-          <a:lstStyle/>
-          <a:p>
-            <a:pPr>
-              <a:defRPr/>
-            </a:pPr>
-            <a:fld id="{8477AC55-169F-48BF-899E-DC616324E2CF}" type="slidenum">
-              <a:rPr lang="en-US" smtClean="0"/>
-              <a:pPr>
-                <a:defRPr/>
-              </a:pPr>
-              <a:t>25</a:t>
-            </a:fld>
-            <a:endParaRPr lang="en-US" dirty="0"/>
-          </a:p>
-        </p:txBody>
-      </p:sp>
-      <p:pic>
-        <p:nvPicPr>
-          <p:cNvPr id="5122" name="Picture 2"/>
-          <p:cNvPicPr>
-            <a:picLocks noChangeAspect="1" noChangeArrowheads="1"/>
-          </p:cNvPicPr>
-          <p:nvPr/>
-        </p:nvPicPr>
-        <p:blipFill>
-          <a:blip r:embed="rId2">
-            <a:extLst>
-              <a:ext uri="{28A0092B-C50C-407E-A947-70E740481C1C}">
-                <a14:useLocalDpi xmlns:a14="http://schemas.microsoft.com/office/drawing/2010/main" val="0"/>
-              </a:ext>
-            </a:extLst>
-          </a:blip>
-          <a:srcRect/>
-          <a:stretch>
-            <a:fillRect/>
-          </a:stretch>
-        </p:blipFill>
-        <p:spPr bwMode="auto">
-          <a:xfrm>
-            <a:off x="4276725" y="4373844"/>
-            <a:ext cx="4714875" cy="2026956"/>
-          </a:xfrm>
-          <a:prstGeom prst="rect">
-            <a:avLst/>
-          </a:prstGeom>
-          <a:noFill/>
-          <a:ln>
-            <a:noFill/>
-          </a:ln>
-          <a:extLst>
-            <a:ext uri="{909E8E84-426E-40DD-AFC4-6F175D3DCCD1}">
-              <a14:hiddenFill xmlns:a14="http://schemas.microsoft.com/office/drawing/2010/main">
-                <a:solidFill>
-                  <a:schemeClr val="accent1"/>
-                </a:solidFill>
-              </a14:hiddenFill>
-            </a:ext>
-            <a:ext uri="{91240B29-F687-4F45-9708-019B960494DF}">
-              <a14:hiddenLine xmlns:a14="http://schemas.microsoft.com/office/drawing/2010/main" w="9525">
-                <a:solidFill>
-                  <a:schemeClr val="tx1"/>
-                </a:solidFill>
-                <a:miter lim="800000"/>
-                <a:headEnd/>
-                <a:tailEnd/>
-              </a14:hiddenLine>
-            </a:ext>
-          </a:extLst>
-        </p:spPr>
-      </p:pic>
-    </p:spTree>
-    <p:extLst>
-      <p:ext uri="{BB962C8B-B14F-4D97-AF65-F5344CB8AC3E}">
-        <p14:creationId xmlns:p14="http://schemas.microsoft.com/office/powerpoint/2010/main" val="3089353544"/>
       </p:ext>
     </p:extLst>
   </p:cSld>
@@ -14943,83 +7270,6 @@
     <p:extLst>
       <p:ext uri="{BB962C8B-B14F-4D97-AF65-F5344CB8AC3E}">
         <p14:creationId xmlns:p14="http://schemas.microsoft.com/office/powerpoint/2010/main" val="1968973586"/>
-      </p:ext>
-    </p:extLst>
-  </p:cSld>
-  <p:clrMapOvr>
-    <a:masterClrMapping/>
-  </p:clrMapOvr>
-</p:sld>
-</file>
-
-<file path=ppt/slides/slide9.xml><?xml version="1.0" encoding="utf-8"?>
-<p:sld xmlns:a="http://schemas.openxmlformats.org/drawingml/2006/main" xmlns:r="http://schemas.openxmlformats.org/officeDocument/2006/relationships" xmlns:p="http://schemas.openxmlformats.org/presentationml/2006/main">
-  <p:cSld>
-    <p:spTree>
-      <p:nvGrpSpPr>
-        <p:cNvPr id="1" name=""/>
-        <p:cNvGrpSpPr/>
-        <p:nvPr/>
-      </p:nvGrpSpPr>
-      <p:grpSpPr>
-        <a:xfrm>
-          <a:off x="0" y="0"/>
-          <a:ext cx="0" cy="0"/>
-          <a:chOff x="0" y="0"/>
-          <a:chExt cx="0" cy="0"/>
-        </a:xfrm>
-      </p:grpSpPr>
-      <p:sp>
-        <p:nvSpPr>
-          <p:cNvPr id="2" name="Title 1"/>
-          <p:cNvSpPr>
-            <a:spLocks noGrp="1"/>
-          </p:cNvSpPr>
-          <p:nvPr>
-            <p:ph type="title"/>
-          </p:nvPr>
-        </p:nvSpPr>
-        <p:spPr/>
-        <p:txBody>
-          <a:bodyPr/>
-          <a:lstStyle/>
-          <a:p>
-            <a:r>
-              <a:rPr lang="en-US" dirty="0"/>
-              <a:t>Materials Average Total Returns</a:t>
-            </a:r>
-          </a:p>
-        </p:txBody>
-      </p:sp>
-      <p:graphicFrame>
-        <p:nvGraphicFramePr>
-          <p:cNvPr id="6" name="Content Placeholder 5"/>
-          <p:cNvGraphicFramePr>
-            <a:graphicFrameLocks noGrp="1"/>
-          </p:cNvGraphicFramePr>
-          <p:nvPr>
-            <p:ph idx="1"/>
-            <p:extLst>
-              <p:ext uri="{D42A27DB-BD31-4B8C-83A1-F6EECF244321}">
-                <p14:modId xmlns:p14="http://schemas.microsoft.com/office/powerpoint/2010/main" val="3372829178"/>
-              </p:ext>
-            </p:extLst>
-          </p:nvPr>
-        </p:nvGraphicFramePr>
-        <p:xfrm>
-          <a:off x="457200" y="1600200"/>
-          <a:ext cx="8229600" cy="4525963"/>
-        </p:xfrm>
-        <a:graphic>
-          <a:graphicData uri="http://schemas.openxmlformats.org/drawingml/2006/chart">
-            <c:chart xmlns:c="http://schemas.openxmlformats.org/drawingml/2006/chart" xmlns:r="http://schemas.openxmlformats.org/officeDocument/2006/relationships" r:id="rId2"/>
-          </a:graphicData>
-        </a:graphic>
-      </p:graphicFrame>
-    </p:spTree>
-    <p:extLst>
-      <p:ext uri="{BB962C8B-B14F-4D97-AF65-F5344CB8AC3E}">
-        <p14:creationId xmlns:p14="http://schemas.microsoft.com/office/powerpoint/2010/main" val="4221872339"/>
       </p:ext>
     </p:extLst>
   </p:cSld>

--- a/WF_Portfolio Project_Sector Trends and ETF Strategy.pptx
+++ b/WF_Portfolio Project_Sector Trends and ETF Strategy.pptx
@@ -6130,7 +6130,7 @@
                   <a:srgbClr val="FFFF00"/>
                 </a:solidFill>
               </a:rPr>
-              <a:t>Layla </a:t>
+              <a:t>L. </a:t>
             </a:r>
             <a:r>
               <a:rPr lang="en-US" dirty="0" err="1">
@@ -6154,7 +6154,7 @@
                   <a:srgbClr val="FFFF00"/>
                 </a:solidFill>
               </a:rPr>
-              <a:t>Don Walker</a:t>
+              <a:t>D. Walker</a:t>
             </a:r>
           </a:p>
           <a:p>
@@ -6165,18 +6165,18 @@
                   <a:srgbClr val="FFFF00"/>
                 </a:solidFill>
               </a:rPr>
-              <a:t>Jose Rodriguez</a:t>
+              <a:t>J. Rodriguez</a:t>
             </a:r>
           </a:p>
           <a:p>
             <a:pPr eaLnBrk="1" hangingPunct="1"/>
             <a:r>
-              <a:rPr lang="en-US" dirty="0">
+              <a:rPr lang="en-US">
                 <a:solidFill>
                   <a:srgbClr val="FFFF00"/>
                 </a:solidFill>
               </a:rPr>
-              <a:t>Alex </a:t>
+              <a:t>A. </a:t>
             </a:r>
             <a:r>
               <a:rPr lang="en-US" dirty="0" err="1">
